--- a/files/Arduino_tahak.pptx
+++ b/files/Arduino_tahak.pptx
@@ -7740,14 +7740,14 @@
           <p:nvPr>
             <p:extLst>
               <p:ext uri="{D42A27DB-BD31-4B8C-83A1-F6EECF244321}">
-                <p14:modId xmlns:p14="http://schemas.microsoft.com/office/powerpoint/2010/main" val="863904981"/>
+                <p14:modId xmlns:p14="http://schemas.microsoft.com/office/powerpoint/2010/main" val="1785665595"/>
               </p:ext>
             </p:extLst>
           </p:nvPr>
         </p:nvGraphicFramePr>
         <p:xfrm>
           <a:off x="0" y="-8740"/>
-          <a:ext cx="2869410" cy="9914740"/>
+          <a:ext cx="2869410" cy="9811939"/>
         </p:xfrm>
         <a:graphic>
           <a:graphicData uri="http://schemas.openxmlformats.org/drawingml/2006/table">
@@ -7761,14 +7761,14 @@
                     </a:ext>
                   </a:extLst>
                 </a:gridCol>
-                <a:gridCol w="541939">
+                <a:gridCol w="524605">
                   <a:extLst>
                     <a:ext uri="{9D8B030D-6E8A-4147-A177-3AD203B41FA5}">
                       <a16:colId xmlns:a16="http://schemas.microsoft.com/office/drawing/2014/main" val="1090223755"/>
                     </a:ext>
                   </a:extLst>
                 </a:gridCol>
-                <a:gridCol w="471221">
+                <a:gridCol w="488555">
                   <a:extLst>
                     <a:ext uri="{9D8B030D-6E8A-4147-A177-3AD203B41FA5}">
                       <a16:colId xmlns:a16="http://schemas.microsoft.com/office/drawing/2014/main" val="12166229"/>
@@ -8304,26 +8304,13 @@
                         <a:buNone/>
                       </a:pPr>
                       <a:r>
-                        <a:rPr lang="cs-CZ" sz="900">
-                          <a:effectLst/>
-                          <a:latin typeface="Consolas" panose="020B0609020204030204" pitchFamily="49" charset="0"/>
-                        </a:rPr>
-                        <a:t>celé číslo</a:t>
-                      </a:r>
-                      <a:br>
-                        <a:rPr lang="cs-CZ" sz="900">
-                          <a:effectLst/>
-                          <a:latin typeface="Consolas" panose="020B0609020204030204" pitchFamily="49" charset="0"/>
-                        </a:rPr>
-                      </a:br>
-                      <a:r>
-                        <a:rPr lang="cs-CZ" sz="900">
-                          <a:effectLst/>
-                          <a:latin typeface="Consolas" panose="020B0609020204030204" pitchFamily="49" charset="0"/>
-                        </a:rPr>
-                        <a:t>(-32768÷32767)</a:t>
-                      </a:r>
-                      <a:endParaRPr lang="cs-CZ" sz="900">
+                        <a:rPr lang="cs-CZ" sz="900" dirty="0">
+                          <a:effectLst/>
+                          <a:latin typeface="Consolas" panose="020B0609020204030204" pitchFamily="49" charset="0"/>
+                        </a:rPr>
+                        <a:t>celé číslo (-32768÷32767)</a:t>
+                      </a:r>
+                      <a:endParaRPr lang="cs-CZ" sz="900" dirty="0">
                         <a:effectLst/>
                         <a:latin typeface="Calibri" panose="020F0502020204030204" pitchFamily="34" charset="0"/>
                       </a:endParaRPr>
@@ -8486,13 +8473,41 @@
                         <a:buNone/>
                       </a:pPr>
                       <a:r>
-                        <a:rPr lang="cs-CZ" sz="900">
-                          <a:effectLst/>
-                          <a:latin typeface="Consolas" panose="020B0609020204030204" pitchFamily="49" charset="0"/>
-                        </a:rPr>
-                        <a:t>Dlouhé celé číslo (-231 ÷ 231 )</a:t>
-                      </a:r>
-                      <a:endParaRPr lang="cs-CZ" sz="900">
+                        <a:rPr lang="cs-CZ" sz="900" dirty="0">
+                          <a:effectLst/>
+                          <a:latin typeface="Consolas" panose="020B0609020204030204" pitchFamily="49" charset="0"/>
+                        </a:rPr>
+                        <a:t>Dlouhé celé číslo (-2</a:t>
+                      </a:r>
+                      <a:r>
+                        <a:rPr lang="cs-CZ" sz="900" baseline="30000" dirty="0">
+                          <a:effectLst/>
+                          <a:latin typeface="Consolas" panose="020B0609020204030204" pitchFamily="49" charset="0"/>
+                        </a:rPr>
+                        <a:t>31</a:t>
+                      </a:r>
+                      <a:r>
+                        <a:rPr lang="cs-CZ" sz="900" dirty="0">
+                          <a:effectLst/>
+                          <a:latin typeface="Consolas" panose="020B0609020204030204" pitchFamily="49" charset="0"/>
+                        </a:rPr>
+                        <a:t> ÷ 2</a:t>
+                      </a:r>
+                      <a:r>
+                        <a:rPr lang="cs-CZ" sz="900" baseline="30000" dirty="0">
+                          <a:effectLst/>
+                          <a:latin typeface="Consolas" panose="020B0609020204030204" pitchFamily="49" charset="0"/>
+                        </a:rPr>
+                        <a:t>31</a:t>
+                      </a:r>
+                      <a:r>
+                        <a:rPr lang="cs-CZ" sz="900" dirty="0">
+                          <a:effectLst/>
+                          <a:latin typeface="Consolas" panose="020B0609020204030204" pitchFamily="49" charset="0"/>
+                        </a:rPr>
+                        <a:t>)</a:t>
+                      </a:r>
+                      <a:endParaRPr lang="cs-CZ" sz="900" dirty="0">
                         <a:effectLst/>
                         <a:latin typeface="Calibri" panose="020F0502020204030204" pitchFamily="34" charset="0"/>
                       </a:endParaRPr>
@@ -8642,13 +8657,27 @@
                         <a:buNone/>
                       </a:pPr>
                       <a:r>
-                        <a:rPr lang="cs-CZ" sz="900">
-                          <a:effectLst/>
-                          <a:latin typeface="Consolas" panose="020B0609020204030204" pitchFamily="49" charset="0"/>
-                        </a:rPr>
-                        <a:t>Dlouhé celé číslo (0 ÷ 232 )</a:t>
-                      </a:r>
-                      <a:endParaRPr lang="cs-CZ" sz="900">
+                        <a:rPr lang="cs-CZ" sz="900" dirty="0">
+                          <a:effectLst/>
+                          <a:latin typeface="Consolas" panose="020B0609020204030204" pitchFamily="49" charset="0"/>
+                        </a:rPr>
+                        <a:t>Dlouhé celé číslo (0 ÷ 2</a:t>
+                      </a:r>
+                      <a:r>
+                        <a:rPr lang="cs-CZ" sz="900" baseline="30000" dirty="0">
+                          <a:effectLst/>
+                          <a:latin typeface="Consolas" panose="020B0609020204030204" pitchFamily="49" charset="0"/>
+                        </a:rPr>
+                        <a:t>32</a:t>
+                      </a:r>
+                      <a:r>
+                        <a:rPr lang="cs-CZ" sz="900" dirty="0">
+                          <a:effectLst/>
+                          <a:latin typeface="Consolas" panose="020B0609020204030204" pitchFamily="49" charset="0"/>
+                        </a:rPr>
+                        <a:t> )</a:t>
+                      </a:r>
+                      <a:endParaRPr lang="cs-CZ" sz="900" dirty="0">
                         <a:effectLst/>
                         <a:latin typeface="Calibri" panose="020F0502020204030204" pitchFamily="34" charset="0"/>
                       </a:endParaRPr>
@@ -8815,7 +8844,35 @@
                           <a:effectLst/>
                           <a:latin typeface="Consolas" panose="020B0609020204030204" pitchFamily="49" charset="0"/>
                         </a:rPr>
-                        <a:t>(-3,4*1038 ÷ 3,4*1038 )</a:t>
+                        <a:t>(-3,4*10</a:t>
+                      </a:r>
+                      <a:r>
+                        <a:rPr lang="cs-CZ" sz="900" baseline="30000" dirty="0">
+                          <a:effectLst/>
+                          <a:latin typeface="Consolas" panose="020B0609020204030204" pitchFamily="49" charset="0"/>
+                        </a:rPr>
+                        <a:t>38</a:t>
+                      </a:r>
+                      <a:r>
+                        <a:rPr lang="cs-CZ" sz="900" dirty="0">
+                          <a:effectLst/>
+                          <a:latin typeface="Consolas" panose="020B0609020204030204" pitchFamily="49" charset="0"/>
+                        </a:rPr>
+                        <a:t> ÷ 3,4*10</a:t>
+                      </a:r>
+                      <a:r>
+                        <a:rPr lang="cs-CZ" sz="900" baseline="30000" dirty="0">
+                          <a:effectLst/>
+                          <a:latin typeface="Consolas" panose="020B0609020204030204" pitchFamily="49" charset="0"/>
+                        </a:rPr>
+                        <a:t>38</a:t>
+                      </a:r>
+                      <a:r>
+                        <a:rPr lang="cs-CZ" sz="900" dirty="0">
+                          <a:effectLst/>
+                          <a:latin typeface="Consolas" panose="020B0609020204030204" pitchFamily="49" charset="0"/>
+                        </a:rPr>
+                        <a:t> )</a:t>
                       </a:r>
                       <a:endParaRPr lang="cs-CZ" sz="900" dirty="0">
                         <a:effectLst/>
@@ -9424,13 +9481,13 @@
                         <a:buNone/>
                       </a:pPr>
                       <a:r>
-                        <a:rPr lang="cs-CZ" sz="900">
+                        <a:rPr lang="cs-CZ" sz="900" dirty="0">
                           <a:effectLst/>
                           <a:latin typeface="Consolas" panose="020B0609020204030204" pitchFamily="49" charset="0"/>
                         </a:rPr>
                         <a:t>int age = 25;</a:t>
                       </a:r>
-                      <a:endParaRPr lang="cs-CZ" sz="900">
+                      <a:endParaRPr lang="cs-CZ" sz="900" dirty="0">
                         <a:effectLst/>
                         <a:latin typeface="Calibri" panose="020F0502020204030204" pitchFamily="34" charset="0"/>
                       </a:endParaRPr>
@@ -9891,7 +9948,7 @@
                           <a:effectLst/>
                           <a:latin typeface="Consolas" panose="020B0609020204030204" pitchFamily="49" charset="0"/>
                         </a:rPr>
-                        <a:t>for (int i=0;i&lt;4;i++){</a:t>
+                        <a:t>for (int i=0; i&lt;4; i++){</a:t>
                       </a:r>
                       <a:br>
                         <a:rPr lang="cs-CZ" sz="900" dirty="0">
@@ -14293,28 +14350,28 @@
           <p:nvPr>
             <p:extLst>
               <p:ext uri="{D42A27DB-BD31-4B8C-83A1-F6EECF244321}">
-                <p14:modId xmlns:p14="http://schemas.microsoft.com/office/powerpoint/2010/main" val="1614640694"/>
+                <p14:modId xmlns:p14="http://schemas.microsoft.com/office/powerpoint/2010/main" val="2462026545"/>
               </p:ext>
             </p:extLst>
           </p:nvPr>
         </p:nvGraphicFramePr>
         <p:xfrm>
-          <a:off x="3048000" y="165126"/>
-          <a:ext cx="3810000" cy="9754802"/>
+          <a:off x="3000375" y="165126"/>
+          <a:ext cx="3857625" cy="9747239"/>
         </p:xfrm>
         <a:graphic>
           <a:graphicData uri="http://schemas.openxmlformats.org/drawingml/2006/table">
             <a:tbl>
               <a:tblPr/>
               <a:tblGrid>
-                <a:gridCol w="798366">
+                <a:gridCol w="808346">
                   <a:extLst>
                     <a:ext uri="{9D8B030D-6E8A-4147-A177-3AD203B41FA5}">
                       <a16:colId xmlns:a16="http://schemas.microsoft.com/office/drawing/2014/main" val="1418525097"/>
                     </a:ext>
                   </a:extLst>
                 </a:gridCol>
-                <a:gridCol w="3011634">
+                <a:gridCol w="3049279">
                   <a:extLst>
                     <a:ext uri="{9D8B030D-6E8A-4147-A177-3AD203B41FA5}">
                       <a16:colId xmlns:a16="http://schemas.microsoft.com/office/drawing/2014/main" val="3696266511"/>
@@ -14346,9 +14403,14 @@
                         <a:defRPr/>
                       </a:pPr>
                       <a:r>
-                        <a:rPr lang="cs-CZ" sz="900" dirty="0">
-                          <a:effectLst/>
-                          <a:latin typeface="Calibri" panose="020F0502020204030204" pitchFamily="34" charset="0"/>
+                        <a:rPr lang="cs-CZ" sz="900" kern="1200" dirty="0">
+                          <a:solidFill>
+                            <a:schemeClr val="tx1"/>
+                          </a:solidFill>
+                          <a:effectLst/>
+                          <a:latin typeface="Consolas" panose="020B0609020204030204" pitchFamily="49" charset="0"/>
+                          <a:ea typeface="+mn-ea"/>
+                          <a:cs typeface="+mn-cs"/>
                         </a:rPr>
                         <a:t>int led_pin = 13; // definice proměnné s číslem pinu </a:t>
                       </a:r>
@@ -14357,45 +14419,70 @@
                       <a:pPr algn="l">
                         <a:buNone/>
                       </a:pPr>
-                      <a:endParaRPr lang="cs-CZ" sz="900" dirty="0">
-                        <a:effectLst/>
-                        <a:latin typeface="Calibri" panose="020F0502020204030204" pitchFamily="34" charset="0"/>
-                      </a:endParaRPr>
-                    </a:p>
-                    <a:p>
-                      <a:pPr algn="l">
-                        <a:buNone/>
-                      </a:pPr>
-                      <a:r>
-                        <a:rPr lang="cs-CZ" sz="900" dirty="0">
-                          <a:effectLst/>
-                          <a:latin typeface="Calibri" panose="020F0502020204030204" pitchFamily="34" charset="0"/>
-                        </a:rPr>
-                        <a:t>// funkce setup() se spustí pouze jednou, po připojení napájení nebo resetu </a:t>
-                      </a:r>
-                    </a:p>
-                    <a:p>
-                      <a:pPr algn="l">
-                        <a:buNone/>
-                      </a:pPr>
-                      <a:r>
-                        <a:rPr lang="cs-CZ" sz="900" dirty="0">
-                          <a:effectLst/>
-                          <a:latin typeface="Calibri" panose="020F0502020204030204" pitchFamily="34" charset="0"/>
+                      <a:endParaRPr lang="cs-CZ" sz="900" kern="1200" dirty="0">
+                        <a:solidFill>
+                          <a:schemeClr val="tx1"/>
+                        </a:solidFill>
+                        <a:effectLst/>
+                        <a:latin typeface="Consolas" panose="020B0609020204030204" pitchFamily="49" charset="0"/>
+                        <a:ea typeface="+mn-ea"/>
+                        <a:cs typeface="+mn-cs"/>
+                      </a:endParaRPr>
+                    </a:p>
+                    <a:p>
+                      <a:pPr algn="l">
+                        <a:buNone/>
+                      </a:pPr>
+                      <a:r>
+                        <a:rPr lang="cs-CZ" sz="900" kern="1200" dirty="0">
+                          <a:solidFill>
+                            <a:schemeClr val="tx1"/>
+                          </a:solidFill>
+                          <a:effectLst/>
+                          <a:latin typeface="Consolas" panose="020B0609020204030204" pitchFamily="49" charset="0"/>
+                          <a:ea typeface="+mn-ea"/>
+                          <a:cs typeface="+mn-cs"/>
+                        </a:rPr>
+                        <a:t>// funkce setup() se spustí jen jednou, po resetu </a:t>
+                      </a:r>
+                    </a:p>
+                    <a:p>
+                      <a:pPr algn="l">
+                        <a:buNone/>
+                      </a:pPr>
+                      <a:r>
+                        <a:rPr lang="cs-CZ" sz="900" kern="1200" dirty="0">
+                          <a:solidFill>
+                            <a:schemeClr val="tx1"/>
+                          </a:solidFill>
+                          <a:effectLst/>
+                          <a:latin typeface="Consolas" panose="020B0609020204030204" pitchFamily="49" charset="0"/>
+                          <a:ea typeface="+mn-ea"/>
+                          <a:cs typeface="+mn-cs"/>
                         </a:rPr>
                         <a:t>void </a:t>
                       </a:r>
                       <a:r>
-                        <a:rPr lang="cs-CZ" sz="900" b="1" dirty="0">
-                          <a:effectLst/>
-                          <a:latin typeface="Calibri" panose="020F0502020204030204" pitchFamily="34" charset="0"/>
+                        <a:rPr lang="cs-CZ" sz="900" b="1" kern="1200" dirty="0">
+                          <a:solidFill>
+                            <a:schemeClr val="tx1"/>
+                          </a:solidFill>
+                          <a:effectLst/>
+                          <a:latin typeface="Consolas" panose="020B0609020204030204" pitchFamily="49" charset="0"/>
+                          <a:ea typeface="+mn-ea"/>
+                          <a:cs typeface="+mn-cs"/>
                         </a:rPr>
                         <a:t>setup</a:t>
                       </a:r>
                       <a:r>
-                        <a:rPr lang="cs-CZ" sz="900" dirty="0">
-                          <a:effectLst/>
-                          <a:latin typeface="Calibri" panose="020F0502020204030204" pitchFamily="34" charset="0"/>
+                        <a:rPr lang="cs-CZ" sz="900" kern="1200" dirty="0">
+                          <a:solidFill>
+                            <a:schemeClr val="tx1"/>
+                          </a:solidFill>
+                          <a:effectLst/>
+                          <a:latin typeface="Consolas" panose="020B0609020204030204" pitchFamily="49" charset="0"/>
+                          <a:ea typeface="+mn-ea"/>
+                          <a:cs typeface="+mn-cs"/>
                         </a:rPr>
                         <a:t>() </a:t>
                       </a:r>
@@ -14405,9 +14492,14 @@
                         <a:buNone/>
                       </a:pPr>
                       <a:r>
-                        <a:rPr lang="cs-CZ" sz="900" dirty="0">
-                          <a:effectLst/>
-                          <a:latin typeface="Calibri" panose="020F0502020204030204" pitchFamily="34" charset="0"/>
+                        <a:rPr lang="cs-CZ" sz="900" kern="1200" dirty="0">
+                          <a:solidFill>
+                            <a:schemeClr val="tx1"/>
+                          </a:solidFill>
+                          <a:effectLst/>
+                          <a:latin typeface="Consolas" panose="020B0609020204030204" pitchFamily="49" charset="0"/>
+                          <a:ea typeface="+mn-ea"/>
+                          <a:cs typeface="+mn-cs"/>
                         </a:rPr>
                         <a:t>{ </a:t>
                       </a:r>
@@ -14417,35 +14509,55 @@
                         <a:buNone/>
                       </a:pPr>
                       <a:r>
-                        <a:rPr lang="cs-CZ" sz="900" dirty="0">
-                          <a:effectLst/>
-                          <a:latin typeface="Calibri" panose="020F0502020204030204" pitchFamily="34" charset="0"/>
+                        <a:rPr lang="cs-CZ" sz="900" kern="1200" dirty="0">
+                          <a:solidFill>
+                            <a:schemeClr val="tx1"/>
+                          </a:solidFill>
+                          <a:effectLst/>
+                          <a:latin typeface="Consolas" panose="020B0609020204030204" pitchFamily="49" charset="0"/>
+                          <a:ea typeface="+mn-ea"/>
+                          <a:cs typeface="+mn-cs"/>
                         </a:rPr>
                         <a:t>   </a:t>
                       </a:r>
                       <a:r>
-                        <a:rPr lang="cs-CZ" sz="900" b="1" dirty="0">
-                          <a:effectLst/>
-                          <a:latin typeface="Calibri" panose="020F0502020204030204" pitchFamily="34" charset="0"/>
+                        <a:rPr lang="cs-CZ" sz="900" b="1" kern="1200" dirty="0">
+                          <a:solidFill>
+                            <a:schemeClr val="tx1"/>
+                          </a:solidFill>
+                          <a:effectLst/>
+                          <a:latin typeface="Consolas" panose="020B0609020204030204" pitchFamily="49" charset="0"/>
+                          <a:ea typeface="+mn-ea"/>
+                          <a:cs typeface="+mn-cs"/>
                         </a:rPr>
                         <a:t>pinMode</a:t>
                       </a:r>
                       <a:r>
-                        <a:rPr lang="cs-CZ" sz="900" dirty="0">
-                          <a:effectLst/>
-                          <a:latin typeface="Calibri" panose="020F0502020204030204" pitchFamily="34" charset="0"/>
-                        </a:rPr>
-                        <a:t>(led_pin, OUTPUT); // nastaví pin s LEDkou jako výstup </a:t>
-                      </a:r>
-                    </a:p>
-                    <a:p>
-                      <a:pPr algn="l">
-                        <a:buNone/>
-                      </a:pPr>
-                      <a:r>
-                        <a:rPr lang="cs-CZ" sz="900" dirty="0">
-                          <a:effectLst/>
-                          <a:latin typeface="Calibri" panose="020F0502020204030204" pitchFamily="34" charset="0"/>
+                        <a:rPr lang="cs-CZ" sz="900" kern="1200" dirty="0">
+                          <a:solidFill>
+                            <a:schemeClr val="tx1"/>
+                          </a:solidFill>
+                          <a:effectLst/>
+                          <a:latin typeface="Consolas" panose="020B0609020204030204" pitchFamily="49" charset="0"/>
+                          <a:ea typeface="+mn-ea"/>
+                          <a:cs typeface="+mn-cs"/>
+                        </a:rPr>
+                        <a:t>(led_pin, OUTPUT); // nastaví pin jako výstup </a:t>
+                      </a:r>
+                    </a:p>
+                    <a:p>
+                      <a:pPr algn="l">
+                        <a:buNone/>
+                      </a:pPr>
+                      <a:r>
+                        <a:rPr lang="cs-CZ" sz="900" kern="1200" dirty="0">
+                          <a:solidFill>
+                            <a:schemeClr val="tx1"/>
+                          </a:solidFill>
+                          <a:effectLst/>
+                          <a:latin typeface="Consolas" panose="020B0609020204030204" pitchFamily="49" charset="0"/>
+                          <a:ea typeface="+mn-ea"/>
+                          <a:cs typeface="+mn-cs"/>
                         </a:rPr>
                         <a:t>} </a:t>
                       </a:r>
@@ -14454,19 +14566,29 @@
                       <a:pPr algn="l">
                         <a:buNone/>
                       </a:pPr>
-                      <a:endParaRPr lang="cs-CZ" sz="900" dirty="0">
-                        <a:effectLst/>
-                        <a:latin typeface="Calibri" panose="020F0502020204030204" pitchFamily="34" charset="0"/>
-                      </a:endParaRPr>
-                    </a:p>
-                    <a:p>
-                      <a:pPr algn="l">
-                        <a:buNone/>
-                      </a:pPr>
-                      <a:r>
-                        <a:rPr lang="cs-CZ" sz="900" dirty="0">
-                          <a:effectLst/>
-                          <a:latin typeface="Calibri" panose="020F0502020204030204" pitchFamily="34" charset="0"/>
+                      <a:endParaRPr lang="cs-CZ" sz="900" kern="1200" dirty="0">
+                        <a:solidFill>
+                          <a:schemeClr val="tx1"/>
+                        </a:solidFill>
+                        <a:effectLst/>
+                        <a:latin typeface="Consolas" panose="020B0609020204030204" pitchFamily="49" charset="0"/>
+                        <a:ea typeface="+mn-ea"/>
+                        <a:cs typeface="+mn-cs"/>
+                      </a:endParaRPr>
+                    </a:p>
+                    <a:p>
+                      <a:pPr algn="l">
+                        <a:buNone/>
+                      </a:pPr>
+                      <a:r>
+                        <a:rPr lang="cs-CZ" sz="900" kern="1200" dirty="0">
+                          <a:solidFill>
+                            <a:schemeClr val="tx1"/>
+                          </a:solidFill>
+                          <a:effectLst/>
+                          <a:latin typeface="Consolas" panose="020B0609020204030204" pitchFamily="49" charset="0"/>
+                          <a:ea typeface="+mn-ea"/>
+                          <a:cs typeface="+mn-cs"/>
                         </a:rPr>
                         <a:t>// funkce loop() se bude volat stále dokola </a:t>
                       </a:r>
@@ -14476,23 +14598,38 @@
                         <a:buNone/>
                       </a:pPr>
                       <a:r>
-                        <a:rPr lang="cs-CZ" sz="900" dirty="0">
-                          <a:effectLst/>
-                          <a:latin typeface="Calibri" panose="020F0502020204030204" pitchFamily="34" charset="0"/>
+                        <a:rPr lang="cs-CZ" sz="900" kern="1200" dirty="0">
+                          <a:solidFill>
+                            <a:schemeClr val="tx1"/>
+                          </a:solidFill>
+                          <a:effectLst/>
+                          <a:latin typeface="Consolas" panose="020B0609020204030204" pitchFamily="49" charset="0"/>
+                          <a:ea typeface="+mn-ea"/>
+                          <a:cs typeface="+mn-cs"/>
                         </a:rPr>
                         <a:t>void </a:t>
                       </a:r>
                       <a:r>
-                        <a:rPr lang="cs-CZ" sz="900" b="1" dirty="0">
-                          <a:effectLst/>
-                          <a:latin typeface="Calibri" panose="020F0502020204030204" pitchFamily="34" charset="0"/>
+                        <a:rPr lang="cs-CZ" sz="900" b="1" kern="1200" dirty="0">
+                          <a:solidFill>
+                            <a:schemeClr val="tx1"/>
+                          </a:solidFill>
+                          <a:effectLst/>
+                          <a:latin typeface="Consolas" panose="020B0609020204030204" pitchFamily="49" charset="0"/>
+                          <a:ea typeface="+mn-ea"/>
+                          <a:cs typeface="+mn-cs"/>
                         </a:rPr>
                         <a:t>loop</a:t>
                       </a:r>
                       <a:r>
-                        <a:rPr lang="cs-CZ" sz="900" dirty="0">
-                          <a:effectLst/>
-                          <a:latin typeface="Calibri" panose="020F0502020204030204" pitchFamily="34" charset="0"/>
+                        <a:rPr lang="cs-CZ" sz="900" kern="1200" dirty="0">
+                          <a:solidFill>
+                            <a:schemeClr val="tx1"/>
+                          </a:solidFill>
+                          <a:effectLst/>
+                          <a:latin typeface="Consolas" panose="020B0609020204030204" pitchFamily="49" charset="0"/>
+                          <a:ea typeface="+mn-ea"/>
+                          <a:cs typeface="+mn-cs"/>
                         </a:rPr>
                         <a:t>() </a:t>
                       </a:r>
@@ -14502,9 +14639,14 @@
                         <a:buNone/>
                       </a:pPr>
                       <a:r>
-                        <a:rPr lang="cs-CZ" sz="900" dirty="0">
-                          <a:effectLst/>
-                          <a:latin typeface="Calibri" panose="020F0502020204030204" pitchFamily="34" charset="0"/>
+                        <a:rPr lang="cs-CZ" sz="900" kern="1200" dirty="0">
+                          <a:solidFill>
+                            <a:schemeClr val="tx1"/>
+                          </a:solidFill>
+                          <a:effectLst/>
+                          <a:latin typeface="Consolas" panose="020B0609020204030204" pitchFamily="49" charset="0"/>
+                          <a:ea typeface="+mn-ea"/>
+                          <a:cs typeface="+mn-cs"/>
                         </a:rPr>
                         <a:t>{ </a:t>
                       </a:r>
@@ -14514,63 +14656,79 @@
                         <a:buNone/>
                       </a:pPr>
                       <a:r>
-                        <a:rPr lang="cs-CZ" sz="900" dirty="0">
-                          <a:effectLst/>
-                          <a:latin typeface="Calibri" panose="020F0502020204030204" pitchFamily="34" charset="0"/>
+                        <a:rPr lang="cs-CZ" sz="900" kern="1200" dirty="0">
+                          <a:solidFill>
+                            <a:schemeClr val="tx1"/>
+                          </a:solidFill>
+                          <a:effectLst/>
+                          <a:latin typeface="Consolas" panose="020B0609020204030204" pitchFamily="49" charset="0"/>
+                          <a:ea typeface="+mn-ea"/>
+                          <a:cs typeface="+mn-cs"/>
                         </a:rPr>
                         <a:t>   </a:t>
                       </a:r>
                       <a:r>
-                        <a:rPr lang="cs-CZ" sz="900" b="1" dirty="0">
-                          <a:effectLst/>
-                          <a:latin typeface="Calibri" panose="020F0502020204030204" pitchFamily="34" charset="0"/>
+                        <a:rPr lang="cs-CZ" sz="900" b="1" kern="1200" dirty="0">
+                          <a:solidFill>
+                            <a:schemeClr val="tx1"/>
+                          </a:solidFill>
+                          <a:effectLst/>
+                          <a:latin typeface="Consolas" panose="020B0609020204030204" pitchFamily="49" charset="0"/>
+                          <a:ea typeface="+mn-ea"/>
+                          <a:cs typeface="+mn-cs"/>
                         </a:rPr>
                         <a:t>digitalWrite</a:t>
                       </a:r>
                       <a:r>
-                        <a:rPr lang="cs-CZ" sz="900" dirty="0">
-                          <a:effectLst/>
-                          <a:latin typeface="Calibri" panose="020F0502020204030204" pitchFamily="34" charset="0"/>
-                        </a:rPr>
-                        <a:t>(led_pin, </a:t>
-                      </a:r>
-                      <a:r>
-                        <a:rPr lang="cs-CZ" sz="900" b="1" dirty="0">
-                          <a:effectLst/>
-                          <a:latin typeface="Calibri" panose="020F0502020204030204" pitchFamily="34" charset="0"/>
-                        </a:rPr>
-                        <a:t>HIGH</a:t>
-                      </a:r>
-                      <a:r>
-                        <a:rPr lang="cs-CZ" sz="900" dirty="0">
-                          <a:effectLst/>
-                          <a:latin typeface="Calibri" panose="020F0502020204030204" pitchFamily="34" charset="0"/>
-                        </a:rPr>
-                        <a:t>); // nastav na pinu s LEDkou HIGH -&gt; 5V </a:t>
-                      </a:r>
-                    </a:p>
-                    <a:p>
-                      <a:pPr algn="l">
-                        <a:buNone/>
-                      </a:pPr>
-                      <a:r>
-                        <a:rPr lang="cs-CZ" sz="900" dirty="0">
-                          <a:effectLst/>
-                          <a:latin typeface="Calibri" panose="020F0502020204030204" pitchFamily="34" charset="0"/>
+                        <a:rPr lang="cs-CZ" sz="900" kern="1200" dirty="0">
+                          <a:solidFill>
+                            <a:schemeClr val="tx1"/>
+                          </a:solidFill>
+                          <a:effectLst/>
+                          <a:latin typeface="Consolas" panose="020B0609020204030204" pitchFamily="49" charset="0"/>
+                          <a:ea typeface="+mn-ea"/>
+                          <a:cs typeface="+mn-cs"/>
+                        </a:rPr>
+                        <a:t>(led_pin, HIGH); // nastav na pinu HIGH-&gt;5V </a:t>
+                      </a:r>
+                    </a:p>
+                    <a:p>
+                      <a:pPr algn="l">
+                        <a:buNone/>
+                      </a:pPr>
+                      <a:r>
+                        <a:rPr lang="cs-CZ" sz="900" kern="1200" dirty="0">
+                          <a:solidFill>
+                            <a:schemeClr val="tx1"/>
+                          </a:solidFill>
+                          <a:effectLst/>
+                          <a:latin typeface="Consolas" panose="020B0609020204030204" pitchFamily="49" charset="0"/>
+                          <a:ea typeface="+mn-ea"/>
+                          <a:cs typeface="+mn-cs"/>
                         </a:rPr>
                         <a:t>   </a:t>
                       </a:r>
                       <a:r>
-                        <a:rPr lang="cs-CZ" sz="900" b="1" dirty="0">
-                          <a:effectLst/>
-                          <a:latin typeface="Calibri" panose="020F0502020204030204" pitchFamily="34" charset="0"/>
+                        <a:rPr lang="cs-CZ" sz="900" b="1" kern="1200" dirty="0">
+                          <a:solidFill>
+                            <a:schemeClr val="tx1"/>
+                          </a:solidFill>
+                          <a:effectLst/>
+                          <a:latin typeface="Consolas" panose="020B0609020204030204" pitchFamily="49" charset="0"/>
+                          <a:ea typeface="+mn-ea"/>
+                          <a:cs typeface="+mn-cs"/>
                         </a:rPr>
                         <a:t>delay</a:t>
                       </a:r>
                       <a:r>
-                        <a:rPr lang="cs-CZ" sz="900" dirty="0">
-                          <a:effectLst/>
-                          <a:latin typeface="Calibri" panose="020F0502020204030204" pitchFamily="34" charset="0"/>
+                        <a:rPr lang="cs-CZ" sz="900" kern="1200" dirty="0">
+                          <a:solidFill>
+                            <a:schemeClr val="tx1"/>
+                          </a:solidFill>
+                          <a:effectLst/>
+                          <a:latin typeface="Consolas" panose="020B0609020204030204" pitchFamily="49" charset="0"/>
+                          <a:ea typeface="+mn-ea"/>
+                          <a:cs typeface="+mn-cs"/>
                         </a:rPr>
                         <a:t>(1000); // počkej 1000ms </a:t>
                       </a:r>
@@ -14580,63 +14738,79 @@
                         <a:buNone/>
                       </a:pPr>
                       <a:r>
-                        <a:rPr lang="cs-CZ" sz="900" dirty="0">
-                          <a:effectLst/>
-                          <a:latin typeface="Calibri" panose="020F0502020204030204" pitchFamily="34" charset="0"/>
+                        <a:rPr lang="cs-CZ" sz="900" kern="1200" dirty="0">
+                          <a:solidFill>
+                            <a:schemeClr val="tx1"/>
+                          </a:solidFill>
+                          <a:effectLst/>
+                          <a:latin typeface="Consolas" panose="020B0609020204030204" pitchFamily="49" charset="0"/>
+                          <a:ea typeface="+mn-ea"/>
+                          <a:cs typeface="+mn-cs"/>
                         </a:rPr>
                         <a:t>   </a:t>
                       </a:r>
                       <a:r>
-                        <a:rPr lang="cs-CZ" sz="900" b="1" dirty="0">
-                          <a:effectLst/>
-                          <a:latin typeface="Calibri" panose="020F0502020204030204" pitchFamily="34" charset="0"/>
+                        <a:rPr lang="cs-CZ" sz="900" b="1" kern="1200" dirty="0">
+                          <a:solidFill>
+                            <a:schemeClr val="tx1"/>
+                          </a:solidFill>
+                          <a:effectLst/>
+                          <a:latin typeface="Consolas" panose="020B0609020204030204" pitchFamily="49" charset="0"/>
+                          <a:ea typeface="+mn-ea"/>
+                          <a:cs typeface="+mn-cs"/>
                         </a:rPr>
                         <a:t>digitalWrite</a:t>
                       </a:r>
                       <a:r>
-                        <a:rPr lang="cs-CZ" sz="900" dirty="0">
-                          <a:effectLst/>
-                          <a:latin typeface="Calibri" panose="020F0502020204030204" pitchFamily="34" charset="0"/>
-                        </a:rPr>
-                        <a:t>(led_pin, </a:t>
-                      </a:r>
-                      <a:r>
-                        <a:rPr lang="cs-CZ" sz="900" b="1" dirty="0">
-                          <a:effectLst/>
-                          <a:latin typeface="Calibri" panose="020F0502020204030204" pitchFamily="34" charset="0"/>
-                        </a:rPr>
-                        <a:t>LOW</a:t>
-                      </a:r>
-                      <a:r>
-                        <a:rPr lang="cs-CZ" sz="900" dirty="0">
-                          <a:effectLst/>
-                          <a:latin typeface="Calibri" panose="020F0502020204030204" pitchFamily="34" charset="0"/>
-                        </a:rPr>
-                        <a:t>); // nastav na pinu s LEDkou LOW -&gt; 0V </a:t>
-                      </a:r>
-                    </a:p>
-                    <a:p>
-                      <a:pPr algn="l">
-                        <a:buNone/>
-                      </a:pPr>
-                      <a:r>
-                        <a:rPr lang="cs-CZ" sz="900" dirty="0">
-                          <a:effectLst/>
-                          <a:latin typeface="Calibri" panose="020F0502020204030204" pitchFamily="34" charset="0"/>
+                        <a:rPr lang="cs-CZ" sz="900" kern="1200" dirty="0">
+                          <a:solidFill>
+                            <a:schemeClr val="tx1"/>
+                          </a:solidFill>
+                          <a:effectLst/>
+                          <a:latin typeface="Consolas" panose="020B0609020204030204" pitchFamily="49" charset="0"/>
+                          <a:ea typeface="+mn-ea"/>
+                          <a:cs typeface="+mn-cs"/>
+                        </a:rPr>
+                        <a:t>(led_pin, LOW); // nastav na pinu LOW-&gt;0V </a:t>
+                      </a:r>
+                    </a:p>
+                    <a:p>
+                      <a:pPr algn="l">
+                        <a:buNone/>
+                      </a:pPr>
+                      <a:r>
+                        <a:rPr lang="cs-CZ" sz="900" kern="1200" dirty="0">
+                          <a:solidFill>
+                            <a:schemeClr val="tx1"/>
+                          </a:solidFill>
+                          <a:effectLst/>
+                          <a:latin typeface="Consolas" panose="020B0609020204030204" pitchFamily="49" charset="0"/>
+                          <a:ea typeface="+mn-ea"/>
+                          <a:cs typeface="+mn-cs"/>
                         </a:rPr>
                         <a:t>   </a:t>
                       </a:r>
                       <a:r>
-                        <a:rPr lang="cs-CZ" sz="900" b="1" dirty="0">
-                          <a:effectLst/>
-                          <a:latin typeface="Calibri" panose="020F0502020204030204" pitchFamily="34" charset="0"/>
+                        <a:rPr lang="cs-CZ" sz="900" b="1" kern="1200" dirty="0">
+                          <a:solidFill>
+                            <a:schemeClr val="tx1"/>
+                          </a:solidFill>
+                          <a:effectLst/>
+                          <a:latin typeface="Consolas" panose="020B0609020204030204" pitchFamily="49" charset="0"/>
+                          <a:ea typeface="+mn-ea"/>
+                          <a:cs typeface="+mn-cs"/>
                         </a:rPr>
                         <a:t>delay</a:t>
                       </a:r>
                       <a:r>
-                        <a:rPr lang="cs-CZ" sz="900" dirty="0">
-                          <a:effectLst/>
-                          <a:latin typeface="Calibri" panose="020F0502020204030204" pitchFamily="34" charset="0"/>
+                        <a:rPr lang="cs-CZ" sz="900" kern="1200" dirty="0">
+                          <a:solidFill>
+                            <a:schemeClr val="tx1"/>
+                          </a:solidFill>
+                          <a:effectLst/>
+                          <a:latin typeface="Consolas" panose="020B0609020204030204" pitchFamily="49" charset="0"/>
+                          <a:ea typeface="+mn-ea"/>
+                          <a:cs typeface="+mn-cs"/>
                         </a:rPr>
                         <a:t>(1000); // počkej 1000ms </a:t>
                       </a:r>
@@ -14646,9 +14820,14 @@
                         <a:buNone/>
                       </a:pPr>
                       <a:r>
-                        <a:rPr lang="cs-CZ" sz="900" dirty="0">
-                          <a:effectLst/>
-                          <a:latin typeface="Calibri" panose="020F0502020204030204" pitchFamily="34" charset="0"/>
+                        <a:rPr lang="cs-CZ" sz="900" kern="1200" dirty="0">
+                          <a:solidFill>
+                            <a:schemeClr val="tx1"/>
+                          </a:solidFill>
+                          <a:effectLst/>
+                          <a:latin typeface="Consolas" panose="020B0609020204030204" pitchFamily="49" charset="0"/>
+                          <a:ea typeface="+mn-ea"/>
+                          <a:cs typeface="+mn-cs"/>
                         </a:rPr>
                         <a:t>}</a:t>
                       </a:r>

--- a/files/Arduino_tahak.pptx
+++ b/files/Arduino_tahak.pptx
@@ -9,7 +9,7 @@
     <p:sldId id="257" r:id="rId3"/>
   </p:sldIdLst>
   <p:sldSz cx="6858000" cy="9906000" type="A4"/>
-  <p:notesSz cx="6858000" cy="9144000"/>
+  <p:notesSz cx="7104063" cy="10234613"/>
   <p:defaultTextStyle>
     <a:defPPr>
       <a:defRPr lang="en-US"/>
@@ -244,7 +244,7 @@
           <a:p>
             <a:fld id="{E16991AB-2103-4059-94A2-C8248538CDCF}" type="datetimeFigureOut">
               <a:rPr lang="cs-CZ" smtClean="0"/>
-              <a:t>14.08.2025</a:t>
+              <a:t>03.09.2025</a:t>
             </a:fld>
             <a:endParaRPr lang="cs-CZ"/>
           </a:p>
@@ -414,7 +414,7 @@
           <a:p>
             <a:fld id="{E16991AB-2103-4059-94A2-C8248538CDCF}" type="datetimeFigureOut">
               <a:rPr lang="cs-CZ" smtClean="0"/>
-              <a:t>14.08.2025</a:t>
+              <a:t>03.09.2025</a:t>
             </a:fld>
             <a:endParaRPr lang="cs-CZ"/>
           </a:p>
@@ -594,7 +594,7 @@
           <a:p>
             <a:fld id="{E16991AB-2103-4059-94A2-C8248538CDCF}" type="datetimeFigureOut">
               <a:rPr lang="cs-CZ" smtClean="0"/>
-              <a:t>14.08.2025</a:t>
+              <a:t>03.09.2025</a:t>
             </a:fld>
             <a:endParaRPr lang="cs-CZ"/>
           </a:p>
@@ -764,7 +764,7 @@
           <a:p>
             <a:fld id="{E16991AB-2103-4059-94A2-C8248538CDCF}" type="datetimeFigureOut">
               <a:rPr lang="cs-CZ" smtClean="0"/>
-              <a:t>14.08.2025</a:t>
+              <a:t>03.09.2025</a:t>
             </a:fld>
             <a:endParaRPr lang="cs-CZ"/>
           </a:p>
@@ -1010,7 +1010,7 @@
           <a:p>
             <a:fld id="{E16991AB-2103-4059-94A2-C8248538CDCF}" type="datetimeFigureOut">
               <a:rPr lang="cs-CZ" smtClean="0"/>
-              <a:t>14.08.2025</a:t>
+              <a:t>03.09.2025</a:t>
             </a:fld>
             <a:endParaRPr lang="cs-CZ"/>
           </a:p>
@@ -1242,7 +1242,7 @@
           <a:p>
             <a:fld id="{E16991AB-2103-4059-94A2-C8248538CDCF}" type="datetimeFigureOut">
               <a:rPr lang="cs-CZ" smtClean="0"/>
-              <a:t>14.08.2025</a:t>
+              <a:t>03.09.2025</a:t>
             </a:fld>
             <a:endParaRPr lang="cs-CZ"/>
           </a:p>
@@ -1609,7 +1609,7 @@
           <a:p>
             <a:fld id="{E16991AB-2103-4059-94A2-C8248538CDCF}" type="datetimeFigureOut">
               <a:rPr lang="cs-CZ" smtClean="0"/>
-              <a:t>14.08.2025</a:t>
+              <a:t>03.09.2025</a:t>
             </a:fld>
             <a:endParaRPr lang="cs-CZ"/>
           </a:p>
@@ -1727,7 +1727,7 @@
           <a:p>
             <a:fld id="{E16991AB-2103-4059-94A2-C8248538CDCF}" type="datetimeFigureOut">
               <a:rPr lang="cs-CZ" smtClean="0"/>
-              <a:t>14.08.2025</a:t>
+              <a:t>03.09.2025</a:t>
             </a:fld>
             <a:endParaRPr lang="cs-CZ"/>
           </a:p>
@@ -1822,7 +1822,7 @@
           <a:p>
             <a:fld id="{E16991AB-2103-4059-94A2-C8248538CDCF}" type="datetimeFigureOut">
               <a:rPr lang="cs-CZ" smtClean="0"/>
-              <a:t>14.08.2025</a:t>
+              <a:t>03.09.2025</a:t>
             </a:fld>
             <a:endParaRPr lang="cs-CZ"/>
           </a:p>
@@ -2099,7 +2099,7 @@
           <a:p>
             <a:fld id="{E16991AB-2103-4059-94A2-C8248538CDCF}" type="datetimeFigureOut">
               <a:rPr lang="cs-CZ" smtClean="0"/>
-              <a:t>14.08.2025</a:t>
+              <a:t>03.09.2025</a:t>
             </a:fld>
             <a:endParaRPr lang="cs-CZ"/>
           </a:p>
@@ -2356,7 +2356,7 @@
           <a:p>
             <a:fld id="{E16991AB-2103-4059-94A2-C8248538CDCF}" type="datetimeFigureOut">
               <a:rPr lang="cs-CZ" smtClean="0"/>
-              <a:t>14.08.2025</a:t>
+              <a:t>03.09.2025</a:t>
             </a:fld>
             <a:endParaRPr lang="cs-CZ"/>
           </a:p>
@@ -2569,7 +2569,7 @@
           <a:p>
             <a:fld id="{E16991AB-2103-4059-94A2-C8248538CDCF}" type="datetimeFigureOut">
               <a:rPr lang="cs-CZ" smtClean="0"/>
-              <a:t>14.08.2025</a:t>
+              <a:t>03.09.2025</a:t>
             </a:fld>
             <a:endParaRPr lang="cs-CZ"/>
           </a:p>
@@ -2989,7 +2989,7 @@
           <p:nvPr>
             <p:extLst>
               <p:ext uri="{D42A27DB-BD31-4B8C-83A1-F6EECF244321}">
-                <p14:modId xmlns:p14="http://schemas.microsoft.com/office/powerpoint/2010/main" val="420591826"/>
+                <p14:modId xmlns:p14="http://schemas.microsoft.com/office/powerpoint/2010/main" val="3670382363"/>
               </p:ext>
             </p:extLst>
           </p:nvPr>
@@ -3044,12 +3044,12 @@
                       <a:br>
                         <a:rPr lang="cs-CZ" sz="900" dirty="0">
                           <a:effectLst/>
-                          <a:latin typeface="Calibri" panose="020F0502020204030204" pitchFamily="34" charset="0"/>
+                          <a:latin typeface="Sans Serif"/>
                         </a:rPr>
                       </a:br>
                       <a:endParaRPr lang="cs-CZ" sz="900" dirty="0">
                         <a:effectLst/>
-                        <a:latin typeface="Calibri" panose="020F0502020204030204" pitchFamily="34" charset="0"/>
+                        <a:latin typeface="Sans Serif"/>
                       </a:endParaRPr>
                     </a:p>
                   </a:txBody>
@@ -3082,13 +3082,13 @@
                       <a:r>
                         <a:rPr lang="cs-CZ" sz="900" b="1" dirty="0">
                           <a:effectLst/>
-                          <a:latin typeface="Calibri" panose="020F0502020204030204" pitchFamily="34" charset="0"/>
+                          <a:latin typeface="Sans Serif"/>
                         </a:rPr>
                         <a:t>Funkce</a:t>
                       </a:r>
                       <a:endParaRPr lang="cs-CZ" sz="900" dirty="0">
                         <a:effectLst/>
-                        <a:latin typeface="Calibri" panose="020F0502020204030204" pitchFamily="34" charset="0"/>
+                        <a:latin typeface="Sans Serif"/>
                       </a:endParaRPr>
                     </a:p>
                   </a:txBody>
@@ -3121,13 +3121,13 @@
                       <a:r>
                         <a:rPr lang="cs-CZ" sz="900" b="1">
                           <a:effectLst/>
-                          <a:latin typeface="Calibri" panose="020F0502020204030204" pitchFamily="34" charset="0"/>
+                          <a:latin typeface="Sans Serif"/>
                         </a:rPr>
                         <a:t>Popis</a:t>
                       </a:r>
                       <a:endParaRPr lang="cs-CZ" sz="900">
                         <a:effectLst/>
-                        <a:latin typeface="Calibri" panose="020F0502020204030204" pitchFamily="34" charset="0"/>
+                        <a:latin typeface="Sans Serif"/>
                       </a:endParaRPr>
                     </a:p>
                   </a:txBody>
@@ -3160,13 +3160,13 @@
                       <a:r>
                         <a:rPr lang="cs-CZ" sz="900" b="1" dirty="0">
                           <a:effectLst/>
-                          <a:latin typeface="Calibri" panose="020F0502020204030204" pitchFamily="34" charset="0"/>
+                          <a:latin typeface="Sans Serif"/>
                         </a:rPr>
                         <a:t>Příklad</a:t>
                       </a:r>
                       <a:endParaRPr lang="cs-CZ" sz="900" dirty="0">
                         <a:effectLst/>
-                        <a:latin typeface="Calibri" panose="020F0502020204030204" pitchFamily="34" charset="0"/>
+                        <a:latin typeface="Sans Serif"/>
                       </a:endParaRPr>
                     </a:p>
                   </a:txBody>
@@ -3206,13 +3206,13 @@
                       <a:r>
                         <a:rPr lang="cs-CZ" sz="900" b="1" dirty="0">
                           <a:effectLst/>
-                          <a:latin typeface="Consolas" panose="020B0609020204030204" pitchFamily="49" charset="0"/>
+                          <a:latin typeface="Sans Serif"/>
                         </a:rPr>
                         <a:t>Digital I/O</a:t>
                       </a:r>
                       <a:endParaRPr lang="cs-CZ" sz="900" dirty="0">
                         <a:effectLst/>
-                        <a:latin typeface="Calibri" panose="020F0502020204030204" pitchFamily="34" charset="0"/>
+                        <a:latin typeface="Sans Serif"/>
                       </a:endParaRPr>
                     </a:p>
                   </a:txBody>
@@ -3245,14 +3245,10 @@
                       <a:r>
                         <a:rPr lang="cs-CZ" sz="900" dirty="0">
                           <a:effectLst/>
-                          <a:latin typeface="Consolas" panose="020B0609020204030204" pitchFamily="49" charset="0"/>
+                          <a:latin typeface="Sans Serif"/>
                         </a:rPr>
                         <a:t>pinMode</a:t>
                       </a:r>
-                      <a:endParaRPr lang="cs-CZ" sz="900" dirty="0">
-                        <a:effectLst/>
-                        <a:latin typeface="Calibri" panose="020F0502020204030204" pitchFamily="34" charset="0"/>
-                      </a:endParaRPr>
                     </a:p>
                   </a:txBody>
                   <a:tcPr marL="23022" marR="23022" marT="11511" marB="11511" anchor="b">
@@ -3284,14 +3280,10 @@
                       <a:r>
                         <a:rPr lang="cs-CZ" sz="900">
                           <a:effectLst/>
-                          <a:latin typeface="Consolas" panose="020B0609020204030204" pitchFamily="49" charset="0"/>
+                          <a:latin typeface="Sans Serif"/>
                         </a:rPr>
                         <a:t>Nastavení pinu jako INPUT, OUTPUT nebo INPUT_PULLUP</a:t>
                       </a:r>
-                      <a:endParaRPr lang="cs-CZ" sz="900">
-                        <a:effectLst/>
-                        <a:latin typeface="Calibri" panose="020F0502020204030204" pitchFamily="34" charset="0"/>
-                      </a:endParaRPr>
                     </a:p>
                   </a:txBody>
                   <a:tcPr marL="23022" marR="23022" marT="11511" marB="11511" anchor="b">
@@ -3323,14 +3315,10 @@
                       <a:r>
                         <a:rPr lang="cs-CZ" sz="900">
                           <a:effectLst/>
-                          <a:latin typeface="Consolas" panose="020B0609020204030204" pitchFamily="49" charset="0"/>
+                          <a:latin typeface="Sans Serif"/>
                         </a:rPr>
                         <a:t>pinMode(button_pin, INPUT);</a:t>
                       </a:r>
-                      <a:endParaRPr lang="cs-CZ" sz="900">
-                        <a:effectLst/>
-                        <a:latin typeface="Calibri" panose="020F0502020204030204" pitchFamily="34" charset="0"/>
-                      </a:endParaRPr>
                     </a:p>
                   </a:txBody>
                   <a:tcPr marL="23022" marR="23022" marT="11511" marB="11511" anchor="b">
@@ -3379,14 +3367,10 @@
                       <a:r>
                         <a:rPr lang="cs-CZ" sz="900" dirty="0">
                           <a:effectLst/>
-                          <a:latin typeface="Consolas" panose="020B0609020204030204" pitchFamily="49" charset="0"/>
+                          <a:latin typeface="Sans Serif"/>
                         </a:rPr>
                         <a:t>digitalWrite</a:t>
                       </a:r>
-                      <a:endParaRPr lang="cs-CZ" sz="900" dirty="0">
-                        <a:effectLst/>
-                        <a:latin typeface="Calibri" panose="020F0502020204030204" pitchFamily="34" charset="0"/>
-                      </a:endParaRPr>
                     </a:p>
                   </a:txBody>
                   <a:tcPr marL="23022" marR="23022" marT="11511" marB="11511" anchor="b">
@@ -3418,14 +3402,10 @@
                       <a:r>
                         <a:rPr lang="en-US" sz="900">
                           <a:effectLst/>
-                          <a:latin typeface="Consolas" panose="020B0609020204030204" pitchFamily="49" charset="0"/>
+                          <a:latin typeface="Sans Serif"/>
                         </a:rPr>
                         <a:t>Zápis 1 (HIGH) nebo 0 (LOW) na pin</a:t>
                       </a:r>
-                      <a:endParaRPr lang="en-US" sz="900">
-                        <a:effectLst/>
-                        <a:latin typeface="Calibri" panose="020F0502020204030204" pitchFamily="34" charset="0"/>
-                      </a:endParaRPr>
                     </a:p>
                   </a:txBody>
                   <a:tcPr marL="23022" marR="23022" marT="11511" marB="11511" anchor="b">
@@ -3457,14 +3437,10 @@
                       <a:r>
                         <a:rPr lang="cs-CZ" sz="900">
                           <a:effectLst/>
-                          <a:latin typeface="Consolas" panose="020B0609020204030204" pitchFamily="49" charset="0"/>
+                          <a:latin typeface="Sans Serif"/>
                         </a:rPr>
                         <a:t>digitalWrite(led_pin, HIGH);</a:t>
                       </a:r>
-                      <a:endParaRPr lang="cs-CZ" sz="900">
-                        <a:effectLst/>
-                        <a:latin typeface="Calibri" panose="020F0502020204030204" pitchFamily="34" charset="0"/>
-                      </a:endParaRPr>
                     </a:p>
                   </a:txBody>
                   <a:tcPr marL="23022" marR="23022" marT="11511" marB="11511" anchor="b">
@@ -3513,14 +3489,10 @@
                       <a:r>
                         <a:rPr lang="cs-CZ" sz="900" dirty="0">
                           <a:effectLst/>
-                          <a:latin typeface="Consolas" panose="020B0609020204030204" pitchFamily="49" charset="0"/>
+                          <a:latin typeface="Sans Serif"/>
                         </a:rPr>
                         <a:t>digitalRead</a:t>
                       </a:r>
-                      <a:endParaRPr lang="cs-CZ" sz="900" dirty="0">
-                        <a:effectLst/>
-                        <a:latin typeface="Calibri" panose="020F0502020204030204" pitchFamily="34" charset="0"/>
-                      </a:endParaRPr>
                     </a:p>
                   </a:txBody>
                   <a:tcPr marL="23022" marR="23022" marT="11511" marB="11511" anchor="b">
@@ -3552,14 +3524,10 @@
                       <a:r>
                         <a:rPr lang="cs-CZ" sz="900">
                           <a:effectLst/>
-                          <a:latin typeface="Consolas" panose="020B0609020204030204" pitchFamily="49" charset="0"/>
+                          <a:latin typeface="Sans Serif"/>
                         </a:rPr>
                         <a:t>Čtení stavu digitálního pinu</a:t>
                       </a:r>
-                      <a:endParaRPr lang="cs-CZ" sz="900">
-                        <a:effectLst/>
-                        <a:latin typeface="Calibri" panose="020F0502020204030204" pitchFamily="34" charset="0"/>
-                      </a:endParaRPr>
                     </a:p>
                   </a:txBody>
                   <a:tcPr marL="23022" marR="23022" marT="11511" marB="11511" anchor="b">
@@ -3589,16 +3557,12 @@
                         <a:buNone/>
                       </a:pPr>
                       <a:r>
-                        <a:rPr lang="cs-CZ" sz="900">
-                          <a:effectLst/>
-                          <a:latin typeface="Consolas" panose="020B0609020204030204" pitchFamily="49" charset="0"/>
-                        </a:rPr>
-                        <a:t>stav=digitalRead(button_pin);</a:t>
-                      </a:r>
-                      <a:endParaRPr lang="cs-CZ" sz="900">
-                        <a:effectLst/>
-                        <a:latin typeface="Calibri" panose="020F0502020204030204" pitchFamily="34" charset="0"/>
-                      </a:endParaRPr>
+                        <a:rPr lang="cs-CZ" sz="900" dirty="0">
+                          <a:effectLst/>
+                          <a:latin typeface="Sans Serif"/>
+                        </a:rPr>
+                        <a:t>stav = digitalRead(button_pin);</a:t>
+                      </a:r>
                     </a:p>
                   </a:txBody>
                   <a:tcPr marL="23022" marR="23022" marT="11511" marB="11511" anchor="b">
@@ -3636,7 +3600,7 @@
                       </a:pPr>
                       <a:endParaRPr lang="cs-CZ" sz="900" dirty="0">
                         <a:effectLst/>
-                        <a:latin typeface="Calibri" panose="020F0502020204030204" pitchFamily="34" charset="0"/>
+                        <a:latin typeface="Sans Serif"/>
                       </a:endParaRPr>
                     </a:p>
                   </a:txBody>
@@ -3668,7 +3632,7 @@
                       </a:pPr>
                       <a:endParaRPr lang="cs-CZ" sz="900" dirty="0">
                         <a:effectLst/>
-                        <a:latin typeface="Calibri" panose="020F0502020204030204" pitchFamily="34" charset="0"/>
+                        <a:latin typeface="Sans Serif"/>
                       </a:endParaRPr>
                     </a:p>
                   </a:txBody>
@@ -3700,7 +3664,7 @@
                       </a:pPr>
                       <a:endParaRPr lang="cs-CZ" sz="900" dirty="0">
                         <a:effectLst/>
-                        <a:latin typeface="Calibri" panose="020F0502020204030204" pitchFamily="34" charset="0"/>
+                        <a:latin typeface="Sans Serif"/>
                       </a:endParaRPr>
                     </a:p>
                   </a:txBody>
@@ -3732,7 +3696,7 @@
                       </a:pPr>
                       <a:endParaRPr lang="cs-CZ" sz="900" dirty="0">
                         <a:effectLst/>
-                        <a:latin typeface="Calibri" panose="020F0502020204030204" pitchFamily="34" charset="0"/>
+                        <a:latin typeface="Sans Serif"/>
                       </a:endParaRPr>
                     </a:p>
                   </a:txBody>
@@ -3772,13 +3736,13 @@
                       <a:r>
                         <a:rPr lang="cs-CZ" sz="900" b="1" dirty="0">
                           <a:effectLst/>
-                          <a:latin typeface="Consolas" panose="020B0609020204030204" pitchFamily="49" charset="0"/>
+                          <a:latin typeface="Sans Serif"/>
                         </a:rPr>
                         <a:t>Analog I/O</a:t>
                       </a:r>
                       <a:endParaRPr lang="cs-CZ" sz="900" dirty="0">
                         <a:effectLst/>
-                        <a:latin typeface="Calibri" panose="020F0502020204030204" pitchFamily="34" charset="0"/>
+                        <a:latin typeface="Sans Serif"/>
                       </a:endParaRPr>
                     </a:p>
                   </a:txBody>
@@ -3811,14 +3775,10 @@
                       <a:r>
                         <a:rPr lang="cs-CZ" sz="900" dirty="0">
                           <a:effectLst/>
-                          <a:latin typeface="Consolas" panose="020B0609020204030204" pitchFamily="49" charset="0"/>
+                          <a:latin typeface="Sans Serif"/>
                         </a:rPr>
                         <a:t>analogWrite</a:t>
                       </a:r>
-                      <a:endParaRPr lang="cs-CZ" sz="900" dirty="0">
-                        <a:effectLst/>
-                        <a:latin typeface="Calibri" panose="020F0502020204030204" pitchFamily="34" charset="0"/>
-                      </a:endParaRPr>
                     </a:p>
                   </a:txBody>
                   <a:tcPr marL="23022" marR="23022" marT="11511" marB="11511" anchor="b">
@@ -3850,14 +3810,10 @@
                       <a:r>
                         <a:rPr lang="cs-CZ" sz="900">
                           <a:effectLst/>
-                          <a:latin typeface="Consolas" panose="020B0609020204030204" pitchFamily="49" charset="0"/>
+                          <a:latin typeface="Sans Serif"/>
                         </a:rPr>
                         <a:t>Nastavení PWM signálu na pinu</a:t>
                       </a:r>
-                      <a:endParaRPr lang="cs-CZ" sz="900">
-                        <a:effectLst/>
-                        <a:latin typeface="Calibri" panose="020F0502020204030204" pitchFamily="34" charset="0"/>
-                      </a:endParaRPr>
                     </a:p>
                   </a:txBody>
                   <a:tcPr marL="23022" marR="23022" marT="11511" marB="11511" anchor="b">
@@ -3889,27 +3845,23 @@
                       <a:r>
                         <a:rPr lang="cs-CZ" sz="900" dirty="0">
                           <a:effectLst/>
-                          <a:latin typeface="Consolas" panose="020B0609020204030204" pitchFamily="49" charset="0"/>
+                          <a:latin typeface="Sans Serif"/>
                         </a:rPr>
                         <a:t>analogWrite (PWMpin, hod);</a:t>
                       </a:r>
                       <a:br>
                         <a:rPr lang="cs-CZ" sz="900" dirty="0">
                           <a:effectLst/>
-                          <a:latin typeface="Consolas" panose="020B0609020204030204" pitchFamily="49" charset="0"/>
+                          <a:latin typeface="Sans Serif"/>
                         </a:rPr>
                       </a:br>
                       <a:r>
                         <a:rPr lang="cs-CZ" sz="900" dirty="0">
                           <a:effectLst/>
-                          <a:latin typeface="Consolas" panose="020B0609020204030204" pitchFamily="49" charset="0"/>
+                          <a:latin typeface="Sans Serif"/>
                         </a:rPr>
                         <a:t>0 ≤ hod ≤ 255</a:t>
                       </a:r>
-                      <a:endParaRPr lang="cs-CZ" sz="900" dirty="0">
-                        <a:effectLst/>
-                        <a:latin typeface="Calibri" panose="020F0502020204030204" pitchFamily="34" charset="0"/>
-                      </a:endParaRPr>
                     </a:p>
                   </a:txBody>
                   <a:tcPr marL="23022" marR="23022" marT="11511" marB="11511" anchor="b">
@@ -3958,14 +3910,10 @@
                       <a:r>
                         <a:rPr lang="cs-CZ" sz="900">
                           <a:effectLst/>
-                          <a:latin typeface="Consolas" panose="020B0609020204030204" pitchFamily="49" charset="0"/>
+                          <a:latin typeface="Sans Serif"/>
                         </a:rPr>
                         <a:t>analogRead</a:t>
                       </a:r>
-                      <a:endParaRPr lang="cs-CZ" sz="900">
-                        <a:effectLst/>
-                        <a:latin typeface="Calibri" panose="020F0502020204030204" pitchFamily="34" charset="0"/>
-                      </a:endParaRPr>
                     </a:p>
                   </a:txBody>
                   <a:tcPr marL="23022" marR="23022" marT="11511" marB="11511" anchor="b">
@@ -3997,27 +3945,23 @@
                       <a:r>
                         <a:rPr lang="cs-CZ" sz="900" dirty="0">
                           <a:effectLst/>
-                          <a:latin typeface="Consolas" panose="020B0609020204030204" pitchFamily="49" charset="0"/>
+                          <a:latin typeface="Sans Serif"/>
                         </a:rPr>
                         <a:t>Čtení stavu analogového pinu (ADC)</a:t>
                       </a:r>
                       <a:br>
                         <a:rPr lang="cs-CZ" sz="900" dirty="0">
                           <a:effectLst/>
-                          <a:latin typeface="Consolas" panose="020B0609020204030204" pitchFamily="49" charset="0"/>
+                          <a:latin typeface="Sans Serif"/>
                         </a:rPr>
                       </a:br>
                       <a:r>
                         <a:rPr lang="cs-CZ" sz="900" dirty="0">
                           <a:effectLst/>
-                          <a:latin typeface="Consolas" panose="020B0609020204030204" pitchFamily="49" charset="0"/>
+                          <a:latin typeface="Sans Serif"/>
                         </a:rPr>
                         <a:t>Vrací hodnotu 0-1023</a:t>
                       </a:r>
-                      <a:endParaRPr lang="cs-CZ" sz="900" dirty="0">
-                        <a:effectLst/>
-                        <a:latin typeface="Calibri" panose="020F0502020204030204" pitchFamily="34" charset="0"/>
-                      </a:endParaRPr>
                     </a:p>
                   </a:txBody>
                   <a:tcPr marL="23022" marR="23022" marT="11511" marB="11511" anchor="b">
@@ -4050,11 +3994,11 @@
                             <a:schemeClr val="tx1"/>
                           </a:solidFill>
                           <a:effectLst/>
-                          <a:latin typeface="Consolas" panose="020B0609020204030204" pitchFamily="49" charset="0"/>
+                          <a:latin typeface="Sans Serif"/>
                           <a:ea typeface="+mn-ea"/>
                           <a:cs typeface="+mn-cs"/>
                         </a:rPr>
-                        <a:t>int stav=analogRead(A0);</a:t>
+                        <a:t>int stav = analogRead(A0);</a:t>
                       </a:r>
                     </a:p>
                   </a:txBody>
@@ -4093,7 +4037,7 @@
                       </a:pPr>
                       <a:endParaRPr lang="cs-CZ" sz="900" dirty="0">
                         <a:effectLst/>
-                        <a:latin typeface="Calibri" panose="020F0502020204030204" pitchFamily="34" charset="0"/>
+                        <a:latin typeface="Sans Serif"/>
                       </a:endParaRPr>
                     </a:p>
                   </a:txBody>
@@ -4125,7 +4069,7 @@
                       </a:pPr>
                       <a:endParaRPr lang="cs-CZ" sz="900" dirty="0">
                         <a:effectLst/>
-                        <a:latin typeface="Calibri" panose="020F0502020204030204" pitchFamily="34" charset="0"/>
+                        <a:latin typeface="Sans Serif"/>
                       </a:endParaRPr>
                     </a:p>
                   </a:txBody>
@@ -4157,7 +4101,7 @@
                       </a:pPr>
                       <a:endParaRPr lang="cs-CZ" sz="900" dirty="0">
                         <a:effectLst/>
-                        <a:latin typeface="Calibri" panose="020F0502020204030204" pitchFamily="34" charset="0"/>
+                        <a:latin typeface="Sans Serif"/>
                       </a:endParaRPr>
                     </a:p>
                   </a:txBody>
@@ -4189,7 +4133,7 @@
                       </a:pPr>
                       <a:endParaRPr lang="cs-CZ" sz="900" dirty="0">
                         <a:effectLst/>
-                        <a:latin typeface="Calibri" panose="020F0502020204030204" pitchFamily="34" charset="0"/>
+                        <a:latin typeface="Sans Serif"/>
                       </a:endParaRPr>
                     </a:p>
                   </a:txBody>
@@ -4229,13 +4173,13 @@
                       <a:r>
                         <a:rPr lang="cs-CZ" sz="900" b="1" dirty="0">
                           <a:effectLst/>
-                          <a:latin typeface="Consolas" panose="020B0609020204030204" pitchFamily="49" charset="0"/>
+                          <a:latin typeface="Sans Serif"/>
                         </a:rPr>
                         <a:t>Čas</a:t>
                       </a:r>
                       <a:endParaRPr lang="cs-CZ" sz="900" dirty="0">
                         <a:effectLst/>
-                        <a:latin typeface="Calibri" panose="020F0502020204030204" pitchFamily="34" charset="0"/>
+                        <a:latin typeface="Sans Serif"/>
                       </a:endParaRPr>
                     </a:p>
                   </a:txBody>
@@ -4268,14 +4212,10 @@
                       <a:r>
                         <a:rPr lang="cs-CZ" sz="900">
                           <a:effectLst/>
-                          <a:latin typeface="Consolas" panose="020B0609020204030204" pitchFamily="49" charset="0"/>
+                          <a:latin typeface="Sans Serif"/>
                         </a:rPr>
                         <a:t>millis</a:t>
                       </a:r>
-                      <a:endParaRPr lang="cs-CZ" sz="900">
-                        <a:effectLst/>
-                        <a:latin typeface="Calibri" panose="020F0502020204030204" pitchFamily="34" charset="0"/>
-                      </a:endParaRPr>
                     </a:p>
                   </a:txBody>
                   <a:tcPr marL="23022" marR="23022" marT="11511" marB="11511" anchor="b">
@@ -4307,14 +4247,10 @@
                       <a:r>
                         <a:rPr lang="pl-PL" sz="900" dirty="0">
                           <a:effectLst/>
-                          <a:latin typeface="Consolas" panose="020B0609020204030204" pitchFamily="49" charset="0"/>
+                          <a:latin typeface="Sans Serif"/>
                         </a:rPr>
                         <a:t>Počet milisekund od startu programu (přeteče po 50 dnech)</a:t>
                       </a:r>
-                      <a:endParaRPr lang="pl-PL" sz="900" dirty="0">
-                        <a:effectLst/>
-                        <a:latin typeface="Calibri" panose="020F0502020204030204" pitchFamily="34" charset="0"/>
-                      </a:endParaRPr>
                     </a:p>
                   </a:txBody>
                   <a:tcPr marL="23022" marR="23022" marT="11511" marB="11511" anchor="b">
@@ -4346,14 +4282,10 @@
                       <a:r>
                         <a:rPr lang="cs-CZ" sz="900" dirty="0">
                           <a:effectLst/>
-                          <a:latin typeface="Consolas" panose="020B0609020204030204" pitchFamily="49" charset="0"/>
-                        </a:rPr>
-                        <a:t>cas=millis();</a:t>
-                      </a:r>
-                      <a:endParaRPr lang="cs-CZ" sz="900" dirty="0">
-                        <a:effectLst/>
-                        <a:latin typeface="Calibri" panose="020F0502020204030204" pitchFamily="34" charset="0"/>
-                      </a:endParaRPr>
+                          <a:latin typeface="Sans Serif"/>
+                        </a:rPr>
+                        <a:t>cas = millis();</a:t>
+                      </a:r>
                     </a:p>
                   </a:txBody>
                   <a:tcPr marL="23022" marR="23022" marT="11511" marB="11511" anchor="b">
@@ -4402,14 +4334,10 @@
                       <a:r>
                         <a:rPr lang="cs-CZ" sz="900">
                           <a:effectLst/>
-                          <a:latin typeface="Consolas" panose="020B0609020204030204" pitchFamily="49" charset="0"/>
+                          <a:latin typeface="Sans Serif"/>
                         </a:rPr>
                         <a:t>micros</a:t>
                       </a:r>
-                      <a:endParaRPr lang="cs-CZ" sz="900">
-                        <a:effectLst/>
-                        <a:latin typeface="Calibri" panose="020F0502020204030204" pitchFamily="34" charset="0"/>
-                      </a:endParaRPr>
                     </a:p>
                   </a:txBody>
                   <a:tcPr marL="23022" marR="23022" marT="11511" marB="11511" anchor="b">
@@ -4441,14 +4369,10 @@
                       <a:r>
                         <a:rPr lang="pl-PL" sz="900">
                           <a:effectLst/>
-                          <a:latin typeface="Consolas" panose="020B0609020204030204" pitchFamily="49" charset="0"/>
+                          <a:latin typeface="Sans Serif"/>
                         </a:rPr>
                         <a:t>Počet mikrosekund od startu programu (přeteče po 70min)</a:t>
                       </a:r>
-                      <a:endParaRPr lang="pl-PL" sz="900">
-                        <a:effectLst/>
-                        <a:latin typeface="Calibri" panose="020F0502020204030204" pitchFamily="34" charset="0"/>
-                      </a:endParaRPr>
                     </a:p>
                   </a:txBody>
                   <a:tcPr marL="23022" marR="23022" marT="11511" marB="11511" anchor="b">
@@ -4478,16 +4402,12 @@
                         <a:buNone/>
                       </a:pPr>
                       <a:r>
-                        <a:rPr lang="cs-CZ" sz="900">
-                          <a:effectLst/>
-                          <a:latin typeface="Consolas" panose="020B0609020204030204" pitchFamily="49" charset="0"/>
-                        </a:rPr>
-                        <a:t>cas=micros();</a:t>
-                      </a:r>
-                      <a:endParaRPr lang="cs-CZ" sz="900">
-                        <a:effectLst/>
-                        <a:latin typeface="Calibri" panose="020F0502020204030204" pitchFamily="34" charset="0"/>
-                      </a:endParaRPr>
+                        <a:rPr lang="cs-CZ" sz="900" dirty="0">
+                          <a:effectLst/>
+                          <a:latin typeface="Sans Serif"/>
+                        </a:rPr>
+                        <a:t>cas = micros();</a:t>
+                      </a:r>
                     </a:p>
                   </a:txBody>
                   <a:tcPr marL="23022" marR="23022" marT="11511" marB="11511" anchor="b">
@@ -4536,14 +4456,10 @@
                       <a:r>
                         <a:rPr lang="cs-CZ" sz="900">
                           <a:effectLst/>
-                          <a:latin typeface="Consolas" panose="020B0609020204030204" pitchFamily="49" charset="0"/>
+                          <a:latin typeface="Sans Serif"/>
                         </a:rPr>
                         <a:t>delay</a:t>
                       </a:r>
-                      <a:endParaRPr lang="cs-CZ" sz="900">
-                        <a:effectLst/>
-                        <a:latin typeface="Calibri" panose="020F0502020204030204" pitchFamily="34" charset="0"/>
-                      </a:endParaRPr>
                     </a:p>
                   </a:txBody>
                   <a:tcPr marL="23022" marR="23022" marT="11511" marB="11511" anchor="b">
@@ -4573,55 +4489,47 @@
                         <a:buNone/>
                       </a:pPr>
                       <a:r>
+                        <a:rPr lang="cs-CZ" sz="900" dirty="0">
+                          <a:effectLst/>
+                          <a:latin typeface="Sans Serif"/>
+                        </a:rPr>
+                        <a:t>Pozastavení na daný počet milisekund</a:t>
+                      </a:r>
+                    </a:p>
+                  </a:txBody>
+                  <a:tcPr marL="23022" marR="23022" marT="11511" marB="11511" anchor="b">
+                    <a:lnL>
+                      <a:noFill/>
+                    </a:lnL>
+                    <a:lnR>
+                      <a:noFill/>
+                    </a:lnR>
+                    <a:lnT>
+                      <a:noFill/>
+                    </a:lnT>
+                    <a:lnB>
+                      <a:noFill/>
+                    </a:lnB>
+                    <a:solidFill>
+                      <a:srgbClr val="B4C7DC"/>
+                    </a:solidFill>
+                  </a:tcPr>
+                </a:tc>
+                <a:tc>
+                  <a:txBody>
+                    <a:bodyPr/>
+                    <a:lstStyle/>
+                    <a:p>
+                      <a:pPr algn="l">
+                        <a:buNone/>
+                      </a:pPr>
+                      <a:r>
                         <a:rPr lang="cs-CZ" sz="900">
                           <a:effectLst/>
-                          <a:latin typeface="Consolas" panose="020B0609020204030204" pitchFamily="49" charset="0"/>
-                        </a:rPr>
-                        <a:t>Pozastavení na daný počet milisekund</a:t>
-                      </a:r>
-                      <a:endParaRPr lang="cs-CZ" sz="900">
-                        <a:effectLst/>
-                        <a:latin typeface="Calibri" panose="020F0502020204030204" pitchFamily="34" charset="0"/>
-                      </a:endParaRPr>
-                    </a:p>
-                  </a:txBody>
-                  <a:tcPr marL="23022" marR="23022" marT="11511" marB="11511" anchor="b">
-                    <a:lnL>
-                      <a:noFill/>
-                    </a:lnL>
-                    <a:lnR>
-                      <a:noFill/>
-                    </a:lnR>
-                    <a:lnT>
-                      <a:noFill/>
-                    </a:lnT>
-                    <a:lnB>
-                      <a:noFill/>
-                    </a:lnB>
-                    <a:solidFill>
-                      <a:srgbClr val="B4C7DC"/>
-                    </a:solidFill>
-                  </a:tcPr>
-                </a:tc>
-                <a:tc>
-                  <a:txBody>
-                    <a:bodyPr/>
-                    <a:lstStyle/>
-                    <a:p>
-                      <a:pPr algn="l">
-                        <a:buNone/>
-                      </a:pPr>
-                      <a:r>
-                        <a:rPr lang="cs-CZ" sz="900">
-                          <a:effectLst/>
-                          <a:latin typeface="Consolas" panose="020B0609020204030204" pitchFamily="49" charset="0"/>
+                          <a:latin typeface="Sans Serif"/>
                         </a:rPr>
                         <a:t>delay(1000);</a:t>
                       </a:r>
-                      <a:endParaRPr lang="cs-CZ" sz="900">
-                        <a:effectLst/>
-                        <a:latin typeface="Calibri" panose="020F0502020204030204" pitchFamily="34" charset="0"/>
-                      </a:endParaRPr>
                     </a:p>
                   </a:txBody>
                   <a:tcPr marL="23022" marR="23022" marT="11511" marB="11511" anchor="b">
@@ -4670,14 +4578,10 @@
                       <a:r>
                         <a:rPr lang="cs-CZ" sz="900">
                           <a:effectLst/>
-                          <a:latin typeface="Consolas" panose="020B0609020204030204" pitchFamily="49" charset="0"/>
+                          <a:latin typeface="Sans Serif"/>
                         </a:rPr>
                         <a:t>delayMicroseconds</a:t>
                       </a:r>
-                      <a:endParaRPr lang="cs-CZ" sz="900">
-                        <a:effectLst/>
-                        <a:latin typeface="Calibri" panose="020F0502020204030204" pitchFamily="34" charset="0"/>
-                      </a:endParaRPr>
                     </a:p>
                   </a:txBody>
                   <a:tcPr marL="23022" marR="23022" marT="11511" marB="11511" anchor="b">
@@ -4709,14 +4613,10 @@
                       <a:r>
                         <a:rPr lang="cs-CZ" sz="900">
                           <a:effectLst/>
-                          <a:latin typeface="Consolas" panose="020B0609020204030204" pitchFamily="49" charset="0"/>
+                          <a:latin typeface="Sans Serif"/>
                         </a:rPr>
                         <a:t>Pozastavení na daný počet mikrosekund</a:t>
                       </a:r>
-                      <a:endParaRPr lang="cs-CZ" sz="900">
-                        <a:effectLst/>
-                        <a:latin typeface="Calibri" panose="020F0502020204030204" pitchFamily="34" charset="0"/>
-                      </a:endParaRPr>
                     </a:p>
                   </a:txBody>
                   <a:tcPr marL="23022" marR="23022" marT="11511" marB="11511" anchor="b">
@@ -4748,14 +4648,10 @@
                       <a:r>
                         <a:rPr lang="cs-CZ" sz="900">
                           <a:effectLst/>
-                          <a:latin typeface="Consolas" panose="020B0609020204030204" pitchFamily="49" charset="0"/>
+                          <a:latin typeface="Sans Serif"/>
                         </a:rPr>
                         <a:t>delayMicroseconds(500);</a:t>
                       </a:r>
-                      <a:endParaRPr lang="cs-CZ" sz="900">
-                        <a:effectLst/>
-                        <a:latin typeface="Calibri" panose="020F0502020204030204" pitchFamily="34" charset="0"/>
-                      </a:endParaRPr>
                     </a:p>
                   </a:txBody>
                   <a:tcPr marL="23022" marR="23022" marT="11511" marB="11511" anchor="b">
@@ -4802,16 +4698,51 @@
                         <a:buNone/>
                       </a:pPr>
                       <a:r>
+                        <a:rPr lang="cs-CZ" sz="900" dirty="0" err="1">
+                          <a:effectLst/>
+                          <a:latin typeface="Sans Serif"/>
+                        </a:rPr>
+                        <a:t>pulseIn</a:t>
+                      </a:r>
+                      <a:endParaRPr lang="cs-CZ" sz="900" dirty="0">
+                        <a:effectLst/>
+                        <a:latin typeface="Sans Serif"/>
+                      </a:endParaRPr>
+                    </a:p>
+                  </a:txBody>
+                  <a:tcPr marL="23022" marR="23022" marT="11511" marB="11511" anchor="b">
+                    <a:lnL>
+                      <a:noFill/>
+                    </a:lnL>
+                    <a:lnR>
+                      <a:noFill/>
+                    </a:lnR>
+                    <a:lnT>
+                      <a:noFill/>
+                    </a:lnT>
+                    <a:lnB>
+                      <a:noFill/>
+                    </a:lnB>
+                    <a:solidFill>
+                      <a:srgbClr val="B4C7DC"/>
+                    </a:solidFill>
+                  </a:tcPr>
+                </a:tc>
+                <a:tc>
+                  <a:txBody>
+                    <a:bodyPr/>
+                    <a:lstStyle/>
+                    <a:p>
+                      <a:pPr algn="l">
+                        <a:buNone/>
+                      </a:pPr>
+                      <a:r>
                         <a:rPr lang="cs-CZ" sz="900">
                           <a:effectLst/>
-                          <a:latin typeface="Consolas" panose="020B0609020204030204" pitchFamily="49" charset="0"/>
-                        </a:rPr>
-                        <a:t>pulseIn</a:t>
-                      </a:r>
-                      <a:endParaRPr lang="cs-CZ" sz="900">
-                        <a:effectLst/>
-                        <a:latin typeface="Calibri" panose="020F0502020204030204" pitchFamily="34" charset="0"/>
-                      </a:endParaRPr>
+                          <a:latin typeface="Sans Serif"/>
+                        </a:rPr>
+                        <a:t>Měření délky pulzu na pinu</a:t>
+                      </a:r>
                     </a:p>
                   </a:txBody>
                   <a:tcPr marL="23022" marR="23022" marT="11511" marB="11511" anchor="b">
@@ -4843,53 +4774,10 @@
                       <a:r>
                         <a:rPr lang="cs-CZ" sz="900">
                           <a:effectLst/>
-                          <a:latin typeface="Consolas" panose="020B0609020204030204" pitchFamily="49" charset="0"/>
-                        </a:rPr>
-                        <a:t>Měření délky pulzu na pinu</a:t>
-                      </a:r>
-                      <a:endParaRPr lang="cs-CZ" sz="900">
-                        <a:effectLst/>
-                        <a:latin typeface="Calibri" panose="020F0502020204030204" pitchFamily="34" charset="0"/>
-                      </a:endParaRPr>
-                    </a:p>
-                  </a:txBody>
-                  <a:tcPr marL="23022" marR="23022" marT="11511" marB="11511" anchor="b">
-                    <a:lnL>
-                      <a:noFill/>
-                    </a:lnL>
-                    <a:lnR>
-                      <a:noFill/>
-                    </a:lnR>
-                    <a:lnT>
-                      <a:noFill/>
-                    </a:lnT>
-                    <a:lnB>
-                      <a:noFill/>
-                    </a:lnB>
-                    <a:solidFill>
-                      <a:srgbClr val="B4C7DC"/>
-                    </a:solidFill>
-                  </a:tcPr>
-                </a:tc>
-                <a:tc>
-                  <a:txBody>
-                    <a:bodyPr/>
-                    <a:lstStyle/>
-                    <a:p>
-                      <a:pPr algn="l">
-                        <a:buNone/>
-                      </a:pPr>
-                      <a:r>
-                        <a:rPr lang="cs-CZ" sz="900">
-                          <a:effectLst/>
-                          <a:latin typeface="Consolas" panose="020B0609020204030204" pitchFamily="49" charset="0"/>
+                          <a:latin typeface="Sans Serif"/>
                         </a:rPr>
                         <a:t>duration = pulseIn(pin, HIGH);</a:t>
                       </a:r>
-                      <a:endParaRPr lang="cs-CZ" sz="900">
-                        <a:effectLst/>
-                        <a:latin typeface="Calibri" panose="020F0502020204030204" pitchFamily="34" charset="0"/>
-                      </a:endParaRPr>
                     </a:p>
                   </a:txBody>
                   <a:tcPr marL="23022" marR="23022" marT="11511" marB="11511" anchor="b">
@@ -4927,7 +4815,7 @@
                       </a:pPr>
                       <a:endParaRPr lang="cs-CZ" sz="900" dirty="0">
                         <a:effectLst/>
-                        <a:latin typeface="Calibri" panose="020F0502020204030204" pitchFamily="34" charset="0"/>
+                        <a:latin typeface="Sans Serif"/>
                       </a:endParaRPr>
                     </a:p>
                   </a:txBody>
@@ -4959,7 +4847,7 @@
                       </a:pPr>
                       <a:endParaRPr lang="cs-CZ" sz="900" dirty="0">
                         <a:effectLst/>
-                        <a:latin typeface="Calibri" panose="020F0502020204030204" pitchFamily="34" charset="0"/>
+                        <a:latin typeface="Sans Serif"/>
                       </a:endParaRPr>
                     </a:p>
                   </a:txBody>
@@ -4991,7 +4879,7 @@
                       </a:pPr>
                       <a:endParaRPr lang="cs-CZ" sz="900" dirty="0">
                         <a:effectLst/>
-                        <a:latin typeface="Calibri" panose="020F0502020204030204" pitchFamily="34" charset="0"/>
+                        <a:latin typeface="Sans Serif"/>
                       </a:endParaRPr>
                     </a:p>
                   </a:txBody>
@@ -5023,7 +4911,7 @@
                       </a:pPr>
                       <a:endParaRPr lang="cs-CZ" sz="900" dirty="0">
                         <a:effectLst/>
-                        <a:latin typeface="Calibri" panose="020F0502020204030204" pitchFamily="34" charset="0"/>
+                        <a:latin typeface="Sans Serif"/>
                       </a:endParaRPr>
                     </a:p>
                   </a:txBody>
@@ -5063,13 +4951,13 @@
                       <a:r>
                         <a:rPr lang="cs-CZ" sz="900" b="1" dirty="0">
                           <a:effectLst/>
-                          <a:latin typeface="Consolas" panose="020B0609020204030204" pitchFamily="49" charset="0"/>
+                          <a:latin typeface="Sans Serif"/>
                         </a:rPr>
                         <a:t>Sériová linka</a:t>
                       </a:r>
                       <a:endParaRPr lang="cs-CZ" sz="900" dirty="0">
                         <a:effectLst/>
-                        <a:latin typeface="Calibri" panose="020F0502020204030204" pitchFamily="34" charset="0"/>
+                        <a:latin typeface="Sans Serif"/>
                       </a:endParaRPr>
                     </a:p>
                   </a:txBody>
@@ -5102,14 +4990,10 @@
                       <a:r>
                         <a:rPr lang="cs-CZ" sz="900">
                           <a:effectLst/>
-                          <a:latin typeface="Consolas" panose="020B0609020204030204" pitchFamily="49" charset="0"/>
+                          <a:latin typeface="Sans Serif"/>
                         </a:rPr>
                         <a:t>Serial.begin</a:t>
                       </a:r>
-                      <a:endParaRPr lang="cs-CZ" sz="900">
-                        <a:effectLst/>
-                        <a:latin typeface="Calibri" panose="020F0502020204030204" pitchFamily="34" charset="0"/>
-                      </a:endParaRPr>
                     </a:p>
                   </a:txBody>
                   <a:tcPr marL="23022" marR="23022" marT="11511" marB="11511" anchor="b">
@@ -5141,14 +5025,10 @@
                       <a:r>
                         <a:rPr lang="pt-BR" sz="900">
                           <a:effectLst/>
-                          <a:latin typeface="Consolas" panose="020B0609020204030204" pitchFamily="49" charset="0"/>
+                          <a:latin typeface="Sans Serif"/>
                         </a:rPr>
                         <a:t>Inicializace a nastavení rychlosti sériového portu</a:t>
                       </a:r>
-                      <a:endParaRPr lang="pt-BR" sz="900">
-                        <a:effectLst/>
-                        <a:latin typeface="Calibri" panose="020F0502020204030204" pitchFamily="34" charset="0"/>
-                      </a:endParaRPr>
                     </a:p>
                   </a:txBody>
                   <a:tcPr marL="23022" marR="23022" marT="11511" marB="11511" anchor="b">
@@ -5180,14 +5060,10 @@
                       <a:r>
                         <a:rPr lang="cs-CZ" sz="900">
                           <a:effectLst/>
-                          <a:latin typeface="Consolas" panose="020B0609020204030204" pitchFamily="49" charset="0"/>
+                          <a:latin typeface="Sans Serif"/>
                         </a:rPr>
                         <a:t>Serial.begin(9600);</a:t>
                       </a:r>
-                      <a:endParaRPr lang="cs-CZ" sz="900">
-                        <a:effectLst/>
-                        <a:latin typeface="Calibri" panose="020F0502020204030204" pitchFamily="34" charset="0"/>
-                      </a:endParaRPr>
                     </a:p>
                   </a:txBody>
                   <a:tcPr marL="23022" marR="23022" marT="11511" marB="11511" anchor="b">
@@ -5236,14 +5112,10 @@
                       <a:r>
                         <a:rPr lang="cs-CZ" sz="900">
                           <a:effectLst/>
-                          <a:latin typeface="Consolas" panose="020B0609020204030204" pitchFamily="49" charset="0"/>
+                          <a:latin typeface="Sans Serif"/>
                         </a:rPr>
                         <a:t>Serial.available</a:t>
                       </a:r>
-                      <a:endParaRPr lang="cs-CZ" sz="900">
-                        <a:effectLst/>
-                        <a:latin typeface="Calibri" panose="020F0502020204030204" pitchFamily="34" charset="0"/>
-                      </a:endParaRPr>
                     </a:p>
                   </a:txBody>
                   <a:tcPr marL="23022" marR="23022" marT="11511" marB="11511" anchor="b">
@@ -5275,14 +5147,10 @@
                       <a:r>
                         <a:rPr lang="cs-CZ" sz="900">
                           <a:effectLst/>
-                          <a:latin typeface="Consolas" panose="020B0609020204030204" pitchFamily="49" charset="0"/>
+                          <a:latin typeface="Sans Serif"/>
                         </a:rPr>
                         <a:t>Vrátí počet přijatých bajtů</a:t>
                       </a:r>
-                      <a:endParaRPr lang="cs-CZ" sz="900">
-                        <a:effectLst/>
-                        <a:latin typeface="Calibri" panose="020F0502020204030204" pitchFamily="34" charset="0"/>
-                      </a:endParaRPr>
                     </a:p>
                   </a:txBody>
                   <a:tcPr marL="23022" marR="23022" marT="11511" marB="11511" anchor="b">
@@ -5314,14 +5182,10 @@
                       <a:r>
                         <a:rPr lang="cs-CZ" sz="900">
                           <a:effectLst/>
-                          <a:latin typeface="Consolas" panose="020B0609020204030204" pitchFamily="49" charset="0"/>
+                          <a:latin typeface="Sans Serif"/>
                         </a:rPr>
                         <a:t>pocet=Serial.available();</a:t>
                       </a:r>
-                      <a:endParaRPr lang="cs-CZ" sz="900">
-                        <a:effectLst/>
-                        <a:latin typeface="Calibri" panose="020F0502020204030204" pitchFamily="34" charset="0"/>
-                      </a:endParaRPr>
                     </a:p>
                   </a:txBody>
                   <a:tcPr marL="23022" marR="23022" marT="11511" marB="11511" anchor="b">
@@ -5370,14 +5234,10 @@
                       <a:r>
                         <a:rPr lang="cs-CZ" sz="900">
                           <a:effectLst/>
-                          <a:latin typeface="Consolas" panose="020B0609020204030204" pitchFamily="49" charset="0"/>
+                          <a:latin typeface="Sans Serif"/>
                         </a:rPr>
                         <a:t>Serial.print</a:t>
                       </a:r>
-                      <a:endParaRPr lang="cs-CZ" sz="900">
-                        <a:effectLst/>
-                        <a:latin typeface="Calibri" panose="020F0502020204030204" pitchFamily="34" charset="0"/>
-                      </a:endParaRPr>
                     </a:p>
                   </a:txBody>
                   <a:tcPr marL="23022" marR="23022" marT="11511" marB="11511" anchor="b">
@@ -5407,16 +5267,12 @@
                         <a:buNone/>
                       </a:pPr>
                       <a:r>
-                        <a:rPr lang="cs-CZ" sz="900">
-                          <a:effectLst/>
-                          <a:latin typeface="Consolas" panose="020B0609020204030204" pitchFamily="49" charset="0"/>
+                        <a:rPr lang="cs-CZ" sz="900" dirty="0">
+                          <a:effectLst/>
+                          <a:latin typeface="Sans Serif"/>
                         </a:rPr>
                         <a:t>Odeslání textu nebo dat přes sériovou linku</a:t>
                       </a:r>
-                      <a:endParaRPr lang="cs-CZ" sz="900">
-                        <a:effectLst/>
-                        <a:latin typeface="Calibri" panose="020F0502020204030204" pitchFamily="34" charset="0"/>
-                      </a:endParaRPr>
                     </a:p>
                   </a:txBody>
                   <a:tcPr marL="23022" marR="23022" marT="11511" marB="11511" anchor="b">
@@ -5446,29 +5302,53 @@
                         <a:buNone/>
                       </a:pPr>
                       <a:r>
-                        <a:rPr lang="cs-CZ" sz="900">
-                          <a:effectLst/>
-                          <a:latin typeface="Consolas" panose="020B0609020204030204" pitchFamily="49" charset="0"/>
-                        </a:rPr>
-                        <a:t>Serial.print("Ahoj"); nebo</a:t>
+                        <a:rPr lang="cs-CZ" sz="900" dirty="0" err="1">
+                          <a:effectLst/>
+                          <a:latin typeface="Sans Serif"/>
+                        </a:rPr>
+                        <a:t>Serial.print</a:t>
+                      </a:r>
+                      <a:r>
+                        <a:rPr lang="cs-CZ" sz="900" dirty="0">
+                          <a:effectLst/>
+                          <a:latin typeface="Sans Serif"/>
+                        </a:rPr>
+                        <a:t>("Ahoj"); nebo</a:t>
                       </a:r>
                       <a:br>
-                        <a:rPr lang="cs-CZ" sz="900">
-                          <a:effectLst/>
-                          <a:latin typeface="Consolas" panose="020B0609020204030204" pitchFamily="49" charset="0"/>
+                        <a:rPr lang="cs-CZ" sz="900" dirty="0">
+                          <a:effectLst/>
+                          <a:latin typeface="Sans Serif"/>
                         </a:rPr>
                       </a:br>
                       <a:r>
-                        <a:rPr lang="cs-CZ" sz="900">
-                          <a:effectLst/>
-                          <a:latin typeface="Consolas" panose="020B0609020204030204" pitchFamily="49" charset="0"/>
-                        </a:rPr>
-                        <a:t>Serial.print(cislo);</a:t>
-                      </a:r>
-                      <a:endParaRPr lang="cs-CZ" sz="900">
-                        <a:effectLst/>
-                        <a:latin typeface="Calibri" panose="020F0502020204030204" pitchFamily="34" charset="0"/>
-                      </a:endParaRPr>
+                        <a:rPr lang="cs-CZ" sz="900" dirty="0" err="1">
+                          <a:effectLst/>
+                          <a:latin typeface="Sans Serif"/>
+                        </a:rPr>
+                        <a:t>Serial.print</a:t>
+                      </a:r>
+                      <a:r>
+                        <a:rPr lang="cs-CZ" sz="900" dirty="0">
+                          <a:effectLst/>
+                          <a:latin typeface="Sans Serif"/>
+                        </a:rPr>
+                        <a:t>(</a:t>
+                      </a:r>
+                      <a:r>
+                        <a:rPr lang="cs-CZ" sz="900" dirty="0" err="1">
+                          <a:effectLst/>
+                          <a:latin typeface="Sans Serif"/>
+                        </a:rPr>
+                        <a:t>cislo</a:t>
+                      </a:r>
+                      <a:r>
+                        <a:rPr lang="cs-CZ" sz="900" dirty="0">
+                          <a:effectLst/>
+                          <a:latin typeface="Sans Serif"/>
+                        </a:rPr>
+                        <a:t>);</a:t>
+                      </a:r>
                     </a:p>
                   </a:txBody>
                   <a:tcPr marL="23022" marR="23022" marT="11511" marB="11511" anchor="b">
@@ -5515,15 +5395,15 @@
                         <a:buNone/>
                       </a:pPr>
                       <a:r>
-                        <a:rPr lang="cs-CZ" sz="900" dirty="0">
-                          <a:effectLst/>
-                          <a:latin typeface="Consolas" panose="020B0609020204030204" pitchFamily="49" charset="0"/>
+                        <a:rPr lang="cs-CZ" sz="900" dirty="0" err="1">
+                          <a:effectLst/>
+                          <a:latin typeface="Sans Serif"/>
                         </a:rPr>
                         <a:t>Serial.println</a:t>
                       </a:r>
                       <a:endParaRPr lang="cs-CZ" sz="900" dirty="0">
                         <a:effectLst/>
-                        <a:latin typeface="Calibri" panose="020F0502020204030204" pitchFamily="34" charset="0"/>
+                        <a:latin typeface="Sans Serif"/>
                       </a:endParaRPr>
                     </a:p>
                   </a:txBody>
@@ -5554,16 +5434,26 @@
                         <a:buNone/>
                       </a:pPr>
                       <a:r>
-                        <a:rPr lang="cs-CZ" sz="900">
-                          <a:effectLst/>
-                          <a:latin typeface="Consolas" panose="020B0609020204030204" pitchFamily="49" charset="0"/>
-                        </a:rPr>
-                        <a:t>Podobně jako Serial.print a navíc se pošle i znak nového řádku</a:t>
-                      </a:r>
-                      <a:endParaRPr lang="cs-CZ" sz="900">
-                        <a:effectLst/>
-                        <a:latin typeface="Calibri" panose="020F0502020204030204" pitchFamily="34" charset="0"/>
-                      </a:endParaRPr>
+                        <a:rPr lang="cs-CZ" sz="900" dirty="0">
+                          <a:effectLst/>
+                          <a:latin typeface="Sans Serif"/>
+                        </a:rPr>
+                        <a:t>Podobně jako </a:t>
+                      </a:r>
+                      <a:r>
+                        <a:rPr lang="cs-CZ" sz="900" dirty="0" err="1">
+                          <a:effectLst/>
+                          <a:latin typeface="Sans Serif"/>
+                        </a:rPr>
+                        <a:t>Serial.print</a:t>
+                      </a:r>
+                      <a:r>
+                        <a:rPr lang="cs-CZ" sz="900" dirty="0">
+                          <a:effectLst/>
+                          <a:latin typeface="Sans Serif"/>
+                        </a:rPr>
+                        <a:t> a navíc se pošle i znak nového řádku</a:t>
+                      </a:r>
                     </a:p>
                   </a:txBody>
                   <a:tcPr marL="23022" marR="23022" marT="11511" marB="11511" anchor="b">
@@ -5593,29 +5483,53 @@
                         <a:buNone/>
                       </a:pPr>
                       <a:r>
-                        <a:rPr lang="cs-CZ" sz="900">
-                          <a:effectLst/>
-                          <a:latin typeface="Consolas" panose="020B0609020204030204" pitchFamily="49" charset="0"/>
-                        </a:rPr>
-                        <a:t>Serial.println("Ahoj"); nebo</a:t>
+                        <a:rPr lang="cs-CZ" sz="900" dirty="0" err="1">
+                          <a:effectLst/>
+                          <a:latin typeface="Sans Serif"/>
+                        </a:rPr>
+                        <a:t>Serial.println</a:t>
+                      </a:r>
+                      <a:r>
+                        <a:rPr lang="cs-CZ" sz="900" dirty="0">
+                          <a:effectLst/>
+                          <a:latin typeface="Sans Serif"/>
+                        </a:rPr>
+                        <a:t>("Ahoj"); nebo</a:t>
                       </a:r>
                       <a:br>
-                        <a:rPr lang="cs-CZ" sz="900">
-                          <a:effectLst/>
-                          <a:latin typeface="Consolas" panose="020B0609020204030204" pitchFamily="49" charset="0"/>
+                        <a:rPr lang="cs-CZ" sz="900" dirty="0">
+                          <a:effectLst/>
+                          <a:latin typeface="Sans Serif"/>
                         </a:rPr>
                       </a:br>
                       <a:r>
-                        <a:rPr lang="cs-CZ" sz="900">
-                          <a:effectLst/>
-                          <a:latin typeface="Consolas" panose="020B0609020204030204" pitchFamily="49" charset="0"/>
-                        </a:rPr>
-                        <a:t>Serial.println(cislo);</a:t>
-                      </a:r>
-                      <a:endParaRPr lang="cs-CZ" sz="900">
-                        <a:effectLst/>
-                        <a:latin typeface="Calibri" panose="020F0502020204030204" pitchFamily="34" charset="0"/>
-                      </a:endParaRPr>
+                        <a:rPr lang="cs-CZ" sz="900" dirty="0" err="1">
+                          <a:effectLst/>
+                          <a:latin typeface="Sans Serif"/>
+                        </a:rPr>
+                        <a:t>Serial.println</a:t>
+                      </a:r>
+                      <a:r>
+                        <a:rPr lang="cs-CZ" sz="900" dirty="0">
+                          <a:effectLst/>
+                          <a:latin typeface="Sans Serif"/>
+                        </a:rPr>
+                        <a:t>(</a:t>
+                      </a:r>
+                      <a:r>
+                        <a:rPr lang="cs-CZ" sz="900" dirty="0" err="1">
+                          <a:effectLst/>
+                          <a:latin typeface="Sans Serif"/>
+                        </a:rPr>
+                        <a:t>cislo</a:t>
+                      </a:r>
+                      <a:r>
+                        <a:rPr lang="cs-CZ" sz="900" dirty="0">
+                          <a:effectLst/>
+                          <a:latin typeface="Sans Serif"/>
+                        </a:rPr>
+                        <a:t>);</a:t>
+                      </a:r>
                     </a:p>
                   </a:txBody>
                   <a:tcPr marL="23022" marR="23022" marT="11511" marB="11511" anchor="b">
@@ -5653,7 +5567,7 @@
                       </a:pPr>
                       <a:endParaRPr lang="cs-CZ" sz="900" dirty="0">
                         <a:effectLst/>
-                        <a:latin typeface="Calibri" panose="020F0502020204030204" pitchFamily="34" charset="0"/>
+                        <a:latin typeface="Sans Serif"/>
                       </a:endParaRPr>
                     </a:p>
                   </a:txBody>
@@ -5685,7 +5599,7 @@
                       </a:pPr>
                       <a:endParaRPr lang="cs-CZ" sz="900" dirty="0">
                         <a:effectLst/>
-                        <a:latin typeface="Calibri" panose="020F0502020204030204" pitchFamily="34" charset="0"/>
+                        <a:latin typeface="Sans Serif"/>
                       </a:endParaRPr>
                     </a:p>
                   </a:txBody>
@@ -5717,7 +5631,7 @@
                       </a:pPr>
                       <a:endParaRPr lang="cs-CZ" sz="900" dirty="0">
                         <a:effectLst/>
-                        <a:latin typeface="Calibri" panose="020F0502020204030204" pitchFamily="34" charset="0"/>
+                        <a:latin typeface="Sans Serif"/>
                       </a:endParaRPr>
                     </a:p>
                   </a:txBody>
@@ -5749,7 +5663,7 @@
                       </a:pPr>
                       <a:endParaRPr lang="cs-CZ" sz="900" dirty="0">
                         <a:effectLst/>
-                        <a:latin typeface="Calibri" panose="020F0502020204030204" pitchFamily="34" charset="0"/>
+                        <a:latin typeface="Sans Serif"/>
                       </a:endParaRPr>
                     </a:p>
                   </a:txBody>
@@ -5789,13 +5703,13 @@
                       <a:r>
                         <a:rPr lang="cs-CZ" sz="900" b="1" dirty="0">
                           <a:effectLst/>
-                          <a:latin typeface="Consolas" panose="020B0609020204030204" pitchFamily="49" charset="0"/>
+                          <a:latin typeface="Sans Serif"/>
                         </a:rPr>
                         <a:t>Servo</a:t>
                       </a:r>
                       <a:endParaRPr lang="cs-CZ" sz="900" dirty="0">
                         <a:effectLst/>
-                        <a:latin typeface="Calibri" panose="020F0502020204030204" pitchFamily="34" charset="0"/>
+                        <a:latin typeface="Sans Serif"/>
                       </a:endParaRPr>
                     </a:p>
                   </a:txBody>
@@ -5828,14 +5742,10 @@
                       <a:r>
                         <a:rPr lang="cs-CZ" sz="900">
                           <a:effectLst/>
-                          <a:latin typeface="Consolas" panose="020B0609020204030204" pitchFamily="49" charset="0"/>
+                          <a:latin typeface="Sans Serif"/>
                         </a:rPr>
                         <a:t>#include &lt;Servo.h&gt; </a:t>
                       </a:r>
-                      <a:endParaRPr lang="cs-CZ" sz="900">
-                        <a:effectLst/>
-                        <a:latin typeface="Calibri" panose="020F0502020204030204" pitchFamily="34" charset="0"/>
-                      </a:endParaRPr>
                     </a:p>
                   </a:txBody>
                   <a:tcPr marL="23022" marR="23022" marT="11511" marB="11511" anchor="b">
@@ -5867,14 +5777,10 @@
                       <a:r>
                         <a:rPr lang="cs-CZ" sz="900" dirty="0">
                           <a:effectLst/>
-                          <a:latin typeface="Consolas" panose="020B0609020204030204" pitchFamily="49" charset="0"/>
+                          <a:latin typeface="Sans Serif"/>
                         </a:rPr>
                         <a:t>Přidání knihovny pro servo</a:t>
                       </a:r>
-                      <a:endParaRPr lang="cs-CZ" sz="900" dirty="0">
-                        <a:effectLst/>
-                        <a:latin typeface="Calibri" panose="020F0502020204030204" pitchFamily="34" charset="0"/>
-                      </a:endParaRPr>
                     </a:p>
                   </a:txBody>
                   <a:tcPr marL="23022" marR="23022" marT="11511" marB="11511" anchor="b">
@@ -5906,14 +5812,10 @@
                       <a:r>
                         <a:rPr lang="cs-CZ" sz="900">
                           <a:effectLst/>
-                          <a:latin typeface="Consolas" panose="020B0609020204030204" pitchFamily="49" charset="0"/>
+                          <a:latin typeface="Sans Serif"/>
                         </a:rPr>
                         <a:t>#include &lt;Servo.h&gt; </a:t>
                       </a:r>
-                      <a:endParaRPr lang="cs-CZ" sz="900">
-                        <a:effectLst/>
-                        <a:latin typeface="Calibri" panose="020F0502020204030204" pitchFamily="34" charset="0"/>
-                      </a:endParaRPr>
                     </a:p>
                   </a:txBody>
                   <a:tcPr marL="23022" marR="23022" marT="11511" marB="11511" anchor="b">
@@ -5962,14 +5864,10 @@
                       <a:r>
                         <a:rPr lang="cs-CZ" sz="900">
                           <a:effectLst/>
-                          <a:latin typeface="Consolas" panose="020B0609020204030204" pitchFamily="49" charset="0"/>
+                          <a:latin typeface="Sans Serif"/>
                         </a:rPr>
                         <a:t>Servo servo1</a:t>
                       </a:r>
-                      <a:endParaRPr lang="cs-CZ" sz="900">
-                        <a:effectLst/>
-                        <a:latin typeface="Calibri" panose="020F0502020204030204" pitchFamily="34" charset="0"/>
-                      </a:endParaRPr>
                     </a:p>
                   </a:txBody>
                   <a:tcPr marL="23022" marR="23022" marT="11511" marB="11511" anchor="b">
@@ -6001,14 +5899,10 @@
                       <a:r>
                         <a:rPr lang="cs-CZ" sz="900">
                           <a:effectLst/>
-                          <a:latin typeface="Consolas" panose="020B0609020204030204" pitchFamily="49" charset="0"/>
+                          <a:latin typeface="Sans Serif"/>
                         </a:rPr>
                         <a:t>Vytvoření objektu z knihovny Servo</a:t>
                       </a:r>
-                      <a:endParaRPr lang="cs-CZ" sz="900">
-                        <a:effectLst/>
-                        <a:latin typeface="Calibri" panose="020F0502020204030204" pitchFamily="34" charset="0"/>
-                      </a:endParaRPr>
                     </a:p>
                   </a:txBody>
                   <a:tcPr marL="23022" marR="23022" marT="11511" marB="11511" anchor="b">
@@ -6040,14 +5934,10 @@
                       <a:r>
                         <a:rPr lang="cs-CZ" sz="900">
                           <a:effectLst/>
-                          <a:latin typeface="Consolas" panose="020B0609020204030204" pitchFamily="49" charset="0"/>
+                          <a:latin typeface="Sans Serif"/>
                         </a:rPr>
                         <a:t>Servo servo1;</a:t>
                       </a:r>
-                      <a:endParaRPr lang="cs-CZ" sz="900">
-                        <a:effectLst/>
-                        <a:latin typeface="Calibri" panose="020F0502020204030204" pitchFamily="34" charset="0"/>
-                      </a:endParaRPr>
                     </a:p>
                   </a:txBody>
                   <a:tcPr marL="23022" marR="23022" marT="11511" marB="11511" anchor="b">
@@ -6094,16 +5984,17 @@
                         <a:buNone/>
                       </a:pPr>
                       <a:r>
-                        <a:rPr lang="cs-CZ" sz="900">
-                          <a:effectLst/>
-                          <a:latin typeface="Consolas" panose="020B0609020204030204" pitchFamily="49" charset="0"/>
+                        <a:rPr lang="cs-CZ" sz="900" kern="1200" dirty="0">
+                          <a:solidFill>
+                            <a:schemeClr val="tx1"/>
+                          </a:solidFill>
+                          <a:effectLst/>
+                          <a:latin typeface="Sans Serif"/>
+                          <a:ea typeface="+mn-ea"/>
+                          <a:cs typeface="+mn-cs"/>
                         </a:rPr>
                         <a:t>servo.attach</a:t>
                       </a:r>
-                      <a:endParaRPr lang="cs-CZ" sz="900">
-                        <a:effectLst/>
-                        <a:latin typeface="Calibri" panose="020F0502020204030204" pitchFamily="34" charset="0"/>
-                      </a:endParaRPr>
                     </a:p>
                   </a:txBody>
                   <a:tcPr marL="23022" marR="23022" marT="11511" marB="11511" anchor="b">
@@ -6135,14 +6026,10 @@
                       <a:r>
                         <a:rPr lang="cs-CZ" sz="900" dirty="0">
                           <a:effectLst/>
-                          <a:latin typeface="Consolas" panose="020B0609020204030204" pitchFamily="49" charset="0"/>
+                          <a:latin typeface="Sans Serif"/>
                         </a:rPr>
                         <a:t>Inicializace serva, nastavení ovládacího pinu</a:t>
                       </a:r>
-                      <a:endParaRPr lang="cs-CZ" sz="900" dirty="0">
-                        <a:effectLst/>
-                        <a:latin typeface="Calibri" panose="020F0502020204030204" pitchFamily="34" charset="0"/>
-                      </a:endParaRPr>
                     </a:p>
                   </a:txBody>
                   <a:tcPr marL="23022" marR="23022" marT="11511" marB="11511" anchor="b">
@@ -6172,16 +6059,12 @@
                         <a:buNone/>
                       </a:pPr>
                       <a:r>
-                        <a:rPr lang="cs-CZ" sz="900">
-                          <a:effectLst/>
-                          <a:latin typeface="Consolas" panose="020B0609020204030204" pitchFamily="49" charset="0"/>
+                        <a:rPr lang="cs-CZ" sz="900" dirty="0">
+                          <a:effectLst/>
+                          <a:latin typeface="Sans Serif"/>
                         </a:rPr>
                         <a:t>servo1.attach(servo_pin);</a:t>
                       </a:r>
-                      <a:endParaRPr lang="cs-CZ" sz="900">
-                        <a:effectLst/>
-                        <a:latin typeface="Calibri" panose="020F0502020204030204" pitchFamily="34" charset="0"/>
-                      </a:endParaRPr>
                     </a:p>
                   </a:txBody>
                   <a:tcPr marL="23022" marR="23022" marT="11511" marB="11511" anchor="b">
@@ -6230,14 +6113,10 @@
                       <a:r>
                         <a:rPr lang="cs-CZ" sz="900">
                           <a:effectLst/>
-                          <a:latin typeface="Consolas" panose="020B0609020204030204" pitchFamily="49" charset="0"/>
+                          <a:latin typeface="Sans Serif"/>
                         </a:rPr>
                         <a:t>servo.write</a:t>
                       </a:r>
-                      <a:endParaRPr lang="cs-CZ" sz="900">
-                        <a:effectLst/>
-                        <a:latin typeface="Calibri" panose="020F0502020204030204" pitchFamily="34" charset="0"/>
-                      </a:endParaRPr>
                     </a:p>
                   </a:txBody>
                   <a:tcPr marL="23022" marR="23022" marT="11511" marB="11511" anchor="b">
@@ -6269,14 +6148,10 @@
                       <a:r>
                         <a:rPr lang="cs-CZ" sz="900">
                           <a:effectLst/>
-                          <a:latin typeface="Consolas" panose="020B0609020204030204" pitchFamily="49" charset="0"/>
+                          <a:latin typeface="Sans Serif"/>
                         </a:rPr>
                         <a:t>Nastavení polohy serva ve stupních</a:t>
                       </a:r>
-                      <a:endParaRPr lang="cs-CZ" sz="900">
-                        <a:effectLst/>
-                        <a:latin typeface="Calibri" panose="020F0502020204030204" pitchFamily="34" charset="0"/>
-                      </a:endParaRPr>
                     </a:p>
                   </a:txBody>
                   <a:tcPr marL="23022" marR="23022" marT="11511" marB="11511" anchor="b">
@@ -6308,14 +6183,10 @@
                       <a:r>
                         <a:rPr lang="cs-CZ" sz="900">
                           <a:effectLst/>
-                          <a:latin typeface="Consolas" panose="020B0609020204030204" pitchFamily="49" charset="0"/>
+                          <a:latin typeface="Sans Serif"/>
                         </a:rPr>
                         <a:t>servo1.write(90); //úhel 90 stupnu</a:t>
                       </a:r>
-                      <a:endParaRPr lang="cs-CZ" sz="900">
-                        <a:effectLst/>
-                        <a:latin typeface="Calibri" panose="020F0502020204030204" pitchFamily="34" charset="0"/>
-                      </a:endParaRPr>
                     </a:p>
                   </a:txBody>
                   <a:tcPr marL="23022" marR="23022" marT="11511" marB="11511" anchor="b">
@@ -6353,7 +6224,7 @@
                       </a:pPr>
                       <a:endParaRPr lang="cs-CZ" sz="900" dirty="0">
                         <a:effectLst/>
-                        <a:latin typeface="Calibri" panose="020F0502020204030204" pitchFamily="34" charset="0"/>
+                        <a:latin typeface="Sans Serif"/>
                       </a:endParaRPr>
                     </a:p>
                   </a:txBody>
@@ -6385,7 +6256,7 @@
                       </a:pPr>
                       <a:endParaRPr lang="cs-CZ" sz="900" dirty="0">
                         <a:effectLst/>
-                        <a:latin typeface="Calibri" panose="020F0502020204030204" pitchFamily="34" charset="0"/>
+                        <a:latin typeface="Sans Serif"/>
                       </a:endParaRPr>
                     </a:p>
                   </a:txBody>
@@ -6417,7 +6288,7 @@
                       </a:pPr>
                       <a:endParaRPr lang="cs-CZ" sz="900" dirty="0">
                         <a:effectLst/>
-                        <a:latin typeface="Calibri" panose="020F0502020204030204" pitchFamily="34" charset="0"/>
+                        <a:latin typeface="Sans Serif"/>
                       </a:endParaRPr>
                     </a:p>
                   </a:txBody>
@@ -6449,7 +6320,7 @@
                       </a:pPr>
                       <a:endParaRPr lang="cs-CZ" sz="900" dirty="0">
                         <a:effectLst/>
-                        <a:latin typeface="Calibri" panose="020F0502020204030204" pitchFamily="34" charset="0"/>
+                        <a:latin typeface="Sans Serif"/>
                       </a:endParaRPr>
                     </a:p>
                   </a:txBody>
@@ -6489,13 +6360,13 @@
                       <a:r>
                         <a:rPr lang="cs-CZ" sz="900" b="1" dirty="0">
                           <a:effectLst/>
-                          <a:latin typeface="Consolas" panose="020B0609020204030204" pitchFamily="49" charset="0"/>
+                          <a:latin typeface="Sans Serif"/>
                         </a:rPr>
                         <a:t>LCD displej</a:t>
                       </a:r>
                       <a:endParaRPr lang="cs-CZ" sz="900" dirty="0">
                         <a:effectLst/>
-                        <a:latin typeface="Calibri" panose="020F0502020204030204" pitchFamily="34" charset="0"/>
+                        <a:latin typeface="Sans Serif"/>
                       </a:endParaRPr>
                     </a:p>
                   </a:txBody>
@@ -6528,27 +6399,23 @@
                       <a:r>
                         <a:rPr lang="cs-CZ" sz="900" dirty="0">
                           <a:effectLst/>
-                          <a:latin typeface="Consolas" panose="020B0609020204030204" pitchFamily="49" charset="0"/>
+                          <a:latin typeface="Sans Serif"/>
                         </a:rPr>
                         <a:t>#include &lt;Wire.h&gt;</a:t>
                       </a:r>
                       <a:br>
                         <a:rPr lang="cs-CZ" sz="900" dirty="0">
                           <a:effectLst/>
-                          <a:latin typeface="Consolas" panose="020B0609020204030204" pitchFamily="49" charset="0"/>
+                          <a:latin typeface="Sans Serif"/>
                         </a:rPr>
                       </a:br>
                       <a:r>
                         <a:rPr lang="cs-CZ" sz="900" dirty="0">
                           <a:effectLst/>
-                          <a:latin typeface="Consolas" panose="020B0609020204030204" pitchFamily="49" charset="0"/>
+                          <a:latin typeface="Sans Serif"/>
                         </a:rPr>
                         <a:t>#include &lt;LiquidCrystal_I2C.h&gt;</a:t>
                       </a:r>
-                      <a:endParaRPr lang="cs-CZ" sz="900" dirty="0">
-                        <a:effectLst/>
-                        <a:latin typeface="Calibri" panose="020F0502020204030204" pitchFamily="34" charset="0"/>
-                      </a:endParaRPr>
                     </a:p>
                   </a:txBody>
                   <a:tcPr marL="23022" marR="23022" marT="11511" marB="11511" anchor="b">
@@ -6580,14 +6447,10 @@
                       <a:r>
                         <a:rPr lang="pl-PL" sz="900">
                           <a:effectLst/>
-                          <a:latin typeface="Consolas" panose="020B0609020204030204" pitchFamily="49" charset="0"/>
+                          <a:latin typeface="Sans Serif"/>
                         </a:rPr>
                         <a:t>Přidání knihovny pro I2C komunikaci a knihovny pro LCD displej</a:t>
                       </a:r>
-                      <a:endParaRPr lang="pl-PL" sz="900">
-                        <a:effectLst/>
-                        <a:latin typeface="Calibri" panose="020F0502020204030204" pitchFamily="34" charset="0"/>
-                      </a:endParaRPr>
                     </a:p>
                   </a:txBody>
                   <a:tcPr marL="23022" marR="23022" marT="11511" marB="11511" anchor="b">
@@ -6619,27 +6482,23 @@
                       <a:r>
                         <a:rPr lang="cs-CZ" sz="900">
                           <a:effectLst/>
-                          <a:latin typeface="Consolas" panose="020B0609020204030204" pitchFamily="49" charset="0"/>
+                          <a:latin typeface="Sans Serif"/>
                         </a:rPr>
                         <a:t>#include &lt;Wire.h&gt;</a:t>
                       </a:r>
                       <a:br>
                         <a:rPr lang="cs-CZ" sz="900">
                           <a:effectLst/>
-                          <a:latin typeface="Consolas" panose="020B0609020204030204" pitchFamily="49" charset="0"/>
+                          <a:latin typeface="Sans Serif"/>
                         </a:rPr>
                       </a:br>
                       <a:r>
                         <a:rPr lang="cs-CZ" sz="900">
                           <a:effectLst/>
-                          <a:latin typeface="Consolas" panose="020B0609020204030204" pitchFamily="49" charset="0"/>
+                          <a:latin typeface="Sans Serif"/>
                         </a:rPr>
                         <a:t>#include &lt;LiquidCrystal_I2C.h&gt;</a:t>
                       </a:r>
-                      <a:endParaRPr lang="cs-CZ" sz="900">
-                        <a:effectLst/>
-                        <a:latin typeface="Calibri" panose="020F0502020204030204" pitchFamily="34" charset="0"/>
-                      </a:endParaRPr>
                     </a:p>
                   </a:txBody>
                   <a:tcPr marL="23022" marR="23022" marT="11511" marB="11511" anchor="b">
@@ -6688,14 +6547,10 @@
                       <a:r>
                         <a:rPr lang="cs-CZ" sz="900">
                           <a:effectLst/>
-                          <a:latin typeface="Consolas" panose="020B0609020204030204" pitchFamily="49" charset="0"/>
+                          <a:latin typeface="Sans Serif"/>
                         </a:rPr>
                         <a:t>LiquidCrystal_I2C lcd</a:t>
                       </a:r>
-                      <a:endParaRPr lang="cs-CZ" sz="900">
-                        <a:effectLst/>
-                        <a:latin typeface="Calibri" panose="020F0502020204030204" pitchFamily="34" charset="0"/>
-                      </a:endParaRPr>
                     </a:p>
                   </a:txBody>
                   <a:tcPr marL="23022" marR="23022" marT="11511" marB="11511" anchor="b">
@@ -6727,14 +6582,10 @@
                       <a:r>
                         <a:rPr lang="cs-CZ" sz="900">
                           <a:effectLst/>
-                          <a:latin typeface="Consolas" panose="020B0609020204030204" pitchFamily="49" charset="0"/>
+                          <a:latin typeface="Sans Serif"/>
                         </a:rPr>
                         <a:t>Vytvoření objektu z knihovny LiquidCrystal_I2C</a:t>
                       </a:r>
-                      <a:endParaRPr lang="cs-CZ" sz="900">
-                        <a:effectLst/>
-                        <a:latin typeface="Calibri" panose="020F0502020204030204" pitchFamily="34" charset="0"/>
-                      </a:endParaRPr>
                     </a:p>
                   </a:txBody>
                   <a:tcPr marL="23022" marR="23022" marT="11511" marB="11511" anchor="b">
@@ -6766,14 +6617,10 @@
                       <a:r>
                         <a:rPr lang="pt-BR" sz="900">
                           <a:effectLst/>
-                          <a:latin typeface="Consolas" panose="020B0609020204030204" pitchFamily="49" charset="0"/>
+                          <a:latin typeface="Sans Serif"/>
                         </a:rPr>
                         <a:t>LiquidCrystal_I2C lcd(0x27, 16, 2);</a:t>
                       </a:r>
-                      <a:endParaRPr lang="pt-BR" sz="900">
-                        <a:effectLst/>
-                        <a:latin typeface="Calibri" panose="020F0502020204030204" pitchFamily="34" charset="0"/>
-                      </a:endParaRPr>
                     </a:p>
                   </a:txBody>
                   <a:tcPr marL="23022" marR="23022" marT="11511" marB="11511" anchor="b">
@@ -6822,14 +6669,10 @@
                       <a:r>
                         <a:rPr lang="cs-CZ" sz="900">
                           <a:effectLst/>
-                          <a:latin typeface="Consolas" panose="020B0609020204030204" pitchFamily="49" charset="0"/>
+                          <a:latin typeface="Sans Serif"/>
                         </a:rPr>
                         <a:t>lcd.begin</a:t>
                       </a:r>
-                      <a:endParaRPr lang="cs-CZ" sz="900">
-                        <a:effectLst/>
-                        <a:latin typeface="Calibri" panose="020F0502020204030204" pitchFamily="34" charset="0"/>
-                      </a:endParaRPr>
                     </a:p>
                   </a:txBody>
                   <a:tcPr marL="23022" marR="23022" marT="11511" marB="11511" anchor="b">
@@ -6861,14 +6704,10 @@
                       <a:r>
                         <a:rPr lang="cs-CZ" sz="900">
                           <a:effectLst/>
-                          <a:latin typeface="Consolas" panose="020B0609020204030204" pitchFamily="49" charset="0"/>
+                          <a:latin typeface="Sans Serif"/>
                         </a:rPr>
                         <a:t>Inicializace displeje</a:t>
                       </a:r>
-                      <a:endParaRPr lang="cs-CZ" sz="900">
-                        <a:effectLst/>
-                        <a:latin typeface="Calibri" panose="020F0502020204030204" pitchFamily="34" charset="0"/>
-                      </a:endParaRPr>
                     </a:p>
                   </a:txBody>
                   <a:tcPr marL="23022" marR="23022" marT="11511" marB="11511" anchor="b">
@@ -6900,14 +6739,10 @@
                       <a:r>
                         <a:rPr lang="cs-CZ" sz="900">
                           <a:effectLst/>
-                          <a:latin typeface="Consolas" panose="020B0609020204030204" pitchFamily="49" charset="0"/>
+                          <a:latin typeface="Sans Serif"/>
                         </a:rPr>
                         <a:t>lcd.begin();</a:t>
                       </a:r>
-                      <a:endParaRPr lang="cs-CZ" sz="900">
-                        <a:effectLst/>
-                        <a:latin typeface="Calibri" panose="020F0502020204030204" pitchFamily="34" charset="0"/>
-                      </a:endParaRPr>
                     </a:p>
                   </a:txBody>
                   <a:tcPr marL="23022" marR="23022" marT="11511" marB="11511" anchor="b">
@@ -6956,14 +6791,10 @@
                       <a:r>
                         <a:rPr lang="cs-CZ" sz="900">
                           <a:effectLst/>
-                          <a:latin typeface="Consolas" panose="020B0609020204030204" pitchFamily="49" charset="0"/>
+                          <a:latin typeface="Sans Serif"/>
                         </a:rPr>
                         <a:t>lcd.clear</a:t>
                       </a:r>
-                      <a:endParaRPr lang="cs-CZ" sz="900">
-                        <a:effectLst/>
-                        <a:latin typeface="Calibri" panose="020F0502020204030204" pitchFamily="34" charset="0"/>
-                      </a:endParaRPr>
                     </a:p>
                   </a:txBody>
                   <a:tcPr marL="23022" marR="23022" marT="11511" marB="11511" anchor="b">
@@ -6995,14 +6826,10 @@
                       <a:r>
                         <a:rPr lang="cs-CZ" sz="900" dirty="0">
                           <a:effectLst/>
-                          <a:latin typeface="Consolas" panose="020B0609020204030204" pitchFamily="49" charset="0"/>
+                          <a:latin typeface="Sans Serif"/>
                         </a:rPr>
                         <a:t>Vymazání displeje</a:t>
                       </a:r>
-                      <a:endParaRPr lang="cs-CZ" sz="900" dirty="0">
-                        <a:effectLst/>
-                        <a:latin typeface="Calibri" panose="020F0502020204030204" pitchFamily="34" charset="0"/>
-                      </a:endParaRPr>
                     </a:p>
                   </a:txBody>
                   <a:tcPr marL="23022" marR="23022" marT="11511" marB="11511" anchor="b">
@@ -7034,14 +6861,10 @@
                       <a:r>
                         <a:rPr lang="cs-CZ" sz="900">
                           <a:effectLst/>
-                          <a:latin typeface="Consolas" panose="020B0609020204030204" pitchFamily="49" charset="0"/>
+                          <a:latin typeface="Sans Serif"/>
                         </a:rPr>
                         <a:t>lcd.clear()</a:t>
                       </a:r>
-                      <a:endParaRPr lang="cs-CZ" sz="900">
-                        <a:effectLst/>
-                        <a:latin typeface="Calibri" panose="020F0502020204030204" pitchFamily="34" charset="0"/>
-                      </a:endParaRPr>
                     </a:p>
                   </a:txBody>
                   <a:tcPr marL="23022" marR="23022" marT="11511" marB="11511" anchor="b">
@@ -7090,14 +6913,10 @@
                       <a:r>
                         <a:rPr lang="cs-CZ" sz="900">
                           <a:effectLst/>
-                          <a:latin typeface="Consolas" panose="020B0609020204030204" pitchFamily="49" charset="0"/>
+                          <a:latin typeface="Sans Serif"/>
                         </a:rPr>
                         <a:t>lcd.setCursor</a:t>
                       </a:r>
-                      <a:endParaRPr lang="cs-CZ" sz="900">
-                        <a:effectLst/>
-                        <a:latin typeface="Calibri" panose="020F0502020204030204" pitchFamily="34" charset="0"/>
-                      </a:endParaRPr>
                     </a:p>
                   </a:txBody>
                   <a:tcPr marL="23022" marR="23022" marT="11511" marB="11511" anchor="b">
@@ -7129,14 +6948,10 @@
                       <a:r>
                         <a:rPr lang="pl-PL" sz="900">
                           <a:effectLst/>
-                          <a:latin typeface="Consolas" panose="020B0609020204030204" pitchFamily="49" charset="0"/>
+                          <a:latin typeface="Sans Serif"/>
                         </a:rPr>
                         <a:t>Nastavení pozice kurzoru (znak, řádek)</a:t>
                       </a:r>
-                      <a:endParaRPr lang="pl-PL" sz="900">
-                        <a:effectLst/>
-                        <a:latin typeface="Calibri" panose="020F0502020204030204" pitchFamily="34" charset="0"/>
-                      </a:endParaRPr>
                     </a:p>
                   </a:txBody>
                   <a:tcPr marL="23022" marR="23022" marT="11511" marB="11511" anchor="b">
@@ -7168,14 +6983,10 @@
                       <a:r>
                         <a:rPr lang="cs-CZ" sz="900" dirty="0">
                           <a:effectLst/>
-                          <a:latin typeface="Consolas" panose="020B0609020204030204" pitchFamily="49" charset="0"/>
+                          <a:latin typeface="Sans Serif"/>
                         </a:rPr>
                         <a:t>lcd.setCursor(0,1);</a:t>
                       </a:r>
-                      <a:endParaRPr lang="cs-CZ" sz="900" dirty="0">
-                        <a:effectLst/>
-                        <a:latin typeface="Calibri" panose="020F0502020204030204" pitchFamily="34" charset="0"/>
-                      </a:endParaRPr>
                     </a:p>
                   </a:txBody>
                   <a:tcPr marL="23022" marR="23022" marT="11511" marB="11511" anchor="b">
@@ -7224,14 +7035,10 @@
                       <a:r>
                         <a:rPr lang="cs-CZ" sz="900" dirty="0">
                           <a:effectLst/>
-                          <a:latin typeface="Consolas" panose="020B0609020204030204" pitchFamily="49" charset="0"/>
+                          <a:latin typeface="Sans Serif"/>
                         </a:rPr>
                         <a:t>lcd.print</a:t>
                       </a:r>
-                      <a:endParaRPr lang="cs-CZ" sz="900" dirty="0">
-                        <a:effectLst/>
-                        <a:latin typeface="Calibri" panose="020F0502020204030204" pitchFamily="34" charset="0"/>
-                      </a:endParaRPr>
                     </a:p>
                   </a:txBody>
                   <a:tcPr marL="23022" marR="23022" marT="11511" marB="11511" anchor="b">
@@ -7263,14 +7070,10 @@
                       <a:r>
                         <a:rPr lang="cs-CZ" sz="900">
                           <a:effectLst/>
-                          <a:latin typeface="Consolas" panose="020B0609020204030204" pitchFamily="49" charset="0"/>
+                          <a:latin typeface="Sans Serif"/>
                         </a:rPr>
                         <a:t>Vypsání textu nebo čísel na displeji</a:t>
                       </a:r>
-                      <a:endParaRPr lang="cs-CZ" sz="900">
-                        <a:effectLst/>
-                        <a:latin typeface="Calibri" panose="020F0502020204030204" pitchFamily="34" charset="0"/>
-                      </a:endParaRPr>
                     </a:p>
                   </a:txBody>
                   <a:tcPr marL="23022" marR="23022" marT="11511" marB="11511" anchor="b">
@@ -7302,14 +7105,10 @@
                       <a:r>
                         <a:rPr lang="cs-CZ" sz="900" dirty="0">
                           <a:effectLst/>
-                          <a:latin typeface="Consolas" panose="020B0609020204030204" pitchFamily="49" charset="0"/>
+                          <a:latin typeface="Sans Serif"/>
                         </a:rPr>
                         <a:t>lcd.print(„Ahoj!“);</a:t>
                       </a:r>
-                      <a:endParaRPr lang="cs-CZ" sz="900" dirty="0">
-                        <a:effectLst/>
-                        <a:latin typeface="Calibri" panose="020F0502020204030204" pitchFamily="34" charset="0"/>
-                      </a:endParaRPr>
                     </a:p>
                   </a:txBody>
                   <a:tcPr marL="23022" marR="23022" marT="11511" marB="11511" anchor="b">
@@ -7369,55 +7168,8 @@
         </p:blipFill>
         <p:spPr bwMode="auto">
           <a:xfrm>
-            <a:off x="102815" y="8180287"/>
+            <a:off x="156284" y="8197752"/>
             <a:ext cx="2926135" cy="1663981"/>
-          </a:xfrm>
-          <a:prstGeom prst="rect">
-            <a:avLst/>
-          </a:prstGeom>
-          <a:noFill/>
-          <a:extLst>
-            <a:ext uri="{909E8E84-426E-40DD-AFC4-6F175D3DCCD1}">
-              <a14:hiddenFill xmlns:a14="http://schemas.microsoft.com/office/drawing/2010/main">
-                <a:solidFill>
-                  <a:srgbClr val="FFFFFF"/>
-                </a:solidFill>
-              </a14:hiddenFill>
-            </a:ext>
-          </a:extLst>
-        </p:spPr>
-      </p:pic>
-      <p:pic>
-        <p:nvPicPr>
-          <p:cNvPr id="1025" name="obrázek 2">
-            <a:extLst>
-              <a:ext uri="{FF2B5EF4-FFF2-40B4-BE49-F238E27FC236}">
-                <a16:creationId xmlns:a16="http://schemas.microsoft.com/office/drawing/2014/main" id="{27FAB85B-F5C0-4231-BA5A-A36E382B6B79}"/>
-              </a:ext>
-            </a:extLst>
-          </p:cNvPr>
-          <p:cNvPicPr>
-            <a:picLocks noChangeAspect="1" noChangeArrowheads="1"/>
-          </p:cNvPicPr>
-          <p:nvPr/>
-        </p:nvPicPr>
-        <p:blipFill>
-          <a:blip r:embed="rId3">
-            <a:extLst>
-              <a:ext uri="{28A0092B-C50C-407E-A947-70E740481C1C}">
-                <a14:useLocalDpi xmlns:a14="http://schemas.microsoft.com/office/drawing/2010/main" val="0"/>
-              </a:ext>
-            </a:extLst>
-          </a:blip>
-          <a:srcRect/>
-          <a:stretch>
-            <a:fillRect/>
-          </a:stretch>
-        </p:blipFill>
-        <p:spPr bwMode="auto">
-          <a:xfrm>
-            <a:off x="4118583" y="8285996"/>
-            <a:ext cx="1395365" cy="1452562"/>
           </a:xfrm>
           <a:prstGeom prst="rect">
             <a:avLst/>
@@ -7695,6 +7447,130 @@
           </a:p>
         </p:txBody>
       </p:sp>
+      <p:pic>
+        <p:nvPicPr>
+          <p:cNvPr id="5" name="Picture 4">
+            <a:extLst>
+              <a:ext uri="{FF2B5EF4-FFF2-40B4-BE49-F238E27FC236}">
+                <a16:creationId xmlns:a16="http://schemas.microsoft.com/office/drawing/2014/main" id="{7B603EFB-174C-7F0D-B194-06D79D0225DD}"/>
+              </a:ext>
+            </a:extLst>
+          </p:cNvPr>
+          <p:cNvPicPr>
+            <a:picLocks noChangeAspect="1"/>
+          </p:cNvPicPr>
+          <p:nvPr/>
+        </p:nvPicPr>
+        <p:blipFill>
+          <a:blip r:embed="rId3"/>
+          <a:stretch>
+            <a:fillRect/>
+          </a:stretch>
+        </p:blipFill>
+        <p:spPr>
+          <a:xfrm>
+            <a:off x="4181477" y="8180287"/>
+            <a:ext cx="1581148" cy="1676685"/>
+          </a:xfrm>
+          <a:prstGeom prst="rect">
+            <a:avLst/>
+          </a:prstGeom>
+        </p:spPr>
+      </p:pic>
+      <p:sp>
+        <p:nvSpPr>
+          <p:cNvPr id="10" name="TextBox 9">
+            <a:extLst>
+              <a:ext uri="{FF2B5EF4-FFF2-40B4-BE49-F238E27FC236}">
+                <a16:creationId xmlns:a16="http://schemas.microsoft.com/office/drawing/2014/main" id="{5570E639-CB90-4DE0-A8B5-F599E3BAB1F7}"/>
+              </a:ext>
+            </a:extLst>
+          </p:cNvPr>
+          <p:cNvSpPr txBox="1"/>
+          <p:nvPr/>
+        </p:nvSpPr>
+        <p:spPr>
+          <a:xfrm>
+            <a:off x="5169696" y="8510290"/>
+            <a:ext cx="1012029" cy="307777"/>
+          </a:xfrm>
+          <a:prstGeom prst="rect">
+            <a:avLst/>
+          </a:prstGeom>
+          <a:noFill/>
+        </p:spPr>
+        <p:txBody>
+          <a:bodyPr wrap="square">
+            <a:spAutoFit/>
+          </a:bodyPr>
+          <a:lstStyle/>
+          <a:p>
+            <a:r>
+              <a:rPr kumimoji="0" lang="cs-CZ" altLang="cs-CZ" sz="1400" b="1" i="0" u="none" strike="noStrike" cap="none" normalizeH="0" baseline="0" dirty="0">
+                <a:ln>
+                  <a:noFill/>
+                </a:ln>
+                <a:solidFill>
+                  <a:schemeClr val="tx1"/>
+                </a:solidFill>
+                <a:effectLst/>
+                <a:latin typeface="Consolas" panose="020B0609020204030204" pitchFamily="49" charset="0"/>
+                <a:ea typeface="Calibri" panose="020F0502020204030204" pitchFamily="34" charset="0"/>
+                <a:cs typeface="Times New Roman" panose="02020603050405020304" pitchFamily="18" charset="0"/>
+              </a:rPr>
+              <a:t>katoda</a:t>
+            </a:r>
+            <a:endParaRPr lang="en-US" sz="1400" dirty="0"/>
+          </a:p>
+        </p:txBody>
+      </p:sp>
+      <p:sp>
+        <p:nvSpPr>
+          <p:cNvPr id="11" name="TextBox 10">
+            <a:extLst>
+              <a:ext uri="{FF2B5EF4-FFF2-40B4-BE49-F238E27FC236}">
+                <a16:creationId xmlns:a16="http://schemas.microsoft.com/office/drawing/2014/main" id="{EC96E2AE-DE2B-AABE-8E37-6BC224E83819}"/>
+              </a:ext>
+            </a:extLst>
+          </p:cNvPr>
+          <p:cNvSpPr txBox="1"/>
+          <p:nvPr/>
+        </p:nvSpPr>
+        <p:spPr>
+          <a:xfrm>
+            <a:off x="3960022" y="8505230"/>
+            <a:ext cx="1012029" cy="307777"/>
+          </a:xfrm>
+          <a:prstGeom prst="rect">
+            <a:avLst/>
+          </a:prstGeom>
+          <a:noFill/>
+        </p:spPr>
+        <p:txBody>
+          <a:bodyPr wrap="square">
+            <a:spAutoFit/>
+          </a:bodyPr>
+          <a:lstStyle/>
+          <a:p>
+            <a:r>
+              <a:rPr kumimoji="0" lang="cs-CZ" altLang="cs-CZ" sz="1400" b="1" i="0" u="none" strike="noStrike" cap="none" normalizeH="0" baseline="0" dirty="0">
+                <a:ln>
+                  <a:noFill/>
+                </a:ln>
+                <a:solidFill>
+                  <a:schemeClr val="tx1"/>
+                </a:solidFill>
+                <a:effectLst/>
+                <a:latin typeface="Consolas" panose="020B0609020204030204" pitchFamily="49" charset="0"/>
+                <a:ea typeface="Calibri" panose="020F0502020204030204" pitchFamily="34" charset="0"/>
+                <a:cs typeface="Times New Roman" panose="02020603050405020304" pitchFamily="18" charset="0"/>
+              </a:rPr>
+              <a:t>anoda</a:t>
+            </a:r>
+            <a:endParaRPr lang="en-US" sz="1400" dirty="0"/>
+          </a:p>
+        </p:txBody>
+      </p:sp>
     </p:spTree>
     <p:extLst>
       <p:ext uri="{BB962C8B-B14F-4D97-AF65-F5344CB8AC3E}">
@@ -7740,42 +7616,42 @@
           <p:nvPr>
             <p:extLst>
               <p:ext uri="{D42A27DB-BD31-4B8C-83A1-F6EECF244321}">
-                <p14:modId xmlns:p14="http://schemas.microsoft.com/office/powerpoint/2010/main" val="1785665595"/>
+                <p14:modId xmlns:p14="http://schemas.microsoft.com/office/powerpoint/2010/main" val="307677106"/>
               </p:ext>
             </p:extLst>
           </p:nvPr>
         </p:nvGraphicFramePr>
         <p:xfrm>
-          <a:off x="0" y="-8740"/>
-          <a:ext cx="2869410" cy="9811939"/>
+          <a:off x="-2" y="-8740"/>
+          <a:ext cx="2857501" cy="9914725"/>
         </p:xfrm>
         <a:graphic>
           <a:graphicData uri="http://schemas.openxmlformats.org/drawingml/2006/table">
             <a:tbl>
               <a:tblPr/>
               <a:tblGrid>
-                <a:gridCol w="421545">
+                <a:gridCol w="419796">
                   <a:extLst>
                     <a:ext uri="{9D8B030D-6E8A-4147-A177-3AD203B41FA5}">
                       <a16:colId xmlns:a16="http://schemas.microsoft.com/office/drawing/2014/main" val="2960506425"/>
                     </a:ext>
                   </a:extLst>
                 </a:gridCol>
-                <a:gridCol w="524605">
+                <a:gridCol w="522427">
                   <a:extLst>
                     <a:ext uri="{9D8B030D-6E8A-4147-A177-3AD203B41FA5}">
                       <a16:colId xmlns:a16="http://schemas.microsoft.com/office/drawing/2014/main" val="1090223755"/>
                     </a:ext>
                   </a:extLst>
                 </a:gridCol>
-                <a:gridCol w="488555">
+                <a:gridCol w="486526">
                   <a:extLst>
                     <a:ext uri="{9D8B030D-6E8A-4147-A177-3AD203B41FA5}">
                       <a16:colId xmlns:a16="http://schemas.microsoft.com/office/drawing/2014/main" val="12166229"/>
                     </a:ext>
                   </a:extLst>
                 </a:gridCol>
-                <a:gridCol w="1434705">
+                <a:gridCol w="1428752">
                   <a:extLst>
                     <a:ext uri="{9D8B030D-6E8A-4147-A177-3AD203B41FA5}">
                       <a16:colId xmlns:a16="http://schemas.microsoft.com/office/drawing/2014/main" val="1167204924"/>
@@ -7783,7 +7659,7 @@
                   </a:extLst>
                 </a:gridCol>
               </a:tblGrid>
-              <a:tr h="144733">
+              <a:tr h="182557">
                 <a:tc gridSpan="4">
                   <a:txBody>
                     <a:bodyPr/>
@@ -7793,15 +7669,15 @@
                         <a:buNone/>
                       </a:pPr>
                       <a:r>
-                        <a:rPr lang="cs-CZ" sz="900" b="1" dirty="0">
-                          <a:effectLst/>
-                          <a:latin typeface="Consolas" panose="020B0609020204030204" pitchFamily="49" charset="0"/>
+                        <a:rPr lang="cs-CZ" sz="1000" b="1" dirty="0">
+                          <a:effectLst/>
+                          <a:latin typeface="Sans Serif"/>
                         </a:rPr>
                         <a:t>Datové typy</a:t>
                       </a:r>
-                      <a:endParaRPr lang="cs-CZ" sz="900" dirty="0">
+                      <a:endParaRPr lang="cs-CZ" sz="1000" dirty="0">
                         <a:effectLst/>
-                        <a:latin typeface="Calibri" panose="020F0502020204030204" pitchFamily="34" charset="0"/>
+                        <a:latin typeface="Sans Serif"/>
                       </a:endParaRPr>
                     </a:p>
                   </a:txBody>
@@ -7859,7 +7735,7 @@
                   </a:ext>
                 </a:extLst>
               </a:tr>
-              <a:tr h="263942">
+              <a:tr h="335619">
                 <a:tc gridSpan="2">
                   <a:txBody>
                     <a:bodyPr/>
@@ -7869,12 +7745,40 @@
                         <a:buNone/>
                       </a:pPr>
                       <a:r>
-                        <a:rPr lang="cs-CZ" sz="900" dirty="0">
-                          <a:effectLst/>
-                          <a:latin typeface="Consolas" panose="020B0609020204030204" pitchFamily="49" charset="0"/>
+                        <a:rPr lang="cs-CZ" sz="1000" dirty="0">
+                          <a:effectLst/>
+                          <a:latin typeface="Sans Serif"/>
                         </a:rPr>
                         <a:t>boolean</a:t>
                       </a:r>
+                    </a:p>
+                  </a:txBody>
+                  <a:tcPr marL="29369" marR="29369" marT="14684" marB="14684">
+                    <a:lnL>
+                      <a:noFill/>
+                    </a:lnL>
+                    <a:lnR>
+                      <a:noFill/>
+                    </a:lnR>
+                    <a:lnT>
+                      <a:noFill/>
+                    </a:lnT>
+                    <a:lnB>
+                      <a:noFill/>
+                    </a:lnB>
+                    <a:solidFill>
+                      <a:srgbClr val="E0C2CD"/>
+                    </a:solidFill>
+                  </a:tcPr>
+                </a:tc>
+                <a:tc hMerge="1">
+                  <a:txBody>
+                    <a:bodyPr/>
+                    <a:lstStyle/>
+                    <a:p>
+                      <a:pPr algn="l">
+                        <a:buNone/>
+                      </a:pPr>
                       <a:endParaRPr lang="cs-CZ" sz="900" dirty="0">
                         <a:effectLst/>
                         <a:latin typeface="Calibri" panose="020F0502020204030204" pitchFamily="34" charset="0"/>
@@ -7899,38 +7803,6 @@
                     </a:solidFill>
                   </a:tcPr>
                 </a:tc>
-                <a:tc hMerge="1">
-                  <a:txBody>
-                    <a:bodyPr/>
-                    <a:lstStyle/>
-                    <a:p>
-                      <a:pPr algn="l">
-                        <a:buNone/>
-                      </a:pPr>
-                      <a:endParaRPr lang="cs-CZ" sz="900" dirty="0">
-                        <a:effectLst/>
-                        <a:latin typeface="Calibri" panose="020F0502020204030204" pitchFamily="34" charset="0"/>
-                      </a:endParaRPr>
-                    </a:p>
-                  </a:txBody>
-                  <a:tcPr marL="29369" marR="29369" marT="14684" marB="14684">
-                    <a:lnL>
-                      <a:noFill/>
-                    </a:lnL>
-                    <a:lnR>
-                      <a:noFill/>
-                    </a:lnR>
-                    <a:lnT>
-                      <a:noFill/>
-                    </a:lnT>
-                    <a:lnB>
-                      <a:noFill/>
-                    </a:lnB>
-                    <a:solidFill>
-                      <a:srgbClr val="E0C2CD"/>
-                    </a:solidFill>
-                  </a:tcPr>
-                </a:tc>
                 <a:tc gridSpan="2">
                   <a:txBody>
                     <a:bodyPr/>
@@ -7940,29 +7812,25 @@
                         <a:buNone/>
                       </a:pPr>
                       <a:r>
-                        <a:rPr lang="cs-CZ" sz="900" dirty="0">
-                          <a:effectLst/>
-                          <a:latin typeface="Consolas" panose="020B0609020204030204" pitchFamily="49" charset="0"/>
+                        <a:rPr lang="cs-CZ" sz="1000" dirty="0">
+                          <a:effectLst/>
+                          <a:latin typeface="Sans Serif"/>
                         </a:rPr>
                         <a:t>logická hodnota</a:t>
                       </a:r>
                       <a:br>
-                        <a:rPr lang="cs-CZ" sz="900" dirty="0">
-                          <a:effectLst/>
-                          <a:latin typeface="Consolas" panose="020B0609020204030204" pitchFamily="49" charset="0"/>
+                        <a:rPr lang="cs-CZ" sz="1000" dirty="0">
+                          <a:effectLst/>
+                          <a:latin typeface="Sans Serif"/>
                         </a:rPr>
                       </a:br>
                       <a:r>
-                        <a:rPr lang="cs-CZ" sz="900" dirty="0">
-                          <a:effectLst/>
-                          <a:latin typeface="Consolas" panose="020B0609020204030204" pitchFamily="49" charset="0"/>
+                        <a:rPr lang="cs-CZ" sz="1000" dirty="0">
+                          <a:effectLst/>
+                          <a:latin typeface="Sans Serif"/>
                         </a:rPr>
                         <a:t>(true/false)</a:t>
                       </a:r>
-                      <a:endParaRPr lang="cs-CZ" sz="900" dirty="0">
-                        <a:effectLst/>
-                        <a:latin typeface="Calibri" panose="020F0502020204030204" pitchFamily="34" charset="0"/>
-                      </a:endParaRPr>
                     </a:p>
                   </a:txBody>
                   <a:tcPr marL="29369" marR="29369" marT="14684" marB="14684">
@@ -8041,7 +7909,7 @@
                   </a:ext>
                 </a:extLst>
               </a:tr>
-              <a:tr h="263942">
+              <a:tr h="335619">
                 <a:tc gridSpan="2">
                   <a:txBody>
                     <a:bodyPr/>
@@ -8051,12 +7919,40 @@
                         <a:buNone/>
                       </a:pPr>
                       <a:r>
-                        <a:rPr lang="cs-CZ" sz="900">
-                          <a:effectLst/>
-                          <a:latin typeface="Consolas" panose="020B0609020204030204" pitchFamily="49" charset="0"/>
+                        <a:rPr lang="cs-CZ" sz="1000">
+                          <a:effectLst/>
+                          <a:latin typeface="Sans Serif"/>
                         </a:rPr>
                         <a:t>byte</a:t>
                       </a:r>
+                    </a:p>
+                  </a:txBody>
+                  <a:tcPr marL="29369" marR="29369" marT="14684" marB="14684">
+                    <a:lnL>
+                      <a:noFill/>
+                    </a:lnL>
+                    <a:lnR>
+                      <a:noFill/>
+                    </a:lnR>
+                    <a:lnT>
+                      <a:noFill/>
+                    </a:lnT>
+                    <a:lnB>
+                      <a:noFill/>
+                    </a:lnB>
+                    <a:solidFill>
+                      <a:srgbClr val="BF819E"/>
+                    </a:solidFill>
+                  </a:tcPr>
+                </a:tc>
+                <a:tc hMerge="1">
+                  <a:txBody>
+                    <a:bodyPr/>
+                    <a:lstStyle/>
+                    <a:p>
+                      <a:pPr algn="l">
+                        <a:buNone/>
+                      </a:pPr>
                       <a:endParaRPr lang="cs-CZ" sz="900">
                         <a:effectLst/>
                         <a:latin typeface="Calibri" panose="020F0502020204030204" pitchFamily="34" charset="0"/>
@@ -8081,38 +7977,6 @@
                     </a:solidFill>
                   </a:tcPr>
                 </a:tc>
-                <a:tc hMerge="1">
-                  <a:txBody>
-                    <a:bodyPr/>
-                    <a:lstStyle/>
-                    <a:p>
-                      <a:pPr algn="l">
-                        <a:buNone/>
-                      </a:pPr>
-                      <a:endParaRPr lang="cs-CZ" sz="900">
-                        <a:effectLst/>
-                        <a:latin typeface="Calibri" panose="020F0502020204030204" pitchFamily="34" charset="0"/>
-                      </a:endParaRPr>
-                    </a:p>
-                  </a:txBody>
-                  <a:tcPr marL="29369" marR="29369" marT="14684" marB="14684">
-                    <a:lnL>
-                      <a:noFill/>
-                    </a:lnL>
-                    <a:lnR>
-                      <a:noFill/>
-                    </a:lnR>
-                    <a:lnT>
-                      <a:noFill/>
-                    </a:lnT>
-                    <a:lnB>
-                      <a:noFill/>
-                    </a:lnB>
-                    <a:solidFill>
-                      <a:srgbClr val="BF819E"/>
-                    </a:solidFill>
-                  </a:tcPr>
-                </a:tc>
                 <a:tc gridSpan="2">
                   <a:txBody>
                     <a:bodyPr/>
@@ -8122,29 +7986,25 @@
                         <a:buNone/>
                       </a:pPr>
                       <a:r>
-                        <a:rPr lang="cs-CZ" sz="900">
-                          <a:effectLst/>
-                          <a:latin typeface="Consolas" panose="020B0609020204030204" pitchFamily="49" charset="0"/>
+                        <a:rPr lang="cs-CZ" sz="1000" dirty="0">
+                          <a:effectLst/>
+                          <a:latin typeface="Sans Serif"/>
                         </a:rPr>
                         <a:t>8-bitová hodnota</a:t>
                       </a:r>
                       <a:br>
-                        <a:rPr lang="cs-CZ" sz="900">
-                          <a:effectLst/>
-                          <a:latin typeface="Consolas" panose="020B0609020204030204" pitchFamily="49" charset="0"/>
+                        <a:rPr lang="cs-CZ" sz="1000" dirty="0">
+                          <a:effectLst/>
+                          <a:latin typeface="Sans Serif"/>
                         </a:rPr>
                       </a:br>
                       <a:r>
-                        <a:rPr lang="cs-CZ" sz="900">
-                          <a:effectLst/>
-                          <a:latin typeface="Consolas" panose="020B0609020204030204" pitchFamily="49" charset="0"/>
+                        <a:rPr lang="cs-CZ" sz="1000" dirty="0">
+                          <a:effectLst/>
+                          <a:latin typeface="Sans Serif"/>
                         </a:rPr>
                         <a:t>(0÷255)</a:t>
                       </a:r>
-                      <a:endParaRPr lang="cs-CZ" sz="900">
-                        <a:effectLst/>
-                        <a:latin typeface="Calibri" panose="020F0502020204030204" pitchFamily="34" charset="0"/>
-                      </a:endParaRPr>
                     </a:p>
                   </a:txBody>
                   <a:tcPr marL="29369" marR="29369" marT="14684" marB="14684">
@@ -8223,7 +8083,7 @@
                   </a:ext>
                 </a:extLst>
               </a:tr>
-              <a:tr h="263942">
+              <a:tr h="248868">
                 <a:tc gridSpan="2">
                   <a:txBody>
                     <a:bodyPr/>
@@ -8233,12 +8093,40 @@
                         <a:buNone/>
                       </a:pPr>
                       <a:r>
-                        <a:rPr lang="cs-CZ" sz="900">
-                          <a:effectLst/>
-                          <a:latin typeface="Consolas" panose="020B0609020204030204" pitchFamily="49" charset="0"/>
+                        <a:rPr lang="cs-CZ" sz="1000">
+                          <a:effectLst/>
+                          <a:latin typeface="Sans Serif"/>
                         </a:rPr>
                         <a:t>int</a:t>
                       </a:r>
+                    </a:p>
+                  </a:txBody>
+                  <a:tcPr marL="29369" marR="29369" marT="14684" marB="14684">
+                    <a:lnL>
+                      <a:noFill/>
+                    </a:lnL>
+                    <a:lnR>
+                      <a:noFill/>
+                    </a:lnR>
+                    <a:lnT>
+                      <a:noFill/>
+                    </a:lnT>
+                    <a:lnB>
+                      <a:noFill/>
+                    </a:lnB>
+                    <a:solidFill>
+                      <a:srgbClr val="E0C2CD"/>
+                    </a:solidFill>
+                  </a:tcPr>
+                </a:tc>
+                <a:tc hMerge="1">
+                  <a:txBody>
+                    <a:bodyPr/>
+                    <a:lstStyle/>
+                    <a:p>
+                      <a:pPr algn="l">
+                        <a:buNone/>
+                      </a:pPr>
                       <a:endParaRPr lang="cs-CZ" sz="900">
                         <a:effectLst/>
                         <a:latin typeface="Calibri" panose="020F0502020204030204" pitchFamily="34" charset="0"/>
@@ -8263,38 +8151,6 @@
                     </a:solidFill>
                   </a:tcPr>
                 </a:tc>
-                <a:tc hMerge="1">
-                  <a:txBody>
-                    <a:bodyPr/>
-                    <a:lstStyle/>
-                    <a:p>
-                      <a:pPr algn="l">
-                        <a:buNone/>
-                      </a:pPr>
-                      <a:endParaRPr lang="cs-CZ" sz="900">
-                        <a:effectLst/>
-                        <a:latin typeface="Calibri" panose="020F0502020204030204" pitchFamily="34" charset="0"/>
-                      </a:endParaRPr>
-                    </a:p>
-                  </a:txBody>
-                  <a:tcPr marL="29369" marR="29369" marT="14684" marB="14684">
-                    <a:lnL>
-                      <a:noFill/>
-                    </a:lnL>
-                    <a:lnR>
-                      <a:noFill/>
-                    </a:lnR>
-                    <a:lnT>
-                      <a:noFill/>
-                    </a:lnT>
-                    <a:lnB>
-                      <a:noFill/>
-                    </a:lnB>
-                    <a:solidFill>
-                      <a:srgbClr val="E0C2CD"/>
-                    </a:solidFill>
-                  </a:tcPr>
-                </a:tc>
                 <a:tc gridSpan="2">
                   <a:txBody>
                     <a:bodyPr/>
@@ -8304,16 +8160,12 @@
                         <a:buNone/>
                       </a:pPr>
                       <a:r>
-                        <a:rPr lang="cs-CZ" sz="900" dirty="0">
-                          <a:effectLst/>
-                          <a:latin typeface="Consolas" panose="020B0609020204030204" pitchFamily="49" charset="0"/>
+                        <a:rPr lang="cs-CZ" sz="1000" dirty="0">
+                          <a:effectLst/>
+                          <a:latin typeface="Sans Serif"/>
                         </a:rPr>
                         <a:t>celé číslo (-32768÷32767)</a:t>
                       </a:r>
-                      <a:endParaRPr lang="cs-CZ" sz="900" dirty="0">
-                        <a:effectLst/>
-                        <a:latin typeface="Calibri" panose="020F0502020204030204" pitchFamily="34" charset="0"/>
-                      </a:endParaRPr>
                     </a:p>
                   </a:txBody>
                   <a:tcPr marL="29369" marR="29369" marT="14684" marB="14684">
@@ -8392,7 +8244,7 @@
                   </a:ext>
                 </a:extLst>
               </a:tr>
-              <a:tr h="240633">
+              <a:tr h="226891">
                 <a:tc gridSpan="2">
                   <a:txBody>
                     <a:bodyPr/>
@@ -8402,12 +8254,40 @@
                         <a:buNone/>
                       </a:pPr>
                       <a:r>
-                        <a:rPr lang="cs-CZ" sz="900">
-                          <a:effectLst/>
-                          <a:latin typeface="Consolas" panose="020B0609020204030204" pitchFamily="49" charset="0"/>
+                        <a:rPr lang="cs-CZ" sz="1000">
+                          <a:effectLst/>
+                          <a:latin typeface="Sans Serif"/>
                         </a:rPr>
                         <a:t>long</a:t>
                       </a:r>
+                    </a:p>
+                  </a:txBody>
+                  <a:tcPr marL="29369" marR="29369" marT="14684" marB="14684">
+                    <a:lnL>
+                      <a:noFill/>
+                    </a:lnL>
+                    <a:lnR>
+                      <a:noFill/>
+                    </a:lnR>
+                    <a:lnT>
+                      <a:noFill/>
+                    </a:lnT>
+                    <a:lnB>
+                      <a:noFill/>
+                    </a:lnB>
+                    <a:solidFill>
+                      <a:srgbClr val="BF819E"/>
+                    </a:solidFill>
+                  </a:tcPr>
+                </a:tc>
+                <a:tc hMerge="1">
+                  <a:txBody>
+                    <a:bodyPr/>
+                    <a:lstStyle/>
+                    <a:p>
+                      <a:pPr algn="l">
+                        <a:buNone/>
+                      </a:pPr>
                       <a:endParaRPr lang="cs-CZ" sz="900">
                         <a:effectLst/>
                         <a:latin typeface="Calibri" panose="020F0502020204030204" pitchFamily="34" charset="0"/>
@@ -8432,38 +8312,6 @@
                     </a:solidFill>
                   </a:tcPr>
                 </a:tc>
-                <a:tc hMerge="1">
-                  <a:txBody>
-                    <a:bodyPr/>
-                    <a:lstStyle/>
-                    <a:p>
-                      <a:pPr algn="l">
-                        <a:buNone/>
-                      </a:pPr>
-                      <a:endParaRPr lang="cs-CZ" sz="900">
-                        <a:effectLst/>
-                        <a:latin typeface="Calibri" panose="020F0502020204030204" pitchFamily="34" charset="0"/>
-                      </a:endParaRPr>
-                    </a:p>
-                  </a:txBody>
-                  <a:tcPr marL="29369" marR="29369" marT="14684" marB="14684">
-                    <a:lnL>
-                      <a:noFill/>
-                    </a:lnL>
-                    <a:lnR>
-                      <a:noFill/>
-                    </a:lnR>
-                    <a:lnT>
-                      <a:noFill/>
-                    </a:lnT>
-                    <a:lnB>
-                      <a:noFill/>
-                    </a:lnB>
-                    <a:solidFill>
-                      <a:srgbClr val="BF819E"/>
-                    </a:solidFill>
-                  </a:tcPr>
-                </a:tc>
                 <a:tc gridSpan="2">
                   <a:txBody>
                     <a:bodyPr/>
@@ -8473,44 +8321,40 @@
                         <a:buNone/>
                       </a:pPr>
                       <a:r>
-                        <a:rPr lang="cs-CZ" sz="900" dirty="0">
-                          <a:effectLst/>
-                          <a:latin typeface="Consolas" panose="020B0609020204030204" pitchFamily="49" charset="0"/>
+                        <a:rPr lang="cs-CZ" sz="1000" dirty="0">
+                          <a:effectLst/>
+                          <a:latin typeface="Sans Serif"/>
                         </a:rPr>
                         <a:t>Dlouhé celé číslo (-2</a:t>
                       </a:r>
                       <a:r>
-                        <a:rPr lang="cs-CZ" sz="900" baseline="30000" dirty="0">
-                          <a:effectLst/>
-                          <a:latin typeface="Consolas" panose="020B0609020204030204" pitchFamily="49" charset="0"/>
+                        <a:rPr lang="cs-CZ" sz="1000" baseline="30000" dirty="0">
+                          <a:effectLst/>
+                          <a:latin typeface="Sans Serif"/>
                         </a:rPr>
                         <a:t>31</a:t>
                       </a:r>
                       <a:r>
-                        <a:rPr lang="cs-CZ" sz="900" dirty="0">
-                          <a:effectLst/>
-                          <a:latin typeface="Consolas" panose="020B0609020204030204" pitchFamily="49" charset="0"/>
+                        <a:rPr lang="cs-CZ" sz="1000" dirty="0">
+                          <a:effectLst/>
+                          <a:latin typeface="Sans Serif"/>
                         </a:rPr>
                         <a:t> ÷ 2</a:t>
                       </a:r>
                       <a:r>
-                        <a:rPr lang="cs-CZ" sz="900" baseline="30000" dirty="0">
-                          <a:effectLst/>
-                          <a:latin typeface="Consolas" panose="020B0609020204030204" pitchFamily="49" charset="0"/>
+                        <a:rPr lang="cs-CZ" sz="1000" baseline="30000" dirty="0">
+                          <a:effectLst/>
+                          <a:latin typeface="Sans Serif"/>
                         </a:rPr>
                         <a:t>31</a:t>
                       </a:r>
                       <a:r>
-                        <a:rPr lang="cs-CZ" sz="900" dirty="0">
-                          <a:effectLst/>
-                          <a:latin typeface="Consolas" panose="020B0609020204030204" pitchFamily="49" charset="0"/>
+                        <a:rPr lang="cs-CZ" sz="1000" dirty="0">
+                          <a:effectLst/>
+                          <a:latin typeface="Sans Serif"/>
                         </a:rPr>
                         <a:t>)</a:t>
                       </a:r>
-                      <a:endParaRPr lang="cs-CZ" sz="900" dirty="0">
-                        <a:effectLst/>
-                        <a:latin typeface="Calibri" panose="020F0502020204030204" pitchFamily="34" charset="0"/>
-                      </a:endParaRPr>
                     </a:p>
                   </a:txBody>
                   <a:tcPr marL="29369" marR="29369" marT="14684" marB="14684">
@@ -8576,7 +8420,7 @@
                   </a:ext>
                 </a:extLst>
               </a:tr>
-              <a:tr h="240633">
+              <a:tr h="226891">
                 <a:tc gridSpan="2">
                   <a:txBody>
                     <a:bodyPr/>
@@ -8586,12 +8430,40 @@
                         <a:buNone/>
                       </a:pPr>
                       <a:r>
-                        <a:rPr lang="cs-CZ" sz="900">
-                          <a:effectLst/>
-                          <a:latin typeface="Consolas" panose="020B0609020204030204" pitchFamily="49" charset="0"/>
+                        <a:rPr lang="cs-CZ" sz="1000">
+                          <a:effectLst/>
+                          <a:latin typeface="Sans Serif"/>
                         </a:rPr>
                         <a:t>unsigned long</a:t>
                       </a:r>
+                    </a:p>
+                  </a:txBody>
+                  <a:tcPr marL="29369" marR="29369" marT="14684" marB="14684">
+                    <a:lnL>
+                      <a:noFill/>
+                    </a:lnL>
+                    <a:lnR>
+                      <a:noFill/>
+                    </a:lnR>
+                    <a:lnT>
+                      <a:noFill/>
+                    </a:lnT>
+                    <a:lnB>
+                      <a:noFill/>
+                    </a:lnB>
+                    <a:solidFill>
+                      <a:srgbClr val="E0C2CD"/>
+                    </a:solidFill>
+                  </a:tcPr>
+                </a:tc>
+                <a:tc hMerge="1">
+                  <a:txBody>
+                    <a:bodyPr/>
+                    <a:lstStyle/>
+                    <a:p>
+                      <a:pPr algn="l">
+                        <a:buNone/>
+                      </a:pPr>
                       <a:endParaRPr lang="cs-CZ" sz="900">
                         <a:effectLst/>
                         <a:latin typeface="Calibri" panose="020F0502020204030204" pitchFamily="34" charset="0"/>
@@ -8616,38 +8488,6 @@
                     </a:solidFill>
                   </a:tcPr>
                 </a:tc>
-                <a:tc hMerge="1">
-                  <a:txBody>
-                    <a:bodyPr/>
-                    <a:lstStyle/>
-                    <a:p>
-                      <a:pPr algn="l">
-                        <a:buNone/>
-                      </a:pPr>
-                      <a:endParaRPr lang="cs-CZ" sz="900">
-                        <a:effectLst/>
-                        <a:latin typeface="Calibri" panose="020F0502020204030204" pitchFamily="34" charset="0"/>
-                      </a:endParaRPr>
-                    </a:p>
-                  </a:txBody>
-                  <a:tcPr marL="29369" marR="29369" marT="14684" marB="14684">
-                    <a:lnL>
-                      <a:noFill/>
-                    </a:lnL>
-                    <a:lnR>
-                      <a:noFill/>
-                    </a:lnR>
-                    <a:lnT>
-                      <a:noFill/>
-                    </a:lnT>
-                    <a:lnB>
-                      <a:noFill/>
-                    </a:lnB>
-                    <a:solidFill>
-                      <a:srgbClr val="E0C2CD"/>
-                    </a:solidFill>
-                  </a:tcPr>
-                </a:tc>
                 <a:tc gridSpan="2">
                   <a:txBody>
                     <a:bodyPr/>
@@ -8657,30 +8497,26 @@
                         <a:buNone/>
                       </a:pPr>
                       <a:r>
-                        <a:rPr lang="cs-CZ" sz="900" dirty="0">
-                          <a:effectLst/>
-                          <a:latin typeface="Consolas" panose="020B0609020204030204" pitchFamily="49" charset="0"/>
+                        <a:rPr lang="cs-CZ" sz="1000" dirty="0">
+                          <a:effectLst/>
+                          <a:latin typeface="Sans Serif"/>
                         </a:rPr>
                         <a:t>Dlouhé celé číslo (0 ÷ 2</a:t>
                       </a:r>
                       <a:r>
-                        <a:rPr lang="cs-CZ" sz="900" baseline="30000" dirty="0">
-                          <a:effectLst/>
-                          <a:latin typeface="Consolas" panose="020B0609020204030204" pitchFamily="49" charset="0"/>
+                        <a:rPr lang="cs-CZ" sz="1000" baseline="30000" dirty="0">
+                          <a:effectLst/>
+                          <a:latin typeface="Sans Serif"/>
                         </a:rPr>
                         <a:t>32</a:t>
                       </a:r>
                       <a:r>
-                        <a:rPr lang="cs-CZ" sz="900" dirty="0">
-                          <a:effectLst/>
-                          <a:latin typeface="Consolas" panose="020B0609020204030204" pitchFamily="49" charset="0"/>
+                        <a:rPr lang="cs-CZ" sz="1000" dirty="0">
+                          <a:effectLst/>
+                          <a:latin typeface="Sans Serif"/>
                         </a:rPr>
                         <a:t> )</a:t>
                       </a:r>
-                      <a:endParaRPr lang="cs-CZ" sz="900" dirty="0">
-                        <a:effectLst/>
-                        <a:latin typeface="Calibri" panose="020F0502020204030204" pitchFamily="34" charset="0"/>
-                      </a:endParaRPr>
                     </a:p>
                   </a:txBody>
                   <a:tcPr marL="29369" marR="29369" marT="14684" marB="14684">
@@ -8746,7 +8582,7 @@
                   </a:ext>
                 </a:extLst>
               </a:tr>
-              <a:tr h="349315">
+              <a:tr h="329366">
                 <a:tc gridSpan="2">
                   <a:txBody>
                     <a:bodyPr/>
@@ -8756,12 +8592,40 @@
                         <a:buNone/>
                       </a:pPr>
                       <a:r>
-                        <a:rPr lang="cs-CZ" sz="900">
-                          <a:effectLst/>
-                          <a:latin typeface="Consolas" panose="020B0609020204030204" pitchFamily="49" charset="0"/>
+                        <a:rPr lang="cs-CZ" sz="1000">
+                          <a:effectLst/>
+                          <a:latin typeface="Sans Serif"/>
                         </a:rPr>
                         <a:t>float</a:t>
                       </a:r>
+                    </a:p>
+                  </a:txBody>
+                  <a:tcPr marL="29369" marR="29369" marT="14684" marB="14684">
+                    <a:lnL>
+                      <a:noFill/>
+                    </a:lnL>
+                    <a:lnR>
+                      <a:noFill/>
+                    </a:lnR>
+                    <a:lnT>
+                      <a:noFill/>
+                    </a:lnT>
+                    <a:lnB>
+                      <a:noFill/>
+                    </a:lnB>
+                    <a:solidFill>
+                      <a:srgbClr val="BF819E"/>
+                    </a:solidFill>
+                  </a:tcPr>
+                </a:tc>
+                <a:tc hMerge="1">
+                  <a:txBody>
+                    <a:bodyPr/>
+                    <a:lstStyle/>
+                    <a:p>
+                      <a:pPr algn="l">
+                        <a:buNone/>
+                      </a:pPr>
                       <a:endParaRPr lang="cs-CZ" sz="900">
                         <a:effectLst/>
                         <a:latin typeface="Calibri" panose="020F0502020204030204" pitchFamily="34" charset="0"/>
@@ -8786,38 +8650,6 @@
                     </a:solidFill>
                   </a:tcPr>
                 </a:tc>
-                <a:tc hMerge="1">
-                  <a:txBody>
-                    <a:bodyPr/>
-                    <a:lstStyle/>
-                    <a:p>
-                      <a:pPr algn="l">
-                        <a:buNone/>
-                      </a:pPr>
-                      <a:endParaRPr lang="cs-CZ" sz="900">
-                        <a:effectLst/>
-                        <a:latin typeface="Calibri" panose="020F0502020204030204" pitchFamily="34" charset="0"/>
-                      </a:endParaRPr>
-                    </a:p>
-                  </a:txBody>
-                  <a:tcPr marL="29369" marR="29369" marT="14684" marB="14684">
-                    <a:lnL>
-                      <a:noFill/>
-                    </a:lnL>
-                    <a:lnR>
-                      <a:noFill/>
-                    </a:lnR>
-                    <a:lnT>
-                      <a:noFill/>
-                    </a:lnT>
-                    <a:lnB>
-                      <a:noFill/>
-                    </a:lnB>
-                    <a:solidFill>
-                      <a:srgbClr val="BF819E"/>
-                    </a:solidFill>
-                  </a:tcPr>
-                </a:tc>
                 <a:tc gridSpan="2">
                   <a:txBody>
                     <a:bodyPr/>
@@ -8827,57 +8659,40 @@
                         <a:buNone/>
                       </a:pPr>
                       <a:r>
-                        <a:rPr lang="cs-CZ" sz="900" dirty="0">
-                          <a:effectLst/>
-                          <a:latin typeface="Consolas" panose="020B0609020204030204" pitchFamily="49" charset="0"/>
-                        </a:rPr>
-                        <a:t>reálné číslo</a:t>
-                      </a:r>
-                      <a:br>
-                        <a:rPr lang="cs-CZ" sz="900" dirty="0">
-                          <a:effectLst/>
-                          <a:latin typeface="Consolas" panose="020B0609020204030204" pitchFamily="49" charset="0"/>
-                        </a:rPr>
-                      </a:br>
-                      <a:r>
-                        <a:rPr lang="cs-CZ" sz="900" dirty="0">
-                          <a:effectLst/>
-                          <a:latin typeface="Consolas" panose="020B0609020204030204" pitchFamily="49" charset="0"/>
-                        </a:rPr>
-                        <a:t>(-3,4*10</a:t>
-                      </a:r>
-                      <a:r>
-                        <a:rPr lang="cs-CZ" sz="900" baseline="30000" dirty="0">
-                          <a:effectLst/>
-                          <a:latin typeface="Consolas" panose="020B0609020204030204" pitchFamily="49" charset="0"/>
+                        <a:rPr lang="cs-CZ" sz="1000" dirty="0">
+                          <a:effectLst/>
+                          <a:latin typeface="Sans Serif"/>
+                        </a:rPr>
+                        <a:t>reálné číslo (-3,4*10</a:t>
+                      </a:r>
+                      <a:r>
+                        <a:rPr lang="cs-CZ" sz="1000" baseline="30000" dirty="0">
+                          <a:effectLst/>
+                          <a:latin typeface="Sans Serif"/>
                         </a:rPr>
                         <a:t>38</a:t>
                       </a:r>
                       <a:r>
-                        <a:rPr lang="cs-CZ" sz="900" dirty="0">
-                          <a:effectLst/>
-                          <a:latin typeface="Consolas" panose="020B0609020204030204" pitchFamily="49" charset="0"/>
+                        <a:rPr lang="cs-CZ" sz="1000" dirty="0">
+                          <a:effectLst/>
+                          <a:latin typeface="Sans Serif"/>
                         </a:rPr>
                         <a:t> ÷ 3,4*10</a:t>
                       </a:r>
                       <a:r>
-                        <a:rPr lang="cs-CZ" sz="900" baseline="30000" dirty="0">
-                          <a:effectLst/>
-                          <a:latin typeface="Consolas" panose="020B0609020204030204" pitchFamily="49" charset="0"/>
+                        <a:rPr lang="cs-CZ" sz="1000" baseline="30000" dirty="0">
+                          <a:effectLst/>
+                          <a:latin typeface="Sans Serif"/>
                         </a:rPr>
                         <a:t>38</a:t>
                       </a:r>
                       <a:r>
-                        <a:rPr lang="cs-CZ" sz="900" dirty="0">
-                          <a:effectLst/>
-                          <a:latin typeface="Consolas" panose="020B0609020204030204" pitchFamily="49" charset="0"/>
+                        <a:rPr lang="cs-CZ" sz="1000" dirty="0">
+                          <a:effectLst/>
+                          <a:latin typeface="Sans Serif"/>
                         </a:rPr>
                         <a:t> )</a:t>
                       </a:r>
-                      <a:endParaRPr lang="cs-CZ" sz="900" dirty="0">
-                        <a:effectLst/>
-                        <a:latin typeface="Calibri" panose="020F0502020204030204" pitchFamily="34" charset="0"/>
-                      </a:endParaRPr>
                     </a:p>
                   </a:txBody>
                   <a:tcPr marL="29369" marR="29369" marT="14684" marB="14684">
@@ -8956,7 +8771,7 @@
                   </a:ext>
                 </a:extLst>
               </a:tr>
-              <a:tr h="144733">
+              <a:tr h="182557">
                 <a:tc gridSpan="2">
                   <a:txBody>
                     <a:bodyPr/>
@@ -8966,12 +8781,40 @@
                         <a:buNone/>
                       </a:pPr>
                       <a:r>
-                        <a:rPr lang="cs-CZ" sz="900">
-                          <a:effectLst/>
-                          <a:latin typeface="Consolas" panose="020B0609020204030204" pitchFamily="49" charset="0"/>
+                        <a:rPr lang="cs-CZ" sz="1000">
+                          <a:effectLst/>
+                          <a:latin typeface="Sans Serif"/>
                         </a:rPr>
                         <a:t>char</a:t>
                       </a:r>
+                    </a:p>
+                  </a:txBody>
+                  <a:tcPr marL="29369" marR="29369" marT="14684" marB="14684">
+                    <a:lnL>
+                      <a:noFill/>
+                    </a:lnL>
+                    <a:lnR>
+                      <a:noFill/>
+                    </a:lnR>
+                    <a:lnT>
+                      <a:noFill/>
+                    </a:lnT>
+                    <a:lnB>
+                      <a:noFill/>
+                    </a:lnB>
+                    <a:solidFill>
+                      <a:srgbClr val="E0C2CD"/>
+                    </a:solidFill>
+                  </a:tcPr>
+                </a:tc>
+                <a:tc hMerge="1">
+                  <a:txBody>
+                    <a:bodyPr/>
+                    <a:lstStyle/>
+                    <a:p>
+                      <a:pPr algn="l">
+                        <a:buNone/>
+                      </a:pPr>
                       <a:endParaRPr lang="cs-CZ" sz="900">
                         <a:effectLst/>
                         <a:latin typeface="Calibri" panose="020F0502020204030204" pitchFamily="34" charset="0"/>
@@ -8996,38 +8839,6 @@
                     </a:solidFill>
                   </a:tcPr>
                 </a:tc>
-                <a:tc hMerge="1">
-                  <a:txBody>
-                    <a:bodyPr/>
-                    <a:lstStyle/>
-                    <a:p>
-                      <a:pPr algn="l">
-                        <a:buNone/>
-                      </a:pPr>
-                      <a:endParaRPr lang="cs-CZ" sz="900">
-                        <a:effectLst/>
-                        <a:latin typeface="Calibri" panose="020F0502020204030204" pitchFamily="34" charset="0"/>
-                      </a:endParaRPr>
-                    </a:p>
-                  </a:txBody>
-                  <a:tcPr marL="29369" marR="29369" marT="14684" marB="14684">
-                    <a:lnL>
-                      <a:noFill/>
-                    </a:lnL>
-                    <a:lnR>
-                      <a:noFill/>
-                    </a:lnR>
-                    <a:lnT>
-                      <a:noFill/>
-                    </a:lnT>
-                    <a:lnB>
-                      <a:noFill/>
-                    </a:lnB>
-                    <a:solidFill>
-                      <a:srgbClr val="E0C2CD"/>
-                    </a:solidFill>
-                  </a:tcPr>
-                </a:tc>
                 <a:tc gridSpan="2">
                   <a:txBody>
                     <a:bodyPr/>
@@ -9037,16 +8848,12 @@
                         <a:buNone/>
                       </a:pPr>
                       <a:r>
-                        <a:rPr lang="cs-CZ" sz="900">
-                          <a:effectLst/>
-                          <a:latin typeface="Consolas" panose="020B0609020204030204" pitchFamily="49" charset="0"/>
+                        <a:rPr lang="cs-CZ" sz="1000">
+                          <a:effectLst/>
+                          <a:latin typeface="Sans Serif"/>
                         </a:rPr>
                         <a:t>znak</a:t>
                       </a:r>
-                      <a:endParaRPr lang="cs-CZ" sz="900">
-                        <a:effectLst/>
-                        <a:latin typeface="Calibri" panose="020F0502020204030204" pitchFamily="34" charset="0"/>
-                      </a:endParaRPr>
                     </a:p>
                   </a:txBody>
                   <a:tcPr marL="29369" marR="29369" marT="14684" marB="14684">
@@ -9112,7 +8919,7 @@
                   </a:ext>
                 </a:extLst>
               </a:tr>
-              <a:tr h="144733">
+              <a:tr h="182557">
                 <a:tc gridSpan="2">
                   <a:txBody>
                     <a:bodyPr/>
@@ -9122,12 +8929,40 @@
                         <a:buNone/>
                       </a:pPr>
                       <a:r>
-                        <a:rPr lang="cs-CZ" sz="900">
-                          <a:effectLst/>
-                          <a:latin typeface="Consolas" panose="020B0609020204030204" pitchFamily="49" charset="0"/>
+                        <a:rPr lang="cs-CZ" sz="1000">
+                          <a:effectLst/>
+                          <a:latin typeface="Sans Serif"/>
                         </a:rPr>
                         <a:t>String</a:t>
                       </a:r>
+                    </a:p>
+                  </a:txBody>
+                  <a:tcPr marL="29369" marR="29369" marT="14684" marB="14684">
+                    <a:lnL>
+                      <a:noFill/>
+                    </a:lnL>
+                    <a:lnR>
+                      <a:noFill/>
+                    </a:lnR>
+                    <a:lnT>
+                      <a:noFill/>
+                    </a:lnT>
+                    <a:lnB>
+                      <a:noFill/>
+                    </a:lnB>
+                    <a:solidFill>
+                      <a:srgbClr val="BF819E"/>
+                    </a:solidFill>
+                  </a:tcPr>
+                </a:tc>
+                <a:tc hMerge="1">
+                  <a:txBody>
+                    <a:bodyPr/>
+                    <a:lstStyle/>
+                    <a:p>
+                      <a:pPr algn="l">
+                        <a:buNone/>
+                      </a:pPr>
                       <a:endParaRPr lang="cs-CZ" sz="900">
                         <a:effectLst/>
                         <a:latin typeface="Calibri" panose="020F0502020204030204" pitchFamily="34" charset="0"/>
@@ -9152,38 +8987,6 @@
                     </a:solidFill>
                   </a:tcPr>
                 </a:tc>
-                <a:tc hMerge="1">
-                  <a:txBody>
-                    <a:bodyPr/>
-                    <a:lstStyle/>
-                    <a:p>
-                      <a:pPr algn="l">
-                        <a:buNone/>
-                      </a:pPr>
-                      <a:endParaRPr lang="cs-CZ" sz="900">
-                        <a:effectLst/>
-                        <a:latin typeface="Calibri" panose="020F0502020204030204" pitchFamily="34" charset="0"/>
-                      </a:endParaRPr>
-                    </a:p>
-                  </a:txBody>
-                  <a:tcPr marL="29369" marR="29369" marT="14684" marB="14684">
-                    <a:lnL>
-                      <a:noFill/>
-                    </a:lnL>
-                    <a:lnR>
-                      <a:noFill/>
-                    </a:lnR>
-                    <a:lnT>
-                      <a:noFill/>
-                    </a:lnT>
-                    <a:lnB>
-                      <a:noFill/>
-                    </a:lnB>
-                    <a:solidFill>
-                      <a:srgbClr val="BF819E"/>
-                    </a:solidFill>
-                  </a:tcPr>
-                </a:tc>
                 <a:tc gridSpan="2">
                   <a:txBody>
                     <a:bodyPr/>
@@ -9193,16 +8996,12 @@
                         <a:buNone/>
                       </a:pPr>
                       <a:r>
-                        <a:rPr lang="cs-CZ" sz="900" dirty="0">
-                          <a:effectLst/>
-                          <a:latin typeface="Consolas" panose="020B0609020204030204" pitchFamily="49" charset="0"/>
+                        <a:rPr lang="cs-CZ" sz="1000" dirty="0">
+                          <a:effectLst/>
+                          <a:latin typeface="Sans Serif"/>
                         </a:rPr>
                         <a:t>řetězec znaků</a:t>
                       </a:r>
-                      <a:endParaRPr lang="cs-CZ" sz="900" dirty="0">
-                        <a:effectLst/>
-                        <a:latin typeface="Calibri" panose="020F0502020204030204" pitchFamily="34" charset="0"/>
-                      </a:endParaRPr>
                     </a:p>
                   </a:txBody>
                   <a:tcPr marL="29369" marR="29369" marT="14684" marB="14684">
@@ -9268,8 +9067,38 @@
                   </a:ext>
                 </a:extLst>
               </a:tr>
-              <a:tr h="0">
+              <a:tr h="55006">
                 <a:tc gridSpan="2">
+                  <a:txBody>
+                    <a:bodyPr/>
+                    <a:lstStyle/>
+                    <a:p>
+                      <a:pPr algn="l">
+                        <a:buNone/>
+                      </a:pPr>
+                      <a:endParaRPr lang="cs-CZ" sz="100" dirty="0">
+                        <a:effectLst/>
+                        <a:latin typeface="Sans Serif"/>
+                      </a:endParaRPr>
+                    </a:p>
+                  </a:txBody>
+                  <a:tcPr marL="29369" marR="29369" marT="14684" marB="14684">
+                    <a:lnL>
+                      <a:noFill/>
+                    </a:lnL>
+                    <a:lnR>
+                      <a:noFill/>
+                    </a:lnR>
+                    <a:lnT>
+                      <a:noFill/>
+                    </a:lnT>
+                    <a:lnB>
+                      <a:noFill/>
+                    </a:lnB>
+                    <a:noFill/>
+                  </a:tcPr>
+                </a:tc>
+                <a:tc hMerge="1">
                   <a:txBody>
                     <a:bodyPr/>
                     <a:lstStyle/>
@@ -9299,7 +9128,7 @@
                     <a:noFill/>
                   </a:tcPr>
                 </a:tc>
-                <a:tc hMerge="1">
+                <a:tc gridSpan="2">
                   <a:txBody>
                     <a:bodyPr/>
                     <a:lstStyle/>
@@ -9309,37 +9138,7 @@
                       </a:pPr>
                       <a:endParaRPr lang="cs-CZ" sz="100" dirty="0">
                         <a:effectLst/>
-                        <a:latin typeface="Calibri" panose="020F0502020204030204" pitchFamily="34" charset="0"/>
-                      </a:endParaRPr>
-                    </a:p>
-                  </a:txBody>
-                  <a:tcPr marL="29369" marR="29369" marT="14684" marB="14684">
-                    <a:lnL>
-                      <a:noFill/>
-                    </a:lnL>
-                    <a:lnR>
-                      <a:noFill/>
-                    </a:lnR>
-                    <a:lnT>
-                      <a:noFill/>
-                    </a:lnT>
-                    <a:lnB>
-                      <a:noFill/>
-                    </a:lnB>
-                    <a:noFill/>
-                  </a:tcPr>
-                </a:tc>
-                <a:tc gridSpan="2">
-                  <a:txBody>
-                    <a:bodyPr/>
-                    <a:lstStyle/>
-                    <a:p>
-                      <a:pPr algn="l">
-                        <a:buNone/>
-                      </a:pPr>
-                      <a:endParaRPr lang="cs-CZ" sz="100" dirty="0">
-                        <a:effectLst/>
-                        <a:latin typeface="Calibri" panose="020F0502020204030204" pitchFamily="34" charset="0"/>
+                        <a:latin typeface="Sans Serif"/>
                       </a:endParaRPr>
                     </a:p>
                   </a:txBody>
@@ -9395,7 +9194,7 @@
                   </a:ext>
                 </a:extLst>
               </a:tr>
-              <a:tr h="144733">
+              <a:tr h="182557">
                 <a:tc gridSpan="4">
                   <a:txBody>
                     <a:bodyPr/>
@@ -9405,15 +9204,15 @@
                         <a:buNone/>
                       </a:pPr>
                       <a:r>
-                        <a:rPr lang="cs-CZ" sz="900" b="1">
-                          <a:effectLst/>
-                          <a:latin typeface="Consolas" panose="020B0609020204030204" pitchFamily="49" charset="0"/>
+                        <a:rPr lang="cs-CZ" sz="1000" b="1">
+                          <a:effectLst/>
+                          <a:latin typeface="Sans Serif"/>
                         </a:rPr>
                         <a:t>Proměnné</a:t>
                       </a:r>
-                      <a:endParaRPr lang="cs-CZ" sz="900">
+                      <a:endParaRPr lang="cs-CZ" sz="1000">
                         <a:effectLst/>
-                        <a:latin typeface="Calibri" panose="020F0502020204030204" pitchFamily="34" charset="0"/>
+                        <a:latin typeface="Sans Serif"/>
                       </a:endParaRPr>
                     </a:p>
                   </a:txBody>
@@ -9471,7 +9270,7 @@
                   </a:ext>
                 </a:extLst>
               </a:tr>
-              <a:tr h="144733">
+              <a:tr h="182557">
                 <a:tc gridSpan="4">
                   <a:txBody>
                     <a:bodyPr/>
@@ -9481,16 +9280,12 @@
                         <a:buNone/>
                       </a:pPr>
                       <a:r>
-                        <a:rPr lang="cs-CZ" sz="900" dirty="0">
-                          <a:effectLst/>
-                          <a:latin typeface="Consolas" panose="020B0609020204030204" pitchFamily="49" charset="0"/>
+                        <a:rPr lang="cs-CZ" sz="1000" dirty="0">
+                          <a:effectLst/>
+                          <a:latin typeface="Sans Serif"/>
                         </a:rPr>
                         <a:t>int age = 25;</a:t>
                       </a:r>
-                      <a:endParaRPr lang="cs-CZ" sz="900" dirty="0">
-                        <a:effectLst/>
-                        <a:latin typeface="Calibri" panose="020F0502020204030204" pitchFamily="34" charset="0"/>
-                      </a:endParaRPr>
                     </a:p>
                   </a:txBody>
                   <a:tcPr marL="29369" marR="29369" marT="14684" marB="14684" anchor="ctr">
@@ -9547,7 +9342,7 @@
                   </a:ext>
                 </a:extLst>
               </a:tr>
-              <a:tr h="144733">
+              <a:tr h="182557">
                 <a:tc gridSpan="4">
                   <a:txBody>
                     <a:bodyPr/>
@@ -9557,16 +9352,12 @@
                         <a:buNone/>
                       </a:pPr>
                       <a:r>
-                        <a:rPr lang="cs-CZ" sz="900">
-                          <a:effectLst/>
-                          <a:latin typeface="Consolas" panose="020B0609020204030204" pitchFamily="49" charset="0"/>
+                        <a:rPr lang="cs-CZ" sz="1000">
+                          <a:effectLst/>
+                          <a:latin typeface="Sans Serif"/>
                         </a:rPr>
                         <a:t>float temp = 36.5;</a:t>
                       </a:r>
-                      <a:endParaRPr lang="cs-CZ" sz="900">
-                        <a:effectLst/>
-                        <a:latin typeface="Calibri" panose="020F0502020204030204" pitchFamily="34" charset="0"/>
-                      </a:endParaRPr>
                     </a:p>
                   </a:txBody>
                   <a:tcPr marL="29369" marR="29369" marT="14684" marB="14684" anchor="ctr">
@@ -9623,7 +9414,7 @@
                   </a:ext>
                 </a:extLst>
               </a:tr>
-              <a:tr h="144733">
+              <a:tr h="182557">
                 <a:tc gridSpan="4">
                   <a:txBody>
                     <a:bodyPr/>
@@ -9633,16 +9424,12 @@
                         <a:buNone/>
                       </a:pPr>
                       <a:r>
-                        <a:rPr lang="cs-CZ" sz="900">
-                          <a:effectLst/>
-                          <a:latin typeface="Consolas" panose="020B0609020204030204" pitchFamily="49" charset="0"/>
+                        <a:rPr lang="cs-CZ" sz="1000">
+                          <a:effectLst/>
+                          <a:latin typeface="Sans Serif"/>
                         </a:rPr>
                         <a:t>char znak = 'A';</a:t>
                       </a:r>
-                      <a:endParaRPr lang="cs-CZ" sz="900">
-                        <a:effectLst/>
-                        <a:latin typeface="Calibri" panose="020F0502020204030204" pitchFamily="34" charset="0"/>
-                      </a:endParaRPr>
                     </a:p>
                   </a:txBody>
                   <a:tcPr marL="29369" marR="29369" marT="14684" marB="14684" anchor="ctr">
@@ -9699,7 +9486,7 @@
                   </a:ext>
                 </a:extLst>
               </a:tr>
-              <a:tr h="0">
+              <a:tr h="60108">
                 <a:tc gridSpan="3">
                   <a:txBody>
                     <a:bodyPr/>
@@ -9711,9 +9498,39 @@
                       <a:br>
                         <a:rPr lang="cs-CZ" sz="100">
                           <a:effectLst/>
-                          <a:latin typeface="Consolas" panose="020B0609020204030204" pitchFamily="49" charset="0"/>
+                          <a:latin typeface="Sans Serif"/>
                         </a:rPr>
                       </a:br>
+                      <a:endParaRPr lang="cs-CZ" sz="100">
+                        <a:effectLst/>
+                        <a:latin typeface="Sans Serif"/>
+                      </a:endParaRPr>
+                    </a:p>
+                  </a:txBody>
+                  <a:tcPr marL="29369" marR="29369" marT="14684" marB="14684">
+                    <a:lnL>
+                      <a:noFill/>
+                    </a:lnL>
+                    <a:lnR>
+                      <a:noFill/>
+                    </a:lnR>
+                    <a:lnT>
+                      <a:noFill/>
+                    </a:lnT>
+                    <a:lnB>
+                      <a:noFill/>
+                    </a:lnB>
+                    <a:noFill/>
+                  </a:tcPr>
+                </a:tc>
+                <a:tc hMerge="1">
+                  <a:txBody>
+                    <a:bodyPr/>
+                    <a:lstStyle/>
+                    <a:p>
+                      <a:pPr algn="l">
+                        <a:buNone/>
+                      </a:pPr>
                       <a:endParaRPr lang="cs-CZ" sz="100">
                         <a:effectLst/>
                         <a:latin typeface="Calibri" panose="020F0502020204030204" pitchFamily="34" charset="0"/>
@@ -9766,36 +9583,6 @@
                     <a:noFill/>
                   </a:tcPr>
                 </a:tc>
-                <a:tc hMerge="1">
-                  <a:txBody>
-                    <a:bodyPr/>
-                    <a:lstStyle/>
-                    <a:p>
-                      <a:pPr algn="l">
-                        <a:buNone/>
-                      </a:pPr>
-                      <a:endParaRPr lang="cs-CZ" sz="100">
-                        <a:effectLst/>
-                        <a:latin typeface="Calibri" panose="020F0502020204030204" pitchFamily="34" charset="0"/>
-                      </a:endParaRPr>
-                    </a:p>
-                  </a:txBody>
-                  <a:tcPr marL="29369" marR="29369" marT="14684" marB="14684">
-                    <a:lnL>
-                      <a:noFill/>
-                    </a:lnL>
-                    <a:lnR>
-                      <a:noFill/>
-                    </a:lnR>
-                    <a:lnT>
-                      <a:noFill/>
-                    </a:lnT>
-                    <a:lnB>
-                      <a:noFill/>
-                    </a:lnB>
-                    <a:noFill/>
-                  </a:tcPr>
-                </a:tc>
                 <a:tc>
                   <a:txBody>
                     <a:bodyPr/>
@@ -9806,7 +9593,7 @@
                       </a:pPr>
                       <a:endParaRPr lang="cs-CZ" sz="100" dirty="0">
                         <a:effectLst/>
-                        <a:latin typeface="Calibri" panose="020F0502020204030204" pitchFamily="34" charset="0"/>
+                        <a:latin typeface="Sans Serif"/>
                       </a:endParaRPr>
                     </a:p>
                   </a:txBody>
@@ -9832,7 +9619,7 @@
                   </a:ext>
                 </a:extLst>
               </a:tr>
-              <a:tr h="144733">
+              <a:tr h="182557">
                 <a:tc gridSpan="4">
                   <a:txBody>
                     <a:bodyPr/>
@@ -9842,15 +9629,15 @@
                         <a:buNone/>
                       </a:pPr>
                       <a:r>
-                        <a:rPr lang="cs-CZ" sz="900" b="1">
-                          <a:effectLst/>
-                          <a:latin typeface="Consolas" panose="020B0609020204030204" pitchFamily="49" charset="0"/>
+                        <a:rPr lang="cs-CZ" sz="1000" b="1">
+                          <a:effectLst/>
+                          <a:latin typeface="Sans Serif"/>
                         </a:rPr>
                         <a:t>Pole</a:t>
                       </a:r>
-                      <a:endParaRPr lang="cs-CZ" sz="900">
+                      <a:endParaRPr lang="cs-CZ" sz="1000">
                         <a:effectLst/>
-                        <a:latin typeface="Calibri" panose="020F0502020204030204" pitchFamily="34" charset="0"/>
+                        <a:latin typeface="Sans Serif"/>
                       </a:endParaRPr>
                     </a:p>
                   </a:txBody>
@@ -9908,7 +9695,7 @@
                   </a:ext>
                 </a:extLst>
               </a:tr>
-              <a:tr h="621570">
+              <a:tr h="794805">
                 <a:tc gridSpan="4">
                   <a:txBody>
                     <a:bodyPr/>
@@ -9918,68 +9705,64 @@
                         <a:buNone/>
                       </a:pPr>
                       <a:r>
-                        <a:rPr lang="cs-CZ" sz="900" dirty="0">
-                          <a:effectLst/>
-                          <a:latin typeface="Consolas" panose="020B0609020204030204" pitchFamily="49" charset="0"/>
+                        <a:rPr lang="cs-CZ" sz="1000" dirty="0">
+                          <a:effectLst/>
+                          <a:latin typeface="Sans Serif"/>
                         </a:rPr>
                         <a:t>int myNumbers[] = {25, 50, 75, 100};</a:t>
                       </a:r>
                       <a:br>
-                        <a:rPr lang="cs-CZ" sz="900" dirty="0">
-                          <a:effectLst/>
-                          <a:latin typeface="Consolas" panose="020B0609020204030204" pitchFamily="49" charset="0"/>
+                        <a:rPr lang="cs-CZ" sz="1000" dirty="0">
+                          <a:effectLst/>
+                          <a:latin typeface="Sans Serif"/>
                         </a:rPr>
                       </a:br>
                       <a:r>
-                        <a:rPr lang="cs-CZ" sz="900" dirty="0">
-                          <a:effectLst/>
-                          <a:latin typeface="Consolas" panose="020B0609020204030204" pitchFamily="49" charset="0"/>
+                        <a:rPr lang="cs-CZ" sz="1000" dirty="0">
+                          <a:effectLst/>
+                          <a:latin typeface="Sans Serif"/>
                         </a:rPr>
                         <a:t>myNumbers[0] = 12;</a:t>
                       </a:r>
                       <a:br>
-                        <a:rPr lang="cs-CZ" sz="900" dirty="0">
-                          <a:effectLst/>
-                          <a:latin typeface="Consolas" panose="020B0609020204030204" pitchFamily="49" charset="0"/>
+                        <a:rPr lang="cs-CZ" sz="1000" dirty="0">
+                          <a:effectLst/>
+                          <a:latin typeface="Sans Serif"/>
                         </a:rPr>
                       </a:br>
                       <a:r>
-                        <a:rPr lang="cs-CZ" sz="900" dirty="0">
-                          <a:effectLst/>
-                          <a:latin typeface="Consolas" panose="020B0609020204030204" pitchFamily="49" charset="0"/>
+                        <a:rPr lang="cs-CZ" sz="1000" dirty="0">
+                          <a:effectLst/>
+                          <a:latin typeface="Sans Serif"/>
                         </a:rPr>
                         <a:t>for (int i=0; i&lt;4; i++){</a:t>
                       </a:r>
                       <a:br>
-                        <a:rPr lang="cs-CZ" sz="900" dirty="0">
-                          <a:effectLst/>
-                          <a:latin typeface="Consolas" panose="020B0609020204030204" pitchFamily="49" charset="0"/>
+                        <a:rPr lang="cs-CZ" sz="1000" dirty="0">
+                          <a:effectLst/>
+                          <a:latin typeface="Sans Serif"/>
                         </a:rPr>
                       </a:br>
                       <a:r>
-                        <a:rPr lang="cs-CZ" sz="900" dirty="0">
-                          <a:effectLst/>
-                          <a:latin typeface="Consolas" panose="020B0609020204030204" pitchFamily="49" charset="0"/>
-                        </a:rPr>
-                        <a:t>Serial.println(myNumbers[i]);</a:t>
+                        <a:rPr lang="cs-CZ" sz="1000" dirty="0">
+                          <a:effectLst/>
+                          <a:latin typeface="Sans Serif"/>
+                        </a:rPr>
+                        <a:t>   Serial.println(myNumbers[i]);</a:t>
                       </a:r>
                       <a:br>
-                        <a:rPr lang="cs-CZ" sz="900" dirty="0">
-                          <a:effectLst/>
-                          <a:latin typeface="Consolas" panose="020B0609020204030204" pitchFamily="49" charset="0"/>
+                        <a:rPr lang="cs-CZ" sz="1000" dirty="0">
+                          <a:effectLst/>
+                          <a:latin typeface="Sans Serif"/>
                         </a:rPr>
                       </a:br>
                       <a:r>
-                        <a:rPr lang="cs-CZ" sz="900" dirty="0">
-                          <a:effectLst/>
-                          <a:latin typeface="Consolas" panose="020B0609020204030204" pitchFamily="49" charset="0"/>
+                        <a:rPr lang="cs-CZ" sz="1000" dirty="0">
+                          <a:effectLst/>
+                          <a:latin typeface="Sans Serif"/>
                         </a:rPr>
                         <a:t>}</a:t>
                       </a:r>
-                      <a:endParaRPr lang="cs-CZ" sz="900" dirty="0">
-                        <a:effectLst/>
-                        <a:latin typeface="Calibri" panose="020F0502020204030204" pitchFamily="34" charset="0"/>
-                      </a:endParaRPr>
                     </a:p>
                   </a:txBody>
                   <a:tcPr marL="29369" marR="29369" marT="14684" marB="14684" anchor="ctr">
@@ -9996,7 +9779,10 @@
                       <a:noFill/>
                     </a:lnB>
                     <a:solidFill>
-                      <a:srgbClr val="B4C7DC"/>
+                      <a:schemeClr val="accent4">
+                        <a:lumMod val="40000"/>
+                        <a:lumOff val="60000"/>
+                      </a:schemeClr>
                     </a:solidFill>
                   </a:tcPr>
                 </a:tc>
@@ -10036,8 +9822,38 @@
                   </a:ext>
                 </a:extLst>
               </a:tr>
-              <a:tr h="0">
+              <a:tr h="55006">
                 <a:tc gridSpan="3">
+                  <a:txBody>
+                    <a:bodyPr/>
+                    <a:lstStyle/>
+                    <a:p>
+                      <a:pPr algn="l">
+                        <a:buNone/>
+                      </a:pPr>
+                      <a:endParaRPr lang="cs-CZ" sz="100" dirty="0">
+                        <a:effectLst/>
+                        <a:latin typeface="Sans Serif"/>
+                      </a:endParaRPr>
+                    </a:p>
+                  </a:txBody>
+                  <a:tcPr marL="29369" marR="29369" marT="14684" marB="14684">
+                    <a:lnL>
+                      <a:noFill/>
+                    </a:lnL>
+                    <a:lnR>
+                      <a:noFill/>
+                    </a:lnR>
+                    <a:lnT>
+                      <a:noFill/>
+                    </a:lnT>
+                    <a:lnB>
+                      <a:noFill/>
+                    </a:lnB>
+                    <a:noFill/>
+                  </a:tcPr>
+                </a:tc>
+                <a:tc hMerge="1">
                   <a:txBody>
                     <a:bodyPr/>
                     <a:lstStyle/>
@@ -10097,7 +9913,7 @@
                     <a:noFill/>
                   </a:tcPr>
                 </a:tc>
-                <a:tc hMerge="1">
+                <a:tc>
                   <a:txBody>
                     <a:bodyPr/>
                     <a:lstStyle/>
@@ -10107,37 +9923,7 @@
                       </a:pPr>
                       <a:endParaRPr lang="cs-CZ" sz="100" dirty="0">
                         <a:effectLst/>
-                        <a:latin typeface="Calibri" panose="020F0502020204030204" pitchFamily="34" charset="0"/>
-                      </a:endParaRPr>
-                    </a:p>
-                  </a:txBody>
-                  <a:tcPr marL="29369" marR="29369" marT="14684" marB="14684">
-                    <a:lnL>
-                      <a:noFill/>
-                    </a:lnL>
-                    <a:lnR>
-                      <a:noFill/>
-                    </a:lnR>
-                    <a:lnT>
-                      <a:noFill/>
-                    </a:lnT>
-                    <a:lnB>
-                      <a:noFill/>
-                    </a:lnB>
-                    <a:noFill/>
-                  </a:tcPr>
-                </a:tc>
-                <a:tc>
-                  <a:txBody>
-                    <a:bodyPr/>
-                    <a:lstStyle/>
-                    <a:p>
-                      <a:pPr algn="l">
-                        <a:buNone/>
-                      </a:pPr>
-                      <a:endParaRPr lang="cs-CZ" sz="100" dirty="0">
-                        <a:effectLst/>
-                        <a:latin typeface="Calibri" panose="020F0502020204030204" pitchFamily="34" charset="0"/>
+                        <a:latin typeface="Sans Serif"/>
                       </a:endParaRPr>
                     </a:p>
                   </a:txBody>
@@ -10163,7 +9949,7 @@
                   </a:ext>
                 </a:extLst>
               </a:tr>
-              <a:tr h="144733">
+              <a:tr h="182557">
                 <a:tc gridSpan="4">
                   <a:txBody>
                     <a:bodyPr/>
@@ -10173,15 +9959,15 @@
                         <a:buNone/>
                       </a:pPr>
                       <a:r>
-                        <a:rPr lang="cs-CZ" sz="900" b="1">
-                          <a:effectLst/>
-                          <a:latin typeface="Consolas" panose="020B0609020204030204" pitchFamily="49" charset="0"/>
+                        <a:rPr lang="cs-CZ" sz="1000" b="1" dirty="0">
+                          <a:effectLst/>
+                          <a:latin typeface="Sans Serif"/>
                         </a:rPr>
                         <a:t>Další syntaxe</a:t>
                       </a:r>
-                      <a:endParaRPr lang="cs-CZ" sz="900">
+                      <a:endParaRPr lang="cs-CZ" sz="1000" dirty="0">
                         <a:effectLst/>
-                        <a:latin typeface="Calibri" panose="020F0502020204030204" pitchFamily="34" charset="0"/>
+                        <a:latin typeface="Sans Serif"/>
                       </a:endParaRPr>
                     </a:p>
                   </a:txBody>
@@ -10239,7 +10025,7 @@
                   </a:ext>
                 </a:extLst>
               </a:tr>
-              <a:tr h="144733">
+              <a:tr h="182557">
                 <a:tc gridSpan="4">
                   <a:txBody>
                     <a:bodyPr/>
@@ -10249,16 +10035,12 @@
                         <a:buNone/>
                       </a:pPr>
                       <a:r>
-                        <a:rPr lang="cs-CZ" sz="900">
-                          <a:effectLst/>
-                          <a:latin typeface="Consolas" panose="020B0609020204030204" pitchFamily="49" charset="0"/>
+                        <a:rPr lang="cs-CZ" sz="1000">
+                          <a:effectLst/>
+                          <a:latin typeface="Sans Serif"/>
                         </a:rPr>
                         <a:t>// jednořádkový komentář</a:t>
                       </a:r>
-                      <a:endParaRPr lang="cs-CZ" sz="900">
-                        <a:effectLst/>
-                        <a:latin typeface="Calibri" panose="020F0502020204030204" pitchFamily="34" charset="0"/>
-                      </a:endParaRPr>
                     </a:p>
                   </a:txBody>
                   <a:tcPr marL="29369" marR="29369" marT="14684" marB="14684" anchor="ctr">
@@ -10315,7 +10097,7 @@
                   </a:ext>
                 </a:extLst>
               </a:tr>
-              <a:tr h="144733">
+              <a:tr h="182557">
                 <a:tc gridSpan="4">
                   <a:txBody>
                     <a:bodyPr/>
@@ -10325,16 +10107,12 @@
                         <a:buNone/>
                       </a:pPr>
                       <a:r>
-                        <a:rPr lang="cs-CZ" sz="900">
-                          <a:effectLst/>
-                          <a:latin typeface="Consolas" panose="020B0609020204030204" pitchFamily="49" charset="0"/>
+                        <a:rPr lang="cs-CZ" sz="1000">
+                          <a:effectLst/>
+                          <a:latin typeface="Sans Serif"/>
                         </a:rPr>
                         <a:t>/* víceřádkový komentář */</a:t>
                       </a:r>
-                      <a:endParaRPr lang="cs-CZ" sz="900">
-                        <a:effectLst/>
-                        <a:latin typeface="Calibri" panose="020F0502020204030204" pitchFamily="34" charset="0"/>
-                      </a:endParaRPr>
                     </a:p>
                   </a:txBody>
                   <a:tcPr marL="29369" marR="29369" marT="14684" marB="14684" anchor="ctr">
@@ -10391,7 +10169,7 @@
                   </a:ext>
                 </a:extLst>
               </a:tr>
-              <a:tr h="144733">
+              <a:tr h="182557">
                 <a:tc gridSpan="4">
                   <a:txBody>
                     <a:bodyPr/>
@@ -10401,16 +10179,12 @@
                         <a:buNone/>
                       </a:pPr>
                       <a:r>
-                        <a:rPr lang="cs-CZ" sz="900">
-                          <a:effectLst/>
-                          <a:latin typeface="Consolas" panose="020B0609020204030204" pitchFamily="49" charset="0"/>
+                        <a:rPr lang="cs-CZ" sz="1000">
+                          <a:effectLst/>
+                          <a:latin typeface="Sans Serif"/>
                         </a:rPr>
                         <a:t>#define LED_PIN 13</a:t>
                       </a:r>
-                      <a:endParaRPr lang="cs-CZ" sz="900">
-                        <a:effectLst/>
-                        <a:latin typeface="Calibri" panose="020F0502020204030204" pitchFamily="34" charset="0"/>
-                      </a:endParaRPr>
                     </a:p>
                   </a:txBody>
                   <a:tcPr marL="29369" marR="29369" marT="14684" marB="14684" anchor="ctr">
@@ -10467,7 +10241,7 @@
                   </a:ext>
                 </a:extLst>
               </a:tr>
-              <a:tr h="0">
+              <a:tr h="60108">
                 <a:tc gridSpan="3">
                   <a:txBody>
                     <a:bodyPr/>
@@ -10479,9 +10253,39 @@
                       <a:br>
                         <a:rPr lang="cs-CZ" sz="100">
                           <a:effectLst/>
-                          <a:latin typeface="Consolas" panose="020B0609020204030204" pitchFamily="49" charset="0"/>
+                          <a:latin typeface="Sans Serif"/>
                         </a:rPr>
                       </a:br>
+                      <a:endParaRPr lang="cs-CZ" sz="100">
+                        <a:effectLst/>
+                        <a:latin typeface="Sans Serif"/>
+                      </a:endParaRPr>
+                    </a:p>
+                  </a:txBody>
+                  <a:tcPr marL="29369" marR="29369" marT="14684" marB="14684">
+                    <a:lnL>
+                      <a:noFill/>
+                    </a:lnL>
+                    <a:lnR>
+                      <a:noFill/>
+                    </a:lnR>
+                    <a:lnT>
+                      <a:noFill/>
+                    </a:lnT>
+                    <a:lnB>
+                      <a:noFill/>
+                    </a:lnB>
+                    <a:noFill/>
+                  </a:tcPr>
+                </a:tc>
+                <a:tc hMerge="1">
+                  <a:txBody>
+                    <a:bodyPr/>
+                    <a:lstStyle/>
+                    <a:p>
+                      <a:pPr algn="l">
+                        <a:buNone/>
+                      </a:pPr>
                       <a:endParaRPr lang="cs-CZ" sz="100">
                         <a:effectLst/>
                         <a:latin typeface="Calibri" panose="020F0502020204030204" pitchFamily="34" charset="0"/>
@@ -10534,36 +10338,6 @@
                     <a:noFill/>
                   </a:tcPr>
                 </a:tc>
-                <a:tc hMerge="1">
-                  <a:txBody>
-                    <a:bodyPr/>
-                    <a:lstStyle/>
-                    <a:p>
-                      <a:pPr algn="l">
-                        <a:buNone/>
-                      </a:pPr>
-                      <a:endParaRPr lang="cs-CZ" sz="100">
-                        <a:effectLst/>
-                        <a:latin typeface="Calibri" panose="020F0502020204030204" pitchFamily="34" charset="0"/>
-                      </a:endParaRPr>
-                    </a:p>
-                  </a:txBody>
-                  <a:tcPr marL="29369" marR="29369" marT="14684" marB="14684">
-                    <a:lnL>
-                      <a:noFill/>
-                    </a:lnL>
-                    <a:lnR>
-                      <a:noFill/>
-                    </a:lnR>
-                    <a:lnT>
-                      <a:noFill/>
-                    </a:lnT>
-                    <a:lnB>
-                      <a:noFill/>
-                    </a:lnB>
-                    <a:noFill/>
-                  </a:tcPr>
-                </a:tc>
                 <a:tc>
                   <a:txBody>
                     <a:bodyPr/>
@@ -10574,7 +10348,7 @@
                       </a:pPr>
                       <a:endParaRPr lang="cs-CZ" sz="100" dirty="0">
                         <a:effectLst/>
-                        <a:latin typeface="Calibri" panose="020F0502020204030204" pitchFamily="34" charset="0"/>
+                        <a:latin typeface="Sans Serif"/>
                       </a:endParaRPr>
                     </a:p>
                   </a:txBody>
@@ -10600,7 +10374,7 @@
                   </a:ext>
                 </a:extLst>
               </a:tr>
-              <a:tr h="144733">
+              <a:tr h="182557">
                 <a:tc gridSpan="4">
                   <a:txBody>
                     <a:bodyPr/>
@@ -10610,15 +10384,15 @@
                         <a:buNone/>
                       </a:pPr>
                       <a:r>
-                        <a:rPr lang="cs-CZ" sz="900" b="1">
-                          <a:effectLst/>
-                          <a:latin typeface="Consolas" panose="020B0609020204030204" pitchFamily="49" charset="0"/>
+                        <a:rPr lang="cs-CZ" sz="1000" b="1">
+                          <a:effectLst/>
+                          <a:latin typeface="Sans Serif"/>
                         </a:rPr>
                         <a:t>Aritmetické operátory</a:t>
                       </a:r>
-                      <a:endParaRPr lang="cs-CZ" sz="900">
+                      <a:endParaRPr lang="cs-CZ" sz="1000">
                         <a:effectLst/>
-                        <a:latin typeface="Calibri" panose="020F0502020204030204" pitchFamily="34" charset="0"/>
+                        <a:latin typeface="Sans Serif"/>
                       </a:endParaRPr>
                     </a:p>
                   </a:txBody>
@@ -10676,7 +10450,7 @@
                   </a:ext>
                 </a:extLst>
               </a:tr>
-              <a:tr h="144733">
+              <a:tr h="182557">
                 <a:tc>
                   <a:txBody>
                     <a:bodyPr/>
@@ -10686,16 +10460,12 @@
                         <a:buNone/>
                       </a:pPr>
                       <a:r>
-                        <a:rPr lang="cs-CZ" sz="900">
-                          <a:effectLst/>
-                          <a:latin typeface="Consolas" panose="020B0609020204030204" pitchFamily="49" charset="0"/>
+                        <a:rPr lang="cs-CZ" sz="1000">
+                          <a:effectLst/>
+                          <a:latin typeface="Sans Serif"/>
                         </a:rPr>
                         <a:t>+</a:t>
                       </a:r>
-                      <a:endParaRPr lang="cs-CZ" sz="900">
-                        <a:effectLst/>
-                        <a:latin typeface="Calibri" panose="020F0502020204030204" pitchFamily="34" charset="0"/>
-                      </a:endParaRPr>
                     </a:p>
                   </a:txBody>
                   <a:tcPr marL="29369" marR="29369" marT="14684" marB="14684">
@@ -10725,16 +10495,12 @@
                         <a:buNone/>
                       </a:pPr>
                       <a:r>
-                        <a:rPr lang="cs-CZ" sz="900">
-                          <a:effectLst/>
-                          <a:latin typeface="Consolas" panose="020B0609020204030204" pitchFamily="49" charset="0"/>
+                        <a:rPr lang="cs-CZ" sz="1000" dirty="0">
+                          <a:effectLst/>
+                          <a:latin typeface="Sans Serif"/>
                         </a:rPr>
                         <a:t>součet</a:t>
                       </a:r>
-                      <a:endParaRPr lang="cs-CZ" sz="900">
-                        <a:effectLst/>
-                        <a:latin typeface="Calibri" panose="020F0502020204030204" pitchFamily="34" charset="0"/>
-                      </a:endParaRPr>
                     </a:p>
                   </a:txBody>
                   <a:tcPr marL="29369" marR="29369" marT="14684" marB="14684">
@@ -10810,7 +10576,7 @@
                   </a:ext>
                 </a:extLst>
               </a:tr>
-              <a:tr h="144733">
+              <a:tr h="182557">
                 <a:tc>
                   <a:txBody>
                     <a:bodyPr/>
@@ -10820,16 +10586,12 @@
                         <a:buNone/>
                       </a:pPr>
                       <a:r>
-                        <a:rPr lang="cs-CZ" sz="900">
-                          <a:effectLst/>
-                          <a:latin typeface="Consolas" panose="020B0609020204030204" pitchFamily="49" charset="0"/>
+                        <a:rPr lang="cs-CZ" sz="1000">
+                          <a:effectLst/>
+                          <a:latin typeface="Sans Serif"/>
                         </a:rPr>
                         <a:t>-</a:t>
                       </a:r>
-                      <a:endParaRPr lang="cs-CZ" sz="900">
-                        <a:effectLst/>
-                        <a:latin typeface="Calibri" panose="020F0502020204030204" pitchFamily="34" charset="0"/>
-                      </a:endParaRPr>
                     </a:p>
                   </a:txBody>
                   <a:tcPr marL="29369" marR="29369" marT="14684" marB="14684">
@@ -10859,16 +10621,12 @@
                         <a:buNone/>
                       </a:pPr>
                       <a:r>
-                        <a:rPr lang="cs-CZ" sz="900">
-                          <a:effectLst/>
-                          <a:latin typeface="Consolas" panose="020B0609020204030204" pitchFamily="49" charset="0"/>
+                        <a:rPr lang="cs-CZ" sz="1000">
+                          <a:effectLst/>
+                          <a:latin typeface="Sans Serif"/>
                         </a:rPr>
                         <a:t>rozdíl</a:t>
                       </a:r>
-                      <a:endParaRPr lang="cs-CZ" sz="900">
-                        <a:effectLst/>
-                        <a:latin typeface="Calibri" panose="020F0502020204030204" pitchFamily="34" charset="0"/>
-                      </a:endParaRPr>
                     </a:p>
                   </a:txBody>
                   <a:tcPr marL="29369" marR="29369" marT="14684" marB="14684">
@@ -10944,7 +10702,7 @@
                   </a:ext>
                 </a:extLst>
               </a:tr>
-              <a:tr h="144733">
+              <a:tr h="182557">
                 <a:tc>
                   <a:txBody>
                     <a:bodyPr/>
@@ -10954,16 +10712,12 @@
                         <a:buNone/>
                       </a:pPr>
                       <a:r>
-                        <a:rPr lang="cs-CZ" sz="900">
-                          <a:effectLst/>
-                          <a:latin typeface="Consolas" panose="020B0609020204030204" pitchFamily="49" charset="0"/>
+                        <a:rPr lang="cs-CZ" sz="1000">
+                          <a:effectLst/>
+                          <a:latin typeface="Sans Serif"/>
                         </a:rPr>
                         <a:t>*</a:t>
                       </a:r>
-                      <a:endParaRPr lang="cs-CZ" sz="900">
-                        <a:effectLst/>
-                        <a:latin typeface="Calibri" panose="020F0502020204030204" pitchFamily="34" charset="0"/>
-                      </a:endParaRPr>
                     </a:p>
                   </a:txBody>
                   <a:tcPr marL="29369" marR="29369" marT="14684" marB="14684">
@@ -10993,16 +10747,12 @@
                         <a:buNone/>
                       </a:pPr>
                       <a:r>
-                        <a:rPr lang="cs-CZ" sz="900">
-                          <a:effectLst/>
-                          <a:latin typeface="Consolas" panose="020B0609020204030204" pitchFamily="49" charset="0"/>
+                        <a:rPr lang="cs-CZ" sz="1000">
+                          <a:effectLst/>
+                          <a:latin typeface="Sans Serif"/>
                         </a:rPr>
                         <a:t>součin</a:t>
                       </a:r>
-                      <a:endParaRPr lang="cs-CZ" sz="900">
-                        <a:effectLst/>
-                        <a:latin typeface="Calibri" panose="020F0502020204030204" pitchFamily="34" charset="0"/>
-                      </a:endParaRPr>
                     </a:p>
                   </a:txBody>
                   <a:tcPr marL="29369" marR="29369" marT="14684" marB="14684">
@@ -11078,7 +10828,7 @@
                   </a:ext>
                 </a:extLst>
               </a:tr>
-              <a:tr h="144733">
+              <a:tr h="182557">
                 <a:tc>
                   <a:txBody>
                     <a:bodyPr/>
@@ -11088,16 +10838,12 @@
                         <a:buNone/>
                       </a:pPr>
                       <a:r>
-                        <a:rPr lang="cs-CZ" sz="900">
-                          <a:effectLst/>
-                          <a:latin typeface="Consolas" panose="020B0609020204030204" pitchFamily="49" charset="0"/>
+                        <a:rPr lang="cs-CZ" sz="1000">
+                          <a:effectLst/>
+                          <a:latin typeface="Sans Serif"/>
                         </a:rPr>
                         <a:t>/</a:t>
                       </a:r>
-                      <a:endParaRPr lang="cs-CZ" sz="900">
-                        <a:effectLst/>
-                        <a:latin typeface="Calibri" panose="020F0502020204030204" pitchFamily="34" charset="0"/>
-                      </a:endParaRPr>
                     </a:p>
                   </a:txBody>
                   <a:tcPr marL="29369" marR="29369" marT="14684" marB="14684">
@@ -11127,16 +10873,12 @@
                         <a:buNone/>
                       </a:pPr>
                       <a:r>
-                        <a:rPr lang="cs-CZ" sz="900">
-                          <a:effectLst/>
-                          <a:latin typeface="Consolas" panose="020B0609020204030204" pitchFamily="49" charset="0"/>
+                        <a:rPr lang="cs-CZ" sz="1000">
+                          <a:effectLst/>
+                          <a:latin typeface="Sans Serif"/>
                         </a:rPr>
                         <a:t>podíl</a:t>
                       </a:r>
-                      <a:endParaRPr lang="cs-CZ" sz="900">
-                        <a:effectLst/>
-                        <a:latin typeface="Calibri" panose="020F0502020204030204" pitchFamily="34" charset="0"/>
-                      </a:endParaRPr>
                     </a:p>
                   </a:txBody>
                   <a:tcPr marL="29369" marR="29369" marT="14684" marB="14684">
@@ -11212,7 +10954,7 @@
                   </a:ext>
                 </a:extLst>
               </a:tr>
-              <a:tr h="202992">
+              <a:tr h="191400">
                 <a:tc>
                   <a:txBody>
                     <a:bodyPr/>
@@ -11222,16 +10964,12 @@
                         <a:buNone/>
                       </a:pPr>
                       <a:r>
-                        <a:rPr lang="cs-CZ" sz="900">
-                          <a:effectLst/>
-                          <a:latin typeface="Consolas" panose="020B0609020204030204" pitchFamily="49" charset="0"/>
+                        <a:rPr lang="cs-CZ" sz="1000">
+                          <a:effectLst/>
+                          <a:latin typeface="Sans Serif"/>
                         </a:rPr>
                         <a:t>%</a:t>
                       </a:r>
-                      <a:endParaRPr lang="cs-CZ" sz="900">
-                        <a:effectLst/>
-                        <a:latin typeface="Calibri" panose="020F0502020204030204" pitchFamily="34" charset="0"/>
-                      </a:endParaRPr>
                     </a:p>
                   </a:txBody>
                   <a:tcPr marL="29369" marR="29369" marT="14684" marB="14684">
@@ -11261,16 +10999,12 @@
                         <a:buNone/>
                       </a:pPr>
                       <a:r>
-                        <a:rPr lang="cs-CZ" sz="900">
-                          <a:effectLst/>
-                          <a:latin typeface="Consolas" panose="020B0609020204030204" pitchFamily="49" charset="0"/>
+                        <a:rPr lang="cs-CZ" sz="1000">
+                          <a:effectLst/>
+                          <a:latin typeface="Sans Serif"/>
                         </a:rPr>
                         <a:t>modulo - zbytek po dělení</a:t>
                       </a:r>
-                      <a:endParaRPr lang="cs-CZ" sz="900">
-                        <a:effectLst/>
-                        <a:latin typeface="Calibri" panose="020F0502020204030204" pitchFamily="34" charset="0"/>
-                      </a:endParaRPr>
                     </a:p>
                   </a:txBody>
                   <a:tcPr marL="29369" marR="29369" marT="14684" marB="14684">
@@ -11346,7 +11080,7 @@
                   </a:ext>
                 </a:extLst>
               </a:tr>
-              <a:tr h="144733">
+              <a:tr h="182557">
                 <a:tc>
                   <a:txBody>
                     <a:bodyPr/>
@@ -11356,16 +11090,12 @@
                         <a:buNone/>
                       </a:pPr>
                       <a:r>
-                        <a:rPr lang="cs-CZ" sz="900">
-                          <a:effectLst/>
-                          <a:latin typeface="Consolas" panose="020B0609020204030204" pitchFamily="49" charset="0"/>
+                        <a:rPr lang="cs-CZ" sz="1000">
+                          <a:effectLst/>
+                          <a:latin typeface="Sans Serif"/>
                         </a:rPr>
                         <a:t>=</a:t>
                       </a:r>
-                      <a:endParaRPr lang="cs-CZ" sz="900">
-                        <a:effectLst/>
-                        <a:latin typeface="Calibri" panose="020F0502020204030204" pitchFamily="34" charset="0"/>
-                      </a:endParaRPr>
                     </a:p>
                   </a:txBody>
                   <a:tcPr marL="29369" marR="29369" marT="14684" marB="14684">
@@ -11395,16 +11125,12 @@
                         <a:buNone/>
                       </a:pPr>
                       <a:r>
-                        <a:rPr lang="cs-CZ" sz="900">
-                          <a:effectLst/>
-                          <a:latin typeface="Consolas" panose="020B0609020204030204" pitchFamily="49" charset="0"/>
+                        <a:rPr lang="cs-CZ" sz="1000">
+                          <a:effectLst/>
+                          <a:latin typeface="Sans Serif"/>
                         </a:rPr>
                         <a:t>přiřazení</a:t>
                       </a:r>
-                      <a:endParaRPr lang="cs-CZ" sz="900">
-                        <a:effectLst/>
-                        <a:latin typeface="Calibri" panose="020F0502020204030204" pitchFamily="34" charset="0"/>
-                      </a:endParaRPr>
                     </a:p>
                   </a:txBody>
                   <a:tcPr marL="29369" marR="29369" marT="14684" marB="14684">
@@ -11480,7 +11206,7 @@
                   </a:ext>
                 </a:extLst>
               </a:tr>
-              <a:tr h="144733">
+              <a:tr h="182557">
                 <a:tc>
                   <a:txBody>
                     <a:bodyPr/>
@@ -11490,16 +11216,12 @@
                         <a:buNone/>
                       </a:pPr>
                       <a:r>
-                        <a:rPr lang="cs-CZ" sz="900">
-                          <a:effectLst/>
-                          <a:latin typeface="Consolas" panose="020B0609020204030204" pitchFamily="49" charset="0"/>
+                        <a:rPr lang="cs-CZ" sz="1000">
+                          <a:effectLst/>
+                          <a:latin typeface="Sans Serif"/>
                         </a:rPr>
                         <a:t>++</a:t>
                       </a:r>
-                      <a:endParaRPr lang="cs-CZ" sz="900">
-                        <a:effectLst/>
-                        <a:latin typeface="Calibri" panose="020F0502020204030204" pitchFamily="34" charset="0"/>
-                      </a:endParaRPr>
                     </a:p>
                   </a:txBody>
                   <a:tcPr marL="29369" marR="29369" marT="14684" marB="14684">
@@ -11529,16 +11251,12 @@
                         <a:buNone/>
                       </a:pPr>
                       <a:r>
-                        <a:rPr lang="cs-CZ" sz="900">
-                          <a:effectLst/>
-                          <a:latin typeface="Consolas" panose="020B0609020204030204" pitchFamily="49" charset="0"/>
-                        </a:rPr>
-                        <a:t>inkrementace </a:t>
-                      </a:r>
-                      <a:endParaRPr lang="cs-CZ" sz="900">
-                        <a:effectLst/>
-                        <a:latin typeface="Calibri" panose="020F0502020204030204" pitchFamily="34" charset="0"/>
-                      </a:endParaRPr>
+                        <a:rPr lang="cs-CZ" sz="1000" dirty="0">
+                          <a:effectLst/>
+                          <a:latin typeface="Sans Serif"/>
+                        </a:rPr>
+                        <a:t>inkrementace (zvýšení o jedničku)</a:t>
+                      </a:r>
                     </a:p>
                   </a:txBody>
                   <a:tcPr marL="29369" marR="29369" marT="14684" marB="14684">
@@ -11614,7 +11332,7 @@
                   </a:ext>
                 </a:extLst>
               </a:tr>
-              <a:tr h="144733">
+              <a:tr h="182557">
                 <a:tc>
                   <a:txBody>
                     <a:bodyPr/>
@@ -11624,16 +11342,12 @@
                         <a:buNone/>
                       </a:pPr>
                       <a:r>
-                        <a:rPr lang="cs-CZ" sz="900">
-                          <a:effectLst/>
-                          <a:latin typeface="Consolas" panose="020B0609020204030204" pitchFamily="49" charset="0"/>
+                        <a:rPr lang="cs-CZ" sz="1000">
+                          <a:effectLst/>
+                          <a:latin typeface="Sans Serif"/>
                         </a:rPr>
                         <a:t>--</a:t>
                       </a:r>
-                      <a:endParaRPr lang="cs-CZ" sz="900">
-                        <a:effectLst/>
-                        <a:latin typeface="Calibri" panose="020F0502020204030204" pitchFamily="34" charset="0"/>
-                      </a:endParaRPr>
                     </a:p>
                   </a:txBody>
                   <a:tcPr marL="29369" marR="29369" marT="14684" marB="14684">
@@ -11663,16 +11377,12 @@
                         <a:buNone/>
                       </a:pPr>
                       <a:r>
-                        <a:rPr lang="cs-CZ" sz="900">
-                          <a:effectLst/>
-                          <a:latin typeface="Consolas" panose="020B0609020204030204" pitchFamily="49" charset="0"/>
-                        </a:rPr>
-                        <a:t>dekrementace</a:t>
-                      </a:r>
-                      <a:endParaRPr lang="cs-CZ" sz="900">
-                        <a:effectLst/>
-                        <a:latin typeface="Calibri" panose="020F0502020204030204" pitchFamily="34" charset="0"/>
-                      </a:endParaRPr>
+                        <a:rPr lang="cs-CZ" sz="1000" dirty="0">
+                          <a:effectLst/>
+                          <a:latin typeface="Sans Serif"/>
+                        </a:rPr>
+                        <a:t>dekrementace (snížení o jedničku)</a:t>
+                      </a:r>
                     </a:p>
                   </a:txBody>
                   <a:tcPr marL="29369" marR="29369" marT="14684" marB="14684">
@@ -11748,7 +11458,7 @@
                   </a:ext>
                 </a:extLst>
               </a:tr>
-              <a:tr h="294672">
+              <a:tr h="223810">
                 <a:tc>
                   <a:txBody>
                     <a:bodyPr/>
@@ -11758,16 +11468,12 @@
                         <a:buNone/>
                       </a:pPr>
                       <a:r>
-                        <a:rPr lang="cs-CZ" sz="900">
-                          <a:effectLst/>
-                          <a:latin typeface="Consolas" panose="020B0609020204030204" pitchFamily="49" charset="0"/>
+                        <a:rPr lang="cs-CZ" sz="1000">
+                          <a:effectLst/>
+                          <a:latin typeface="Sans Serif"/>
                         </a:rPr>
                         <a:t>+=</a:t>
                       </a:r>
-                      <a:endParaRPr lang="cs-CZ" sz="900">
-                        <a:effectLst/>
-                        <a:latin typeface="Calibri" panose="020F0502020204030204" pitchFamily="34" charset="0"/>
-                      </a:endParaRPr>
                     </a:p>
                   </a:txBody>
                   <a:tcPr marL="29369" marR="29369" marT="14684" marB="14684">
@@ -11797,29 +11503,26 @@
                         <a:buNone/>
                       </a:pPr>
                       <a:r>
-                        <a:rPr lang="cs-CZ" sz="900">
-                          <a:effectLst/>
-                          <a:latin typeface="Consolas" panose="020B0609020204030204" pitchFamily="49" charset="0"/>
-                        </a:rPr>
-                        <a:t>součet a přiřazení</a:t>
-                      </a:r>
-                      <a:br>
-                        <a:rPr lang="cs-CZ" sz="900">
-                          <a:effectLst/>
-                          <a:latin typeface="Consolas" panose="020B0609020204030204" pitchFamily="49" charset="0"/>
-                        </a:rPr>
-                      </a:br>
-                      <a:r>
-                        <a:rPr lang="cs-CZ" sz="900">
-                          <a:effectLst/>
-                          <a:latin typeface="Consolas" panose="020B0609020204030204" pitchFamily="49" charset="0"/>
-                        </a:rPr>
-                        <a:t>(a+=b je jako a = a+b)</a:t>
-                      </a:r>
-                      <a:endParaRPr lang="cs-CZ" sz="900">
-                        <a:effectLst/>
-                        <a:latin typeface="Calibri" panose="020F0502020204030204" pitchFamily="34" charset="0"/>
-                      </a:endParaRPr>
+                        <a:rPr lang="cs-CZ" sz="1000" dirty="0">
+                          <a:effectLst/>
+                          <a:latin typeface="Sans Serif"/>
+                        </a:rPr>
+                        <a:t>součet a přiřazení (a+=b je jako a = </a:t>
+                      </a:r>
+                      <a:r>
+                        <a:rPr lang="cs-CZ" sz="1000" dirty="0" err="1">
+                          <a:effectLst/>
+                          <a:latin typeface="Sans Serif"/>
+                        </a:rPr>
+                        <a:t>a+b</a:t>
+                      </a:r>
+                      <a:r>
+                        <a:rPr lang="cs-CZ" sz="1000" dirty="0">
+                          <a:effectLst/>
+                          <a:latin typeface="Sans Serif"/>
+                        </a:rPr>
+                        <a:t>)</a:t>
+                      </a:r>
                     </a:p>
                   </a:txBody>
                   <a:tcPr marL="29369" marR="29369" marT="14684" marB="14684">
@@ -11908,7 +11611,7 @@
                   </a:ext>
                 </a:extLst>
               </a:tr>
-              <a:tr h="294672">
+              <a:tr h="182557">
                 <a:tc>
                   <a:txBody>
                     <a:bodyPr/>
@@ -11918,67 +11621,50 @@
                         <a:buNone/>
                       </a:pPr>
                       <a:r>
-                        <a:rPr lang="cs-CZ" sz="900">
-                          <a:effectLst/>
-                          <a:latin typeface="Consolas" panose="020B0609020204030204" pitchFamily="49" charset="0"/>
+                        <a:rPr lang="cs-CZ" sz="1000">
+                          <a:effectLst/>
+                          <a:latin typeface="Sans Serif"/>
                         </a:rPr>
                         <a:t>-=</a:t>
                       </a:r>
-                      <a:endParaRPr lang="cs-CZ" sz="900">
+                    </a:p>
+                  </a:txBody>
+                  <a:tcPr marL="29369" marR="29369" marT="14684" marB="14684">
+                    <a:lnL>
+                      <a:noFill/>
+                    </a:lnL>
+                    <a:lnR>
+                      <a:noFill/>
+                    </a:lnR>
+                    <a:lnT>
+                      <a:noFill/>
+                    </a:lnT>
+                    <a:lnB>
+                      <a:noFill/>
+                    </a:lnB>
+                    <a:solidFill>
+                      <a:srgbClr val="FCD5B5"/>
+                    </a:solidFill>
+                  </a:tcPr>
+                </a:tc>
+                <a:tc gridSpan="3">
+                  <a:txBody>
+                    <a:bodyPr/>
+                    <a:lstStyle/>
+                    <a:p>
+                      <a:pPr algn="l">
+                        <a:buNone/>
+                      </a:pPr>
+                      <a:r>
+                        <a:rPr lang="pl-PL" sz="1000" dirty="0">
+                          <a:effectLst/>
+                          <a:latin typeface="Sans Serif"/>
+                        </a:rPr>
+                        <a:t>rozdíl a přiřazení (a-=b je jako a = a-b)</a:t>
+                      </a:r>
+                      <a:endParaRPr lang="cs-CZ" sz="1000" dirty="0">
                         <a:effectLst/>
-                        <a:latin typeface="Calibri" panose="020F0502020204030204" pitchFamily="34" charset="0"/>
-                      </a:endParaRPr>
-                    </a:p>
-                  </a:txBody>
-                  <a:tcPr marL="29369" marR="29369" marT="14684" marB="14684">
-                    <a:lnL>
-                      <a:noFill/>
-                    </a:lnL>
-                    <a:lnR>
-                      <a:noFill/>
-                    </a:lnR>
-                    <a:lnT>
-                      <a:noFill/>
-                    </a:lnT>
-                    <a:lnB>
-                      <a:noFill/>
-                    </a:lnB>
-                    <a:solidFill>
-                      <a:srgbClr val="FCD5B5"/>
-                    </a:solidFill>
-                  </a:tcPr>
-                </a:tc>
-                <a:tc gridSpan="3">
-                  <a:txBody>
-                    <a:bodyPr/>
-                    <a:lstStyle/>
-                    <a:p>
-                      <a:pPr algn="l">
-                        <a:buNone/>
-                      </a:pPr>
-                      <a:r>
-                        <a:rPr lang="pl-PL" sz="900">
-                          <a:effectLst/>
-                          <a:latin typeface="Consolas" panose="020B0609020204030204" pitchFamily="49" charset="0"/>
-                        </a:rPr>
-                        <a:t>rozdíl a přiřazení</a:t>
-                      </a:r>
-                      <a:br>
-                        <a:rPr lang="pl-PL" sz="900">
-                          <a:effectLst/>
-                          <a:latin typeface="Consolas" panose="020B0609020204030204" pitchFamily="49" charset="0"/>
-                        </a:rPr>
-                      </a:br>
-                      <a:r>
-                        <a:rPr lang="pl-PL" sz="900">
-                          <a:effectLst/>
-                          <a:latin typeface="Consolas" panose="020B0609020204030204" pitchFamily="49" charset="0"/>
-                        </a:rPr>
-                        <a:t>(a-=b je jako a = a-b)</a:t>
-                      </a:r>
-                      <a:endParaRPr lang="cs-CZ" sz="900">
-                        <a:effectLst/>
-                        <a:latin typeface="Calibri" panose="020F0502020204030204" pitchFamily="34" charset="0"/>
+                        <a:latin typeface="Sans Serif"/>
                       </a:endParaRPr>
                     </a:p>
                   </a:txBody>
@@ -12068,7 +11754,7 @@
                   </a:ext>
                 </a:extLst>
               </a:tr>
-              <a:tr h="294672">
+              <a:tr h="183723">
                 <a:tc>
                   <a:txBody>
                     <a:bodyPr/>
@@ -12078,16 +11764,12 @@
                         <a:buNone/>
                       </a:pPr>
                       <a:r>
-                        <a:rPr lang="cs-CZ" sz="900">
-                          <a:effectLst/>
-                          <a:latin typeface="Consolas" panose="020B0609020204030204" pitchFamily="49" charset="0"/>
+                        <a:rPr lang="cs-CZ" sz="1000">
+                          <a:effectLst/>
+                          <a:latin typeface="Sans Serif"/>
                         </a:rPr>
                         <a:t>*=</a:t>
                       </a:r>
-                      <a:endParaRPr lang="cs-CZ" sz="900">
-                        <a:effectLst/>
-                        <a:latin typeface="Calibri" panose="020F0502020204030204" pitchFamily="34" charset="0"/>
-                      </a:endParaRPr>
                     </a:p>
                   </a:txBody>
                   <a:tcPr marL="29369" marR="29369" marT="14684" marB="14684">
@@ -12117,29 +11799,12 @@
                         <a:buNone/>
                       </a:pPr>
                       <a:r>
-                        <a:rPr lang="cs-CZ" sz="900">
-                          <a:effectLst/>
-                          <a:latin typeface="Consolas" panose="020B0609020204030204" pitchFamily="49" charset="0"/>
-                        </a:rPr>
-                        <a:t>součin a přiřazení</a:t>
-                      </a:r>
-                      <a:br>
-                        <a:rPr lang="cs-CZ" sz="900">
-                          <a:effectLst/>
-                          <a:latin typeface="Consolas" panose="020B0609020204030204" pitchFamily="49" charset="0"/>
-                        </a:rPr>
-                      </a:br>
-                      <a:r>
-                        <a:rPr lang="cs-CZ" sz="900">
-                          <a:effectLst/>
-                          <a:latin typeface="Consolas" panose="020B0609020204030204" pitchFamily="49" charset="0"/>
-                        </a:rPr>
-                        <a:t>(a*=b je jako a = a*b)</a:t>
-                      </a:r>
-                      <a:endParaRPr lang="cs-CZ" sz="900">
-                        <a:effectLst/>
-                        <a:latin typeface="Calibri" panose="020F0502020204030204" pitchFamily="34" charset="0"/>
-                      </a:endParaRPr>
+                        <a:rPr lang="cs-CZ" sz="1000" dirty="0">
+                          <a:effectLst/>
+                          <a:latin typeface="Sans Serif"/>
+                        </a:rPr>
+                        <a:t>součin a přiřazení (a*=b je jako a = a*b)</a:t>
+                      </a:r>
                     </a:p>
                   </a:txBody>
                   <a:tcPr marL="29369" marR="29369" marT="14684" marB="14684">
@@ -12228,7 +11893,7 @@
                   </a:ext>
                 </a:extLst>
               </a:tr>
-              <a:tr h="294672">
+              <a:tr h="182557">
                 <a:tc>
                   <a:txBody>
                     <a:bodyPr/>
@@ -12238,67 +11903,50 @@
                         <a:buNone/>
                       </a:pPr>
                       <a:r>
-                        <a:rPr lang="cs-CZ" sz="900">
-                          <a:effectLst/>
-                          <a:latin typeface="Consolas" panose="020B0609020204030204" pitchFamily="49" charset="0"/>
+                        <a:rPr lang="cs-CZ" sz="1000">
+                          <a:effectLst/>
+                          <a:latin typeface="Sans Serif"/>
                         </a:rPr>
                         <a:t>/=</a:t>
                       </a:r>
-                      <a:endParaRPr lang="cs-CZ" sz="900">
+                    </a:p>
+                  </a:txBody>
+                  <a:tcPr marL="29369" marR="29369" marT="14684" marB="14684">
+                    <a:lnL>
+                      <a:noFill/>
+                    </a:lnL>
+                    <a:lnR>
+                      <a:noFill/>
+                    </a:lnR>
+                    <a:lnT>
+                      <a:noFill/>
+                    </a:lnT>
+                    <a:lnB>
+                      <a:noFill/>
+                    </a:lnB>
+                    <a:solidFill>
+                      <a:srgbClr val="FCD5B5"/>
+                    </a:solidFill>
+                  </a:tcPr>
+                </a:tc>
+                <a:tc gridSpan="3">
+                  <a:txBody>
+                    <a:bodyPr/>
+                    <a:lstStyle/>
+                    <a:p>
+                      <a:pPr algn="l">
+                        <a:buNone/>
+                      </a:pPr>
+                      <a:r>
+                        <a:rPr lang="pl-PL" sz="1000" dirty="0">
+                          <a:effectLst/>
+                          <a:latin typeface="Sans Serif"/>
+                        </a:rPr>
+                        <a:t>rozdíl a přiřazení (a-=b je jako a = a-b)</a:t>
+                      </a:r>
+                      <a:endParaRPr lang="cs-CZ" sz="1000" dirty="0">
                         <a:effectLst/>
-                        <a:latin typeface="Calibri" panose="020F0502020204030204" pitchFamily="34" charset="0"/>
-                      </a:endParaRPr>
-                    </a:p>
-                  </a:txBody>
-                  <a:tcPr marL="29369" marR="29369" marT="14684" marB="14684">
-                    <a:lnL>
-                      <a:noFill/>
-                    </a:lnL>
-                    <a:lnR>
-                      <a:noFill/>
-                    </a:lnR>
-                    <a:lnT>
-                      <a:noFill/>
-                    </a:lnT>
-                    <a:lnB>
-                      <a:noFill/>
-                    </a:lnB>
-                    <a:solidFill>
-                      <a:srgbClr val="FCD5B5"/>
-                    </a:solidFill>
-                  </a:tcPr>
-                </a:tc>
-                <a:tc gridSpan="3">
-                  <a:txBody>
-                    <a:bodyPr/>
-                    <a:lstStyle/>
-                    <a:p>
-                      <a:pPr algn="l">
-                        <a:buNone/>
-                      </a:pPr>
-                      <a:r>
-                        <a:rPr lang="pl-PL" sz="900">
-                          <a:effectLst/>
-                          <a:latin typeface="Consolas" panose="020B0609020204030204" pitchFamily="49" charset="0"/>
-                        </a:rPr>
-                        <a:t>rozdíl a přiřazení</a:t>
-                      </a:r>
-                      <a:br>
-                        <a:rPr lang="pl-PL" sz="900">
-                          <a:effectLst/>
-                          <a:latin typeface="Consolas" panose="020B0609020204030204" pitchFamily="49" charset="0"/>
-                        </a:rPr>
-                      </a:br>
-                      <a:r>
-                        <a:rPr lang="pl-PL" sz="900">
-                          <a:effectLst/>
-                          <a:latin typeface="Consolas" panose="020B0609020204030204" pitchFamily="49" charset="0"/>
-                        </a:rPr>
-                        <a:t>(a-=b je jako a = a-b)</a:t>
-                      </a:r>
-                      <a:endParaRPr lang="cs-CZ" sz="900">
-                        <a:effectLst/>
-                        <a:latin typeface="Calibri" panose="020F0502020204030204" pitchFamily="34" charset="0"/>
+                        <a:latin typeface="Sans Serif"/>
                       </a:endParaRPr>
                     </a:p>
                   </a:txBody>
@@ -12388,7 +12036,7 @@
                   </a:ext>
                 </a:extLst>
               </a:tr>
-              <a:tr h="0">
+              <a:tr h="60108">
                 <a:tc>
                   <a:txBody>
                     <a:bodyPr/>
@@ -12400,12 +12048,12 @@
                       <a:br>
                         <a:rPr lang="cs-CZ" sz="100">
                           <a:effectLst/>
-                          <a:latin typeface="Consolas" panose="020B0609020204030204" pitchFamily="49" charset="0"/>
+                          <a:latin typeface="Sans Serif"/>
                         </a:rPr>
                       </a:br>
                       <a:endParaRPr lang="cs-CZ" sz="100">
                         <a:effectLst/>
-                        <a:latin typeface="Calibri" panose="020F0502020204030204" pitchFamily="34" charset="0"/>
+                        <a:latin typeface="Sans Serif"/>
                       </a:endParaRPr>
                     </a:p>
                   </a:txBody>
@@ -12436,12 +12084,12 @@
                       <a:br>
                         <a:rPr lang="cs-CZ" sz="100" dirty="0">
                           <a:effectLst/>
-                          <a:latin typeface="Consolas" panose="020B0609020204030204" pitchFamily="49" charset="0"/>
+                          <a:latin typeface="Sans Serif"/>
                         </a:rPr>
                       </a:br>
                       <a:endParaRPr lang="cs-CZ" sz="100" dirty="0">
                         <a:effectLst/>
-                        <a:latin typeface="Calibri" panose="020F0502020204030204" pitchFamily="34" charset="0"/>
+                        <a:latin typeface="Sans Serif"/>
                       </a:endParaRPr>
                     </a:p>
                   </a:txBody>
@@ -12513,7 +12161,7 @@
                   </a:ext>
                 </a:extLst>
               </a:tr>
-              <a:tr h="144733">
+              <a:tr h="182557">
                 <a:tc gridSpan="4">
                   <a:txBody>
                     <a:bodyPr/>
@@ -12523,15 +12171,15 @@
                         <a:buNone/>
                       </a:pPr>
                       <a:r>
-                        <a:rPr lang="cs-CZ" sz="900" b="1" dirty="0">
-                          <a:effectLst/>
-                          <a:latin typeface="Consolas" panose="020B0609020204030204" pitchFamily="49" charset="0"/>
+                        <a:rPr lang="cs-CZ" sz="1000" b="1" dirty="0">
+                          <a:effectLst/>
+                          <a:latin typeface="Sans Serif"/>
                         </a:rPr>
                         <a:t>Porovnání</a:t>
                       </a:r>
-                      <a:endParaRPr lang="cs-CZ" sz="900" dirty="0">
+                      <a:endParaRPr lang="cs-CZ" sz="1000" dirty="0">
                         <a:effectLst/>
-                        <a:latin typeface="Calibri" panose="020F0502020204030204" pitchFamily="34" charset="0"/>
+                        <a:latin typeface="Sans Serif"/>
                       </a:endParaRPr>
                     </a:p>
                   </a:txBody>
@@ -12589,7 +12237,7 @@
                   </a:ext>
                 </a:extLst>
               </a:tr>
-              <a:tr h="144733">
+              <a:tr h="182557">
                 <a:tc>
                   <a:txBody>
                     <a:bodyPr/>
@@ -12599,16 +12247,12 @@
                         <a:buNone/>
                       </a:pPr>
                       <a:r>
-                        <a:rPr lang="cs-CZ" sz="900">
-                          <a:effectLst/>
-                          <a:latin typeface="Consolas" panose="020B0609020204030204" pitchFamily="49" charset="0"/>
+                        <a:rPr lang="cs-CZ" sz="1000">
+                          <a:effectLst/>
+                          <a:latin typeface="Sans Serif"/>
                         </a:rPr>
                         <a:t>&gt;</a:t>
                       </a:r>
-                      <a:endParaRPr lang="cs-CZ" sz="900">
-                        <a:effectLst/>
-                        <a:latin typeface="Calibri" panose="020F0502020204030204" pitchFamily="34" charset="0"/>
-                      </a:endParaRPr>
                     </a:p>
                   </a:txBody>
                   <a:tcPr marL="29369" marR="29369" marT="14684" marB="14684">
@@ -12638,16 +12282,12 @@
                         <a:buNone/>
                       </a:pPr>
                       <a:r>
-                        <a:rPr lang="cs-CZ" sz="900" dirty="0">
-                          <a:effectLst/>
-                          <a:latin typeface="Consolas" panose="020B0609020204030204" pitchFamily="49" charset="0"/>
+                        <a:rPr lang="cs-CZ" sz="1000" dirty="0">
+                          <a:effectLst/>
+                          <a:latin typeface="Sans Serif"/>
                         </a:rPr>
                         <a:t>větší</a:t>
                       </a:r>
-                      <a:endParaRPr lang="cs-CZ" sz="900" dirty="0">
-                        <a:effectLst/>
-                        <a:latin typeface="Calibri" panose="020F0502020204030204" pitchFamily="34" charset="0"/>
-                      </a:endParaRPr>
                     </a:p>
                   </a:txBody>
                   <a:tcPr marL="29369" marR="29369" marT="14684" marB="14684">
@@ -12723,7 +12363,7 @@
                   </a:ext>
                 </a:extLst>
               </a:tr>
-              <a:tr h="144733">
+              <a:tr h="182557">
                 <a:tc>
                   <a:txBody>
                     <a:bodyPr/>
@@ -12733,16 +12373,12 @@
                         <a:buNone/>
                       </a:pPr>
                       <a:r>
-                        <a:rPr lang="cs-CZ" sz="900">
-                          <a:effectLst/>
-                          <a:latin typeface="Consolas" panose="020B0609020204030204" pitchFamily="49" charset="0"/>
+                        <a:rPr lang="cs-CZ" sz="1000">
+                          <a:effectLst/>
+                          <a:latin typeface="Sans Serif"/>
                         </a:rPr>
                         <a:t>&lt;</a:t>
                       </a:r>
-                      <a:endParaRPr lang="cs-CZ" sz="900">
-                        <a:effectLst/>
-                        <a:latin typeface="Calibri" panose="020F0502020204030204" pitchFamily="34" charset="0"/>
-                      </a:endParaRPr>
                     </a:p>
                   </a:txBody>
                   <a:tcPr marL="29369" marR="29369" marT="14684" marB="14684">
@@ -12772,16 +12408,12 @@
                         <a:buNone/>
                       </a:pPr>
                       <a:r>
-                        <a:rPr lang="cs-CZ" sz="900">
-                          <a:effectLst/>
-                          <a:latin typeface="Consolas" panose="020B0609020204030204" pitchFamily="49" charset="0"/>
+                        <a:rPr lang="cs-CZ" sz="1000" dirty="0">
+                          <a:effectLst/>
+                          <a:latin typeface="Sans Serif"/>
                         </a:rPr>
                         <a:t>menší</a:t>
                       </a:r>
-                      <a:endParaRPr lang="cs-CZ" sz="900">
-                        <a:effectLst/>
-                        <a:latin typeface="Calibri" panose="020F0502020204030204" pitchFamily="34" charset="0"/>
-                      </a:endParaRPr>
                     </a:p>
                   </a:txBody>
                   <a:tcPr marL="29369" marR="29369" marT="14684" marB="14684">
@@ -12857,7 +12489,7 @@
                   </a:ext>
                 </a:extLst>
               </a:tr>
-              <a:tr h="144733">
+              <a:tr h="182557">
                 <a:tc>
                   <a:txBody>
                     <a:bodyPr/>
@@ -12867,16 +12499,12 @@
                         <a:buNone/>
                       </a:pPr>
                       <a:r>
-                        <a:rPr lang="cs-CZ" sz="900">
-                          <a:effectLst/>
-                          <a:latin typeface="Consolas" panose="020B0609020204030204" pitchFamily="49" charset="0"/>
+                        <a:rPr lang="cs-CZ" sz="1000">
+                          <a:effectLst/>
+                          <a:latin typeface="Sans Serif"/>
                         </a:rPr>
                         <a:t>&gt;=</a:t>
                       </a:r>
-                      <a:endParaRPr lang="cs-CZ" sz="900">
-                        <a:effectLst/>
-                        <a:latin typeface="Calibri" panose="020F0502020204030204" pitchFamily="34" charset="0"/>
-                      </a:endParaRPr>
                     </a:p>
                   </a:txBody>
                   <a:tcPr marL="29369" marR="29369" marT="14684" marB="14684">
@@ -12906,16 +12534,12 @@
                         <a:buNone/>
                       </a:pPr>
                       <a:r>
-                        <a:rPr lang="cs-CZ" sz="900">
-                          <a:effectLst/>
-                          <a:latin typeface="Consolas" panose="020B0609020204030204" pitchFamily="49" charset="0"/>
+                        <a:rPr lang="cs-CZ" sz="1000">
+                          <a:effectLst/>
+                          <a:latin typeface="Sans Serif"/>
                         </a:rPr>
                         <a:t>větší nebo rovno</a:t>
                       </a:r>
-                      <a:endParaRPr lang="cs-CZ" sz="900">
-                        <a:effectLst/>
-                        <a:latin typeface="Calibri" panose="020F0502020204030204" pitchFamily="34" charset="0"/>
-                      </a:endParaRPr>
                     </a:p>
                   </a:txBody>
                   <a:tcPr marL="29369" marR="29369" marT="14684" marB="14684">
@@ -12991,7 +12615,7 @@
                   </a:ext>
                 </a:extLst>
               </a:tr>
-              <a:tr h="144733">
+              <a:tr h="182557">
                 <a:tc>
                   <a:txBody>
                     <a:bodyPr/>
@@ -13001,16 +12625,12 @@
                         <a:buNone/>
                       </a:pPr>
                       <a:r>
-                        <a:rPr lang="cs-CZ" sz="900">
-                          <a:effectLst/>
-                          <a:latin typeface="Consolas" panose="020B0609020204030204" pitchFamily="49" charset="0"/>
+                        <a:rPr lang="cs-CZ" sz="1000">
+                          <a:effectLst/>
+                          <a:latin typeface="Sans Serif"/>
                         </a:rPr>
                         <a:t>&lt;=</a:t>
                       </a:r>
-                      <a:endParaRPr lang="cs-CZ" sz="900">
-                        <a:effectLst/>
-                        <a:latin typeface="Calibri" panose="020F0502020204030204" pitchFamily="34" charset="0"/>
-                      </a:endParaRPr>
                     </a:p>
                   </a:txBody>
                   <a:tcPr marL="29369" marR="29369" marT="14684" marB="14684">
@@ -13040,16 +12660,12 @@
                         <a:buNone/>
                       </a:pPr>
                       <a:r>
-                        <a:rPr lang="cs-CZ" sz="900">
-                          <a:effectLst/>
-                          <a:latin typeface="Consolas" panose="020B0609020204030204" pitchFamily="49" charset="0"/>
+                        <a:rPr lang="cs-CZ" sz="1000">
+                          <a:effectLst/>
+                          <a:latin typeface="Sans Serif"/>
                         </a:rPr>
                         <a:t>menší nebo rovno</a:t>
                       </a:r>
-                      <a:endParaRPr lang="cs-CZ" sz="900">
-                        <a:effectLst/>
-                        <a:latin typeface="Calibri" panose="020F0502020204030204" pitchFamily="34" charset="0"/>
-                      </a:endParaRPr>
                     </a:p>
                   </a:txBody>
                   <a:tcPr marL="29369" marR="29369" marT="14684" marB="14684">
@@ -13125,7 +12741,7 @@
                   </a:ext>
                 </a:extLst>
               </a:tr>
-              <a:tr h="144733">
+              <a:tr h="182557">
                 <a:tc>
                   <a:txBody>
                     <a:bodyPr/>
@@ -13135,16 +12751,12 @@
                         <a:buNone/>
                       </a:pPr>
                       <a:r>
-                        <a:rPr lang="cs-CZ" sz="900">
-                          <a:effectLst/>
-                          <a:latin typeface="Consolas" panose="020B0609020204030204" pitchFamily="49" charset="0"/>
+                        <a:rPr lang="cs-CZ" sz="1000">
+                          <a:effectLst/>
+                          <a:latin typeface="Sans Serif"/>
                         </a:rPr>
                         <a:t>==</a:t>
                       </a:r>
-                      <a:endParaRPr lang="cs-CZ" sz="900">
-                        <a:effectLst/>
-                        <a:latin typeface="Calibri" panose="020F0502020204030204" pitchFamily="34" charset="0"/>
-                      </a:endParaRPr>
                     </a:p>
                   </a:txBody>
                   <a:tcPr marL="29369" marR="29369" marT="14684" marB="14684">
@@ -13174,16 +12786,12 @@
                         <a:buNone/>
                       </a:pPr>
                       <a:r>
-                        <a:rPr lang="cs-CZ" sz="900">
-                          <a:effectLst/>
-                          <a:latin typeface="Consolas" panose="020B0609020204030204" pitchFamily="49" charset="0"/>
+                        <a:rPr lang="cs-CZ" sz="1000">
+                          <a:effectLst/>
+                          <a:latin typeface="Sans Serif"/>
                         </a:rPr>
                         <a:t>rovná se</a:t>
                       </a:r>
-                      <a:endParaRPr lang="cs-CZ" sz="900">
-                        <a:effectLst/>
-                        <a:latin typeface="Calibri" panose="020F0502020204030204" pitchFamily="34" charset="0"/>
-                      </a:endParaRPr>
                     </a:p>
                   </a:txBody>
                   <a:tcPr marL="29369" marR="29369" marT="14684" marB="14684">
@@ -13259,7 +12867,7 @@
                   </a:ext>
                 </a:extLst>
               </a:tr>
-              <a:tr h="0">
+              <a:tr h="60108">
                 <a:tc>
                   <a:txBody>
                     <a:bodyPr/>
@@ -13271,12 +12879,12 @@
                       <a:br>
                         <a:rPr lang="cs-CZ" sz="100">
                           <a:effectLst/>
-                          <a:latin typeface="Consolas" panose="020B0609020204030204" pitchFamily="49" charset="0"/>
+                          <a:latin typeface="Sans Serif"/>
                         </a:rPr>
                       </a:br>
                       <a:endParaRPr lang="cs-CZ" sz="100">
                         <a:effectLst/>
-                        <a:latin typeface="Calibri" panose="020F0502020204030204" pitchFamily="34" charset="0"/>
+                        <a:latin typeface="Sans Serif"/>
                       </a:endParaRPr>
                     </a:p>
                   </a:txBody>
@@ -13307,12 +12915,12 @@
                       <a:br>
                         <a:rPr lang="cs-CZ" sz="100" dirty="0">
                           <a:effectLst/>
-                          <a:latin typeface="Consolas" panose="020B0609020204030204" pitchFamily="49" charset="0"/>
+                          <a:latin typeface="Sans Serif"/>
                         </a:rPr>
                       </a:br>
                       <a:endParaRPr lang="cs-CZ" sz="100" dirty="0">
                         <a:effectLst/>
-                        <a:latin typeface="Calibri" panose="020F0502020204030204" pitchFamily="34" charset="0"/>
+                        <a:latin typeface="Sans Serif"/>
                       </a:endParaRPr>
                     </a:p>
                   </a:txBody>
@@ -13384,7 +12992,7 @@
                   </a:ext>
                 </a:extLst>
               </a:tr>
-              <a:tr h="144733">
+              <a:tr h="182557">
                 <a:tc gridSpan="4">
                   <a:txBody>
                     <a:bodyPr/>
@@ -13394,15 +13002,15 @@
                         <a:buNone/>
                       </a:pPr>
                       <a:r>
-                        <a:rPr lang="cs-CZ" sz="900" b="1">
-                          <a:effectLst/>
-                          <a:latin typeface="Consolas" panose="020B0609020204030204" pitchFamily="49" charset="0"/>
+                        <a:rPr lang="cs-CZ" sz="1000" b="1">
+                          <a:effectLst/>
+                          <a:latin typeface="Sans Serif"/>
                         </a:rPr>
                         <a:t>Logické operátory</a:t>
                       </a:r>
-                      <a:endParaRPr lang="cs-CZ" sz="900">
+                      <a:endParaRPr lang="cs-CZ" sz="1000">
                         <a:effectLst/>
-                        <a:latin typeface="Calibri" panose="020F0502020204030204" pitchFamily="34" charset="0"/>
+                        <a:latin typeface="Sans Serif"/>
                       </a:endParaRPr>
                     </a:p>
                   </a:txBody>
@@ -13460,7 +13068,7 @@
                   </a:ext>
                 </a:extLst>
               </a:tr>
-              <a:tr h="144733">
+              <a:tr h="182557">
                 <a:tc>
                   <a:txBody>
                     <a:bodyPr/>
@@ -13470,16 +13078,12 @@
                         <a:buNone/>
                       </a:pPr>
                       <a:r>
-                        <a:rPr lang="cs-CZ" sz="900">
-                          <a:effectLst/>
-                          <a:latin typeface="Consolas" panose="020B0609020204030204" pitchFamily="49" charset="0"/>
+                        <a:rPr lang="cs-CZ" sz="1000">
+                          <a:effectLst/>
+                          <a:latin typeface="Sans Serif"/>
                         </a:rPr>
                         <a:t>&amp;&amp;</a:t>
                       </a:r>
-                      <a:endParaRPr lang="cs-CZ" sz="900">
-                        <a:effectLst/>
-                        <a:latin typeface="Calibri" panose="020F0502020204030204" pitchFamily="34" charset="0"/>
-                      </a:endParaRPr>
                     </a:p>
                   </a:txBody>
                   <a:tcPr marL="29369" marR="29369" marT="14684" marB="14684">
@@ -13509,16 +13113,12 @@
                         <a:buNone/>
                       </a:pPr>
                       <a:r>
-                        <a:rPr lang="cs-CZ" sz="900">
-                          <a:effectLst/>
-                          <a:latin typeface="Consolas" panose="020B0609020204030204" pitchFamily="49" charset="0"/>
+                        <a:rPr lang="cs-CZ" sz="1000">
+                          <a:effectLst/>
+                          <a:latin typeface="Sans Serif"/>
                         </a:rPr>
                         <a:t>a (AND)</a:t>
                       </a:r>
-                      <a:endParaRPr lang="cs-CZ" sz="900">
-                        <a:effectLst/>
-                        <a:latin typeface="Calibri" panose="020F0502020204030204" pitchFamily="34" charset="0"/>
-                      </a:endParaRPr>
                     </a:p>
                   </a:txBody>
                   <a:tcPr marL="29369" marR="29369" marT="14684" marB="14684">
@@ -13594,7 +13194,7 @@
                   </a:ext>
                 </a:extLst>
               </a:tr>
-              <a:tr h="144733">
+              <a:tr h="182557">
                 <a:tc>
                   <a:txBody>
                     <a:bodyPr/>
@@ -13604,16 +13204,12 @@
                         <a:buNone/>
                       </a:pPr>
                       <a:r>
-                        <a:rPr lang="cs-CZ" sz="900">
-                          <a:effectLst/>
-                          <a:latin typeface="Consolas" panose="020B0609020204030204" pitchFamily="49" charset="0"/>
+                        <a:rPr lang="cs-CZ" sz="1000">
+                          <a:effectLst/>
+                          <a:latin typeface="Sans Serif"/>
                         </a:rPr>
                         <a:t>||</a:t>
                       </a:r>
-                      <a:endParaRPr lang="cs-CZ" sz="900">
-                        <a:effectLst/>
-                        <a:latin typeface="Calibri" panose="020F0502020204030204" pitchFamily="34" charset="0"/>
-                      </a:endParaRPr>
                     </a:p>
                   </a:txBody>
                   <a:tcPr marL="29369" marR="29369" marT="14684" marB="14684">
@@ -13643,16 +13239,12 @@
                         <a:buNone/>
                       </a:pPr>
                       <a:r>
-                        <a:rPr lang="cs-CZ" sz="900">
-                          <a:effectLst/>
-                          <a:latin typeface="Consolas" panose="020B0609020204030204" pitchFamily="49" charset="0"/>
+                        <a:rPr lang="cs-CZ" sz="1000">
+                          <a:effectLst/>
+                          <a:latin typeface="Sans Serif"/>
                         </a:rPr>
                         <a:t>nebo (OR)</a:t>
                       </a:r>
-                      <a:endParaRPr lang="cs-CZ" sz="900">
-                        <a:effectLst/>
-                        <a:latin typeface="Calibri" panose="020F0502020204030204" pitchFamily="34" charset="0"/>
-                      </a:endParaRPr>
                     </a:p>
                   </a:txBody>
                   <a:tcPr marL="29369" marR="29369" marT="14684" marB="14684">
@@ -13728,7 +13320,7 @@
                   </a:ext>
                 </a:extLst>
               </a:tr>
-              <a:tr h="0">
+              <a:tr h="60108">
                 <a:tc>
                   <a:txBody>
                     <a:bodyPr/>
@@ -13740,12 +13332,12 @@
                       <a:br>
                         <a:rPr lang="cs-CZ" sz="100">
                           <a:effectLst/>
-                          <a:latin typeface="Calibri" panose="020F0502020204030204" pitchFamily="34" charset="0"/>
+                          <a:latin typeface="Sans Serif"/>
                         </a:rPr>
                       </a:br>
                       <a:endParaRPr lang="cs-CZ" sz="100">
                         <a:effectLst/>
-                        <a:latin typeface="Calibri" panose="020F0502020204030204" pitchFamily="34" charset="0"/>
+                        <a:latin typeface="Sans Serif"/>
                       </a:endParaRPr>
                     </a:p>
                   </a:txBody>
@@ -13776,12 +13368,12 @@
                       <a:br>
                         <a:rPr lang="cs-CZ" sz="100" dirty="0">
                           <a:effectLst/>
-                          <a:latin typeface="Calibri" panose="020F0502020204030204" pitchFamily="34" charset="0"/>
+                          <a:latin typeface="Sans Serif"/>
                         </a:rPr>
                       </a:br>
                       <a:endParaRPr lang="cs-CZ" sz="100" dirty="0">
                         <a:effectLst/>
-                        <a:latin typeface="Calibri" panose="020F0502020204030204" pitchFamily="34" charset="0"/>
+                        <a:latin typeface="Sans Serif"/>
                       </a:endParaRPr>
                     </a:p>
                   </a:txBody>
@@ -13853,7 +13445,7 @@
                   </a:ext>
                 </a:extLst>
               </a:tr>
-              <a:tr h="144733">
+              <a:tr h="182557">
                 <a:tc gridSpan="4">
                   <a:txBody>
                     <a:bodyPr/>
@@ -13863,15 +13455,15 @@
                         <a:buNone/>
                       </a:pPr>
                       <a:r>
-                        <a:rPr lang="cs-CZ" sz="900" b="1">
-                          <a:effectLst/>
-                          <a:latin typeface="Consolas" panose="020B0609020204030204" pitchFamily="49" charset="0"/>
+                        <a:rPr lang="cs-CZ" sz="1000" b="1">
+                          <a:effectLst/>
+                          <a:latin typeface="Sans Serif"/>
                         </a:rPr>
                         <a:t>Netisknutelné znaky</a:t>
                       </a:r>
-                      <a:endParaRPr lang="cs-CZ" sz="900">
+                      <a:endParaRPr lang="cs-CZ" sz="1000">
                         <a:effectLst/>
-                        <a:latin typeface="Calibri" panose="020F0502020204030204" pitchFamily="34" charset="0"/>
+                        <a:latin typeface="Sans Serif"/>
                       </a:endParaRPr>
                     </a:p>
                   </a:txBody>
@@ -13929,7 +13521,7 @@
                   </a:ext>
                 </a:extLst>
               </a:tr>
-              <a:tr h="144733">
+              <a:tr h="182557">
                 <a:tc>
                   <a:txBody>
                     <a:bodyPr/>
@@ -13939,16 +13531,12 @@
                         <a:buNone/>
                       </a:pPr>
                       <a:r>
-                        <a:rPr lang="cs-CZ" sz="900">
-                          <a:effectLst/>
-                          <a:latin typeface="Consolas" panose="020B0609020204030204" pitchFamily="49" charset="0"/>
+                        <a:rPr lang="cs-CZ" sz="1000">
+                          <a:effectLst/>
+                          <a:latin typeface="Sans Serif"/>
                         </a:rPr>
                         <a:t>\n</a:t>
                       </a:r>
-                      <a:endParaRPr lang="cs-CZ" sz="900">
-                        <a:effectLst/>
-                        <a:latin typeface="Calibri" panose="020F0502020204030204" pitchFamily="34" charset="0"/>
-                      </a:endParaRPr>
                     </a:p>
                   </a:txBody>
                   <a:tcPr marL="29369" marR="29369" marT="14684" marB="14684">
@@ -13978,16 +13566,12 @@
                         <a:buNone/>
                       </a:pPr>
                       <a:r>
-                        <a:rPr lang="cs-CZ" sz="900" dirty="0">
-                          <a:effectLst/>
-                          <a:latin typeface="Consolas" panose="020B0609020204030204" pitchFamily="49" charset="0"/>
+                        <a:rPr lang="cs-CZ" sz="1000" dirty="0">
+                          <a:effectLst/>
+                          <a:latin typeface="Sans Serif"/>
                         </a:rPr>
                         <a:t>nový řádek</a:t>
                       </a:r>
-                      <a:endParaRPr lang="cs-CZ" sz="900" dirty="0">
-                        <a:effectLst/>
-                        <a:latin typeface="Calibri" panose="020F0502020204030204" pitchFamily="34" charset="0"/>
-                      </a:endParaRPr>
                     </a:p>
                   </a:txBody>
                   <a:tcPr marL="29369" marR="29369" marT="14684" marB="14684">
@@ -14063,7 +13647,7 @@
                   </a:ext>
                 </a:extLst>
               </a:tr>
-              <a:tr h="202992">
+              <a:tr h="191400">
                 <a:tc>
                   <a:txBody>
                     <a:bodyPr/>
@@ -14073,16 +13657,12 @@
                         <a:buNone/>
                       </a:pPr>
                       <a:r>
-                        <a:rPr lang="cs-CZ" sz="900">
-                          <a:effectLst/>
-                          <a:latin typeface="Consolas" panose="020B0609020204030204" pitchFamily="49" charset="0"/>
+                        <a:rPr lang="cs-CZ" sz="1000">
+                          <a:effectLst/>
+                          <a:latin typeface="Sans Serif"/>
                         </a:rPr>
                         <a:t>\r</a:t>
                       </a:r>
-                      <a:endParaRPr lang="cs-CZ" sz="900">
-                        <a:effectLst/>
-                        <a:latin typeface="Calibri" panose="020F0502020204030204" pitchFamily="34" charset="0"/>
-                      </a:endParaRPr>
                     </a:p>
                   </a:txBody>
                   <a:tcPr marL="29369" marR="29369" marT="14684" marB="14684">
@@ -14112,16 +13692,12 @@
                         <a:buNone/>
                       </a:pPr>
                       <a:r>
-                        <a:rPr lang="cs-CZ" sz="900">
-                          <a:effectLst/>
-                          <a:latin typeface="Consolas" panose="020B0609020204030204" pitchFamily="49" charset="0"/>
+                        <a:rPr lang="cs-CZ" sz="1000">
+                          <a:effectLst/>
+                          <a:latin typeface="Sans Serif"/>
                         </a:rPr>
                         <a:t>návrat na začátek řádku</a:t>
                       </a:r>
-                      <a:endParaRPr lang="cs-CZ" sz="900">
-                        <a:effectLst/>
-                        <a:latin typeface="Calibri" panose="020F0502020204030204" pitchFamily="34" charset="0"/>
-                      </a:endParaRPr>
                     </a:p>
                   </a:txBody>
                   <a:tcPr marL="29369" marR="29369" marT="14684" marB="14684">
@@ -14197,7 +13773,7 @@
                   </a:ext>
                 </a:extLst>
               </a:tr>
-              <a:tr h="202992">
+              <a:tr h="191400">
                 <a:tc>
                   <a:txBody>
                     <a:bodyPr/>
@@ -14207,16 +13783,12 @@
                         <a:buNone/>
                       </a:pPr>
                       <a:r>
-                        <a:rPr lang="cs-CZ" sz="900">
-                          <a:effectLst/>
-                          <a:latin typeface="Consolas" panose="020B0609020204030204" pitchFamily="49" charset="0"/>
+                        <a:rPr lang="cs-CZ" sz="1000">
+                          <a:effectLst/>
+                          <a:latin typeface="Sans Serif"/>
                         </a:rPr>
                         <a:t>\t</a:t>
                       </a:r>
-                      <a:endParaRPr lang="cs-CZ" sz="900">
-                        <a:effectLst/>
-                        <a:latin typeface="Calibri" panose="020F0502020204030204" pitchFamily="34" charset="0"/>
-                      </a:endParaRPr>
                     </a:p>
                   </a:txBody>
                   <a:tcPr marL="29369" marR="29369" marT="14684" marB="14684">
@@ -14246,16 +13818,12 @@
                         <a:buNone/>
                       </a:pPr>
                       <a:r>
-                        <a:rPr lang="cs-CZ" sz="900" dirty="0">
-                          <a:effectLst/>
-                          <a:latin typeface="Consolas" panose="020B0609020204030204" pitchFamily="49" charset="0"/>
+                        <a:rPr lang="cs-CZ" sz="1000" dirty="0">
+                          <a:effectLst/>
+                          <a:latin typeface="Sans Serif"/>
                         </a:rPr>
                         <a:t>odsazení (tabulátor)</a:t>
                       </a:r>
-                      <a:endParaRPr lang="cs-CZ" sz="900" dirty="0">
-                        <a:effectLst/>
-                        <a:latin typeface="Calibri" panose="020F0502020204030204" pitchFamily="34" charset="0"/>
-                      </a:endParaRPr>
                     </a:p>
                   </a:txBody>
                   <a:tcPr marL="29369" marR="29369" marT="14684" marB="14684">
@@ -14350,28 +13918,28 @@
           <p:nvPr>
             <p:extLst>
               <p:ext uri="{D42A27DB-BD31-4B8C-83A1-F6EECF244321}">
-                <p14:modId xmlns:p14="http://schemas.microsoft.com/office/powerpoint/2010/main" val="2462026545"/>
+                <p14:modId xmlns:p14="http://schemas.microsoft.com/office/powerpoint/2010/main" val="84517536"/>
               </p:ext>
             </p:extLst>
           </p:nvPr>
         </p:nvGraphicFramePr>
         <p:xfrm>
-          <a:off x="3000375" y="165126"/>
-          <a:ext cx="3857625" cy="9747239"/>
+          <a:off x="3000374" y="165126"/>
+          <a:ext cx="3857626" cy="9745148"/>
         </p:xfrm>
         <a:graphic>
           <a:graphicData uri="http://schemas.openxmlformats.org/drawingml/2006/table">
             <a:tbl>
               <a:tblPr/>
               <a:tblGrid>
-                <a:gridCol w="808346">
+                <a:gridCol w="561976">
                   <a:extLst>
                     <a:ext uri="{9D8B030D-6E8A-4147-A177-3AD203B41FA5}">
                       <a16:colId xmlns:a16="http://schemas.microsoft.com/office/drawing/2014/main" val="1418525097"/>
                     </a:ext>
                   </a:extLst>
                 </a:gridCol>
-                <a:gridCol w="3049279">
+                <a:gridCol w="3295650">
                   <a:extLst>
                     <a:ext uri="{9D8B030D-6E8A-4147-A177-3AD203B41FA5}">
                       <a16:colId xmlns:a16="http://schemas.microsoft.com/office/drawing/2014/main" val="3696266511"/>
@@ -14379,7 +13947,7 @@
                   </a:extLst>
                 </a:gridCol>
               </a:tblGrid>
-              <a:tr h="2193374">
+              <a:tr h="2069117">
                 <a:tc gridSpan="2">
                   <a:txBody>
                     <a:bodyPr/>
@@ -14403,28 +13971,52 @@
                         <a:defRPr/>
                       </a:pPr>
                       <a:r>
-                        <a:rPr lang="cs-CZ" sz="900" kern="1200" dirty="0">
+                        <a:rPr lang="cs-CZ" sz="1000" kern="1200" dirty="0">
                           <a:solidFill>
                             <a:schemeClr val="tx1"/>
                           </a:solidFill>
                           <a:effectLst/>
-                          <a:latin typeface="Consolas" panose="020B0609020204030204" pitchFamily="49" charset="0"/>
+                          <a:latin typeface="Sans Serif"/>
                           <a:ea typeface="+mn-ea"/>
                           <a:cs typeface="+mn-cs"/>
                         </a:rPr>
-                        <a:t>int led_pin = 13; // definice proměnné s číslem pinu </a:t>
-                      </a:r>
-                    </a:p>
-                    <a:p>
-                      <a:pPr algn="l">
-                        <a:buNone/>
-                      </a:pPr>
-                      <a:endParaRPr lang="cs-CZ" sz="900" kern="1200" dirty="0">
+                        <a:t>// definice proměnných, </a:t>
+                      </a:r>
+                      <a:r>
+                        <a:rPr lang="cs-CZ" sz="1000" kern="1200" dirty="0" err="1">
+                          <a:solidFill>
+                            <a:schemeClr val="tx1"/>
+                          </a:solidFill>
+                          <a:effectLst/>
+                          <a:latin typeface="Sans Serif"/>
+                          <a:ea typeface="+mn-ea"/>
+                          <a:cs typeface="+mn-cs"/>
+                        </a:rPr>
+                        <a:t>include</a:t>
+                      </a:r>
+                      <a:r>
+                        <a:rPr lang="cs-CZ" sz="1000" kern="1200" dirty="0">
+                          <a:solidFill>
+                            <a:schemeClr val="tx1"/>
+                          </a:solidFill>
+                          <a:effectLst/>
+                          <a:latin typeface="Sans Serif"/>
+                          <a:ea typeface="+mn-ea"/>
+                          <a:cs typeface="+mn-cs"/>
+                        </a:rPr>
+                        <a:t> knihoven</a:t>
+                      </a:r>
+                    </a:p>
+                    <a:p>
+                      <a:pPr algn="l">
+                        <a:buNone/>
+                      </a:pPr>
+                      <a:endParaRPr lang="cs-CZ" sz="1000" kern="1200" dirty="0">
                         <a:solidFill>
                           <a:schemeClr val="tx1"/>
                         </a:solidFill>
                         <a:effectLst/>
-                        <a:latin typeface="Consolas" panose="020B0609020204030204" pitchFamily="49" charset="0"/>
+                        <a:latin typeface="Sans Serif"/>
                         <a:ea typeface="+mn-ea"/>
                         <a:cs typeface="+mn-cs"/>
                       </a:endParaRPr>
@@ -14434,53 +14026,48 @@
                         <a:buNone/>
                       </a:pPr>
                       <a:r>
-                        <a:rPr lang="cs-CZ" sz="900" kern="1200" dirty="0">
+                        <a:rPr lang="cs-CZ" sz="1000" kern="1200" dirty="0" err="1">
                           <a:solidFill>
                             <a:schemeClr val="tx1"/>
                           </a:solidFill>
                           <a:effectLst/>
-                          <a:latin typeface="Consolas" panose="020B0609020204030204" pitchFamily="49" charset="0"/>
+                          <a:latin typeface="Sans Serif"/>
                           <a:ea typeface="+mn-ea"/>
                           <a:cs typeface="+mn-cs"/>
                         </a:rPr>
-                        <a:t>// funkce setup() se spustí jen jednou, po resetu </a:t>
-                      </a:r>
-                    </a:p>
-                    <a:p>
-                      <a:pPr algn="l">
-                        <a:buNone/>
-                      </a:pPr>
-                      <a:r>
-                        <a:rPr lang="cs-CZ" sz="900" kern="1200" dirty="0">
+                        <a:t>void</a:t>
+                      </a:r>
+                      <a:r>
+                        <a:rPr lang="cs-CZ" sz="1000" kern="1200" dirty="0">
                           <a:solidFill>
                             <a:schemeClr val="tx1"/>
                           </a:solidFill>
                           <a:effectLst/>
-                          <a:latin typeface="Consolas" panose="020B0609020204030204" pitchFamily="49" charset="0"/>
+                          <a:latin typeface="Sans Serif"/>
                           <a:ea typeface="+mn-ea"/>
                           <a:cs typeface="+mn-cs"/>
                         </a:rPr>
-                        <a:t>void </a:t>
-                      </a:r>
-                      <a:r>
-                        <a:rPr lang="cs-CZ" sz="900" b="1" kern="1200" dirty="0">
+                        <a:t> </a:t>
+                      </a:r>
+                      <a:r>
+                        <a:rPr lang="cs-CZ" sz="1000" b="1" kern="1200" dirty="0">
                           <a:solidFill>
                             <a:schemeClr val="tx1"/>
                           </a:solidFill>
                           <a:effectLst/>
-                          <a:latin typeface="Consolas" panose="020B0609020204030204" pitchFamily="49" charset="0"/>
+                          <a:latin typeface="Sans Serif"/>
                           <a:ea typeface="+mn-ea"/>
                           <a:cs typeface="+mn-cs"/>
                         </a:rPr>
                         <a:t>setup</a:t>
                       </a:r>
                       <a:r>
-                        <a:rPr lang="cs-CZ" sz="900" kern="1200" dirty="0">
+                        <a:rPr lang="cs-CZ" sz="1000" kern="1200" dirty="0">
                           <a:solidFill>
                             <a:schemeClr val="tx1"/>
                           </a:solidFill>
                           <a:effectLst/>
-                          <a:latin typeface="Consolas" panose="020B0609020204030204" pitchFamily="49" charset="0"/>
+                          <a:latin typeface="Sans Serif"/>
                           <a:ea typeface="+mn-ea"/>
                           <a:cs typeface="+mn-cs"/>
                         </a:rPr>
@@ -14492,12 +14079,12 @@
                         <a:buNone/>
                       </a:pPr>
                       <a:r>
-                        <a:rPr lang="cs-CZ" sz="900" kern="1200" dirty="0">
+                        <a:rPr lang="cs-CZ" sz="1000" kern="1200" dirty="0">
                           <a:solidFill>
                             <a:schemeClr val="tx1"/>
                           </a:solidFill>
                           <a:effectLst/>
-                          <a:latin typeface="Consolas" panose="020B0609020204030204" pitchFamily="49" charset="0"/>
+                          <a:latin typeface="Sans Serif"/>
                           <a:ea typeface="+mn-ea"/>
                           <a:cs typeface="+mn-cs"/>
                         </a:rPr>
@@ -14505,60 +14092,50 @@
                       </a:r>
                     </a:p>
                     <a:p>
-                      <a:pPr algn="l">
-                        <a:buNone/>
-                      </a:pPr>
-                      <a:r>
-                        <a:rPr lang="cs-CZ" sz="900" kern="1200" dirty="0">
+                      <a:pPr marL="0" marR="0" lvl="0" indent="0" algn="l" defTabSz="685800" rtl="0" eaLnBrk="1" fontAlgn="auto" latinLnBrk="0" hangingPunct="1">
+                        <a:lnSpc>
+                          <a:spcPct val="100000"/>
+                        </a:lnSpc>
+                        <a:spcBef>
+                          <a:spcPts val="0"/>
+                        </a:spcBef>
+                        <a:spcAft>
+                          <a:spcPts val="0"/>
+                        </a:spcAft>
+                        <a:buClrTx/>
+                        <a:buSzTx/>
+                        <a:buFontTx/>
+                        <a:buNone/>
+                        <a:tabLst/>
+                        <a:defRPr/>
+                      </a:pPr>
+                      <a:r>
+                        <a:rPr lang="cs-CZ" sz="1000" kern="1200" dirty="0">
                           <a:solidFill>
                             <a:schemeClr val="tx1"/>
                           </a:solidFill>
                           <a:effectLst/>
-                          <a:latin typeface="Consolas" panose="020B0609020204030204" pitchFamily="49" charset="0"/>
+                          <a:latin typeface="Sans Serif"/>
                           <a:ea typeface="+mn-ea"/>
                           <a:cs typeface="+mn-cs"/>
                         </a:rPr>
-                        <a:t>   </a:t>
-                      </a:r>
-                      <a:r>
-                        <a:rPr lang="cs-CZ" sz="900" b="1" kern="1200" dirty="0">
+                        <a:t>   // kód ve funkci setup() se spustí jen jednou, po resetu </a:t>
+                      </a:r>
+                    </a:p>
+                    <a:p>
+                      <a:pPr algn="l">
+                        <a:buNone/>
+                      </a:pPr>
+                      <a:r>
+                        <a:rPr lang="cs-CZ" sz="1000" kern="1200" dirty="0">
                           <a:solidFill>
                             <a:schemeClr val="tx1"/>
                           </a:solidFill>
                           <a:effectLst/>
-                          <a:latin typeface="Consolas" panose="020B0609020204030204" pitchFamily="49" charset="0"/>
+                          <a:latin typeface="Sans Serif"/>
                           <a:ea typeface="+mn-ea"/>
                           <a:cs typeface="+mn-cs"/>
                         </a:rPr>
-                        <a:t>pinMode</a:t>
-                      </a:r>
-                      <a:r>
-                        <a:rPr lang="cs-CZ" sz="900" kern="1200" dirty="0">
-                          <a:solidFill>
-                            <a:schemeClr val="tx1"/>
-                          </a:solidFill>
-                          <a:effectLst/>
-                          <a:latin typeface="Consolas" panose="020B0609020204030204" pitchFamily="49" charset="0"/>
-                          <a:ea typeface="+mn-ea"/>
-                          <a:cs typeface="+mn-cs"/>
-                        </a:rPr>
-                        <a:t>(led_pin, OUTPUT); // nastaví pin jako výstup </a:t>
-                      </a:r>
-                    </a:p>
-                    <a:p>
-                      <a:pPr algn="l">
-                        <a:buNone/>
-                      </a:pPr>
-                      <a:r>
-                        <a:rPr lang="cs-CZ" sz="900" kern="1200" dirty="0">
-                          <a:solidFill>
-                            <a:schemeClr val="tx1"/>
-                          </a:solidFill>
-                          <a:effectLst/>
-                          <a:latin typeface="Consolas" panose="020B0609020204030204" pitchFamily="49" charset="0"/>
-                          <a:ea typeface="+mn-ea"/>
-                          <a:cs typeface="+mn-cs"/>
-                        </a:rPr>
                         <a:t>} </a:t>
                       </a:r>
                     </a:p>
@@ -14566,12 +14143,12 @@
                       <a:pPr algn="l">
                         <a:buNone/>
                       </a:pPr>
-                      <a:endParaRPr lang="cs-CZ" sz="900" kern="1200" dirty="0">
+                      <a:endParaRPr lang="cs-CZ" sz="1000" kern="1200" dirty="0">
                         <a:solidFill>
                           <a:schemeClr val="tx1"/>
                         </a:solidFill>
                         <a:effectLst/>
-                        <a:latin typeface="Consolas" panose="020B0609020204030204" pitchFamily="49" charset="0"/>
+                        <a:latin typeface="Sans Serif"/>
                         <a:ea typeface="+mn-ea"/>
                         <a:cs typeface="+mn-cs"/>
                       </a:endParaRPr>
@@ -14581,53 +14158,48 @@
                         <a:buNone/>
                       </a:pPr>
                       <a:r>
-                        <a:rPr lang="cs-CZ" sz="900" kern="1200" dirty="0">
+                        <a:rPr lang="cs-CZ" sz="1000" kern="1200" dirty="0" err="1">
                           <a:solidFill>
                             <a:schemeClr val="tx1"/>
                           </a:solidFill>
                           <a:effectLst/>
-                          <a:latin typeface="Consolas" panose="020B0609020204030204" pitchFamily="49" charset="0"/>
+                          <a:latin typeface="Sans Serif"/>
                           <a:ea typeface="+mn-ea"/>
                           <a:cs typeface="+mn-cs"/>
                         </a:rPr>
-                        <a:t>// funkce loop() se bude volat stále dokola </a:t>
-                      </a:r>
-                    </a:p>
-                    <a:p>
-                      <a:pPr algn="l">
-                        <a:buNone/>
-                      </a:pPr>
-                      <a:r>
-                        <a:rPr lang="cs-CZ" sz="900" kern="1200" dirty="0">
+                        <a:t>void</a:t>
+                      </a:r>
+                      <a:r>
+                        <a:rPr lang="cs-CZ" sz="1000" kern="1200" dirty="0">
                           <a:solidFill>
                             <a:schemeClr val="tx1"/>
                           </a:solidFill>
                           <a:effectLst/>
-                          <a:latin typeface="Consolas" panose="020B0609020204030204" pitchFamily="49" charset="0"/>
+                          <a:latin typeface="Sans Serif"/>
                           <a:ea typeface="+mn-ea"/>
                           <a:cs typeface="+mn-cs"/>
                         </a:rPr>
-                        <a:t>void </a:t>
-                      </a:r>
-                      <a:r>
-                        <a:rPr lang="cs-CZ" sz="900" b="1" kern="1200" dirty="0">
+                        <a:t> </a:t>
+                      </a:r>
+                      <a:r>
+                        <a:rPr lang="cs-CZ" sz="1000" b="1" kern="1200" dirty="0">
                           <a:solidFill>
                             <a:schemeClr val="tx1"/>
                           </a:solidFill>
                           <a:effectLst/>
-                          <a:latin typeface="Consolas" panose="020B0609020204030204" pitchFamily="49" charset="0"/>
+                          <a:latin typeface="Sans Serif"/>
                           <a:ea typeface="+mn-ea"/>
                           <a:cs typeface="+mn-cs"/>
                         </a:rPr>
                         <a:t>loop</a:t>
                       </a:r>
                       <a:r>
-                        <a:rPr lang="cs-CZ" sz="900" kern="1200" dirty="0">
+                        <a:rPr lang="cs-CZ" sz="1000" kern="1200" dirty="0">
                           <a:solidFill>
                             <a:schemeClr val="tx1"/>
                           </a:solidFill>
                           <a:effectLst/>
-                          <a:latin typeface="Consolas" panose="020B0609020204030204" pitchFamily="49" charset="0"/>
+                          <a:latin typeface="Sans Serif"/>
                           <a:ea typeface="+mn-ea"/>
                           <a:cs typeface="+mn-cs"/>
                         </a:rPr>
@@ -14639,12 +14211,12 @@
                         <a:buNone/>
                       </a:pPr>
                       <a:r>
-                        <a:rPr lang="cs-CZ" sz="900" kern="1200" dirty="0">
+                        <a:rPr lang="cs-CZ" sz="1000" kern="1200" dirty="0">
                           <a:solidFill>
                             <a:schemeClr val="tx1"/>
                           </a:solidFill>
                           <a:effectLst/>
-                          <a:latin typeface="Consolas" panose="020B0609020204030204" pitchFamily="49" charset="0"/>
+                          <a:latin typeface="Sans Serif"/>
                           <a:ea typeface="+mn-ea"/>
                           <a:cs typeface="+mn-cs"/>
                         </a:rPr>
@@ -14656,179 +14228,56 @@
                         <a:buNone/>
                       </a:pPr>
                       <a:r>
-                        <a:rPr lang="cs-CZ" sz="900" kern="1200" dirty="0">
+                        <a:rPr lang="cs-CZ" sz="1000" kern="1200" dirty="0">
                           <a:solidFill>
                             <a:schemeClr val="tx1"/>
                           </a:solidFill>
                           <a:effectLst/>
-                          <a:latin typeface="Consolas" panose="020B0609020204030204" pitchFamily="49" charset="0"/>
+                          <a:latin typeface="Sans Serif"/>
                           <a:ea typeface="+mn-ea"/>
                           <a:cs typeface="+mn-cs"/>
                         </a:rPr>
-                        <a:t>   </a:t>
-                      </a:r>
-                      <a:r>
-                        <a:rPr lang="cs-CZ" sz="900" b="1" kern="1200" dirty="0">
+                        <a:t>   // kód ve funkci  </a:t>
+                      </a:r>
+                      <a:r>
+                        <a:rPr lang="cs-CZ" sz="1000" kern="1200" dirty="0" err="1">
                           <a:solidFill>
                             <a:schemeClr val="tx1"/>
                           </a:solidFill>
                           <a:effectLst/>
-                          <a:latin typeface="Consolas" panose="020B0609020204030204" pitchFamily="49" charset="0"/>
+                          <a:latin typeface="Sans Serif"/>
                           <a:ea typeface="+mn-ea"/>
                           <a:cs typeface="+mn-cs"/>
                         </a:rPr>
-                        <a:t>digitalWrite</a:t>
-                      </a:r>
-                      <a:r>
-                        <a:rPr lang="cs-CZ" sz="900" kern="1200" dirty="0">
+                        <a:t>loop</a:t>
+                      </a:r>
+                      <a:r>
+                        <a:rPr lang="cs-CZ" sz="1000" kern="1200" dirty="0">
                           <a:solidFill>
                             <a:schemeClr val="tx1"/>
                           </a:solidFill>
                           <a:effectLst/>
-                          <a:latin typeface="Consolas" panose="020B0609020204030204" pitchFamily="49" charset="0"/>
+                          <a:latin typeface="Sans Serif"/>
                           <a:ea typeface="+mn-ea"/>
                           <a:cs typeface="+mn-cs"/>
                         </a:rPr>
-                        <a:t>(led_pin, HIGH); // nastav na pinu HIGH-&gt;5V </a:t>
-                      </a:r>
-                    </a:p>
-                    <a:p>
-                      <a:pPr algn="l">
-                        <a:buNone/>
-                      </a:pPr>
-                      <a:r>
-                        <a:rPr lang="cs-CZ" sz="900" kern="1200" dirty="0">
+                        <a:t>() běží v nekonečné smyčce</a:t>
+                      </a:r>
+                    </a:p>
+                    <a:p>
+                      <a:pPr algn="l">
+                        <a:buNone/>
+                      </a:pPr>
+                      <a:r>
+                        <a:rPr lang="cs-CZ" sz="1000" kern="1200" dirty="0">
                           <a:solidFill>
                             <a:schemeClr val="tx1"/>
                           </a:solidFill>
                           <a:effectLst/>
-                          <a:latin typeface="Consolas" panose="020B0609020204030204" pitchFamily="49" charset="0"/>
+                          <a:latin typeface="Sans Serif"/>
                           <a:ea typeface="+mn-ea"/>
                           <a:cs typeface="+mn-cs"/>
                         </a:rPr>
-                        <a:t>   </a:t>
-                      </a:r>
-                      <a:r>
-                        <a:rPr lang="cs-CZ" sz="900" b="1" kern="1200" dirty="0">
-                          <a:solidFill>
-                            <a:schemeClr val="tx1"/>
-                          </a:solidFill>
-                          <a:effectLst/>
-                          <a:latin typeface="Consolas" panose="020B0609020204030204" pitchFamily="49" charset="0"/>
-                          <a:ea typeface="+mn-ea"/>
-                          <a:cs typeface="+mn-cs"/>
-                        </a:rPr>
-                        <a:t>delay</a:t>
-                      </a:r>
-                      <a:r>
-                        <a:rPr lang="cs-CZ" sz="900" kern="1200" dirty="0">
-                          <a:solidFill>
-                            <a:schemeClr val="tx1"/>
-                          </a:solidFill>
-                          <a:effectLst/>
-                          <a:latin typeface="Consolas" panose="020B0609020204030204" pitchFamily="49" charset="0"/>
-                          <a:ea typeface="+mn-ea"/>
-                          <a:cs typeface="+mn-cs"/>
-                        </a:rPr>
-                        <a:t>(1000); // počkej 1000ms </a:t>
-                      </a:r>
-                    </a:p>
-                    <a:p>
-                      <a:pPr algn="l">
-                        <a:buNone/>
-                      </a:pPr>
-                      <a:r>
-                        <a:rPr lang="cs-CZ" sz="900" kern="1200" dirty="0">
-                          <a:solidFill>
-                            <a:schemeClr val="tx1"/>
-                          </a:solidFill>
-                          <a:effectLst/>
-                          <a:latin typeface="Consolas" panose="020B0609020204030204" pitchFamily="49" charset="0"/>
-                          <a:ea typeface="+mn-ea"/>
-                          <a:cs typeface="+mn-cs"/>
-                        </a:rPr>
-                        <a:t>   </a:t>
-                      </a:r>
-                      <a:r>
-                        <a:rPr lang="cs-CZ" sz="900" b="1" kern="1200" dirty="0">
-                          <a:solidFill>
-                            <a:schemeClr val="tx1"/>
-                          </a:solidFill>
-                          <a:effectLst/>
-                          <a:latin typeface="Consolas" panose="020B0609020204030204" pitchFamily="49" charset="0"/>
-                          <a:ea typeface="+mn-ea"/>
-                          <a:cs typeface="+mn-cs"/>
-                        </a:rPr>
-                        <a:t>digitalWrite</a:t>
-                      </a:r>
-                      <a:r>
-                        <a:rPr lang="cs-CZ" sz="900" kern="1200" dirty="0">
-                          <a:solidFill>
-                            <a:schemeClr val="tx1"/>
-                          </a:solidFill>
-                          <a:effectLst/>
-                          <a:latin typeface="Consolas" panose="020B0609020204030204" pitchFamily="49" charset="0"/>
-                          <a:ea typeface="+mn-ea"/>
-                          <a:cs typeface="+mn-cs"/>
-                        </a:rPr>
-                        <a:t>(led_pin, LOW); // nastav na pinu LOW-&gt;0V </a:t>
-                      </a:r>
-                    </a:p>
-                    <a:p>
-                      <a:pPr algn="l">
-                        <a:buNone/>
-                      </a:pPr>
-                      <a:r>
-                        <a:rPr lang="cs-CZ" sz="900" kern="1200" dirty="0">
-                          <a:solidFill>
-                            <a:schemeClr val="tx1"/>
-                          </a:solidFill>
-                          <a:effectLst/>
-                          <a:latin typeface="Consolas" panose="020B0609020204030204" pitchFamily="49" charset="0"/>
-                          <a:ea typeface="+mn-ea"/>
-                          <a:cs typeface="+mn-cs"/>
-                        </a:rPr>
-                        <a:t>   </a:t>
-                      </a:r>
-                      <a:r>
-                        <a:rPr lang="cs-CZ" sz="900" b="1" kern="1200" dirty="0">
-                          <a:solidFill>
-                            <a:schemeClr val="tx1"/>
-                          </a:solidFill>
-                          <a:effectLst/>
-                          <a:latin typeface="Consolas" panose="020B0609020204030204" pitchFamily="49" charset="0"/>
-                          <a:ea typeface="+mn-ea"/>
-                          <a:cs typeface="+mn-cs"/>
-                        </a:rPr>
-                        <a:t>delay</a:t>
-                      </a:r>
-                      <a:r>
-                        <a:rPr lang="cs-CZ" sz="900" kern="1200" dirty="0">
-                          <a:solidFill>
-                            <a:schemeClr val="tx1"/>
-                          </a:solidFill>
-                          <a:effectLst/>
-                          <a:latin typeface="Consolas" panose="020B0609020204030204" pitchFamily="49" charset="0"/>
-                          <a:ea typeface="+mn-ea"/>
-                          <a:cs typeface="+mn-cs"/>
-                        </a:rPr>
-                        <a:t>(1000); // počkej 1000ms </a:t>
-                      </a:r>
-                    </a:p>
-                    <a:p>
-                      <a:pPr algn="l">
-                        <a:buNone/>
-                      </a:pPr>
-                      <a:r>
-                        <a:rPr lang="cs-CZ" sz="900" kern="1200" dirty="0">
-                          <a:solidFill>
-                            <a:schemeClr val="tx1"/>
-                          </a:solidFill>
-                          <a:effectLst/>
-                          <a:latin typeface="Consolas" panose="020B0609020204030204" pitchFamily="49" charset="0"/>
-                          <a:ea typeface="+mn-ea"/>
-                          <a:cs typeface="+mn-cs"/>
-                        </a:rPr>
                         <a:t>}</a:t>
                       </a:r>
                     </a:p>
@@ -14847,7 +14296,10 @@
                       <a:noFill/>
                     </a:lnB>
                     <a:solidFill>
-                      <a:srgbClr val="FFFF00"/>
+                      <a:schemeClr val="accent4">
+                        <a:lumMod val="60000"/>
+                        <a:lumOff val="40000"/>
+                      </a:schemeClr>
                     </a:solidFill>
                   </a:tcPr>
                 </a:tc>
@@ -14867,7 +14319,7 @@
                   </a:ext>
                 </a:extLst>
               </a:tr>
-              <a:tr h="162958">
+              <a:tr h="180230">
                 <a:tc gridSpan="2">
                   <a:txBody>
                     <a:bodyPr/>
@@ -14877,15 +14329,15 @@
                         <a:buNone/>
                       </a:pPr>
                       <a:r>
-                        <a:rPr lang="cs-CZ" sz="900" b="1" dirty="0">
-                          <a:effectLst/>
-                          <a:latin typeface="Consolas" panose="020B0609020204030204" pitchFamily="49" charset="0"/>
+                        <a:rPr lang="cs-CZ" sz="1000" b="1" dirty="0">
+                          <a:effectLst/>
+                          <a:latin typeface="Sans Serif"/>
                         </a:rPr>
                         <a:t>Řídící struktury (podmínky, cykly)</a:t>
                       </a:r>
-                      <a:endParaRPr lang="cs-CZ" sz="900" dirty="0">
+                      <a:endParaRPr lang="cs-CZ" sz="1000" dirty="0">
                         <a:effectLst/>
-                        <a:latin typeface="Calibri" panose="020F0502020204030204" pitchFamily="34" charset="0"/>
+                        <a:latin typeface="Sans Serif"/>
                       </a:endParaRPr>
                     </a:p>
                   </a:txBody>
@@ -14903,7 +14355,10 @@
                       <a:noFill/>
                     </a:lnB>
                     <a:solidFill>
-                      <a:srgbClr val="C6D9F1"/>
+                      <a:schemeClr val="accent2">
+                        <a:lumMod val="40000"/>
+                        <a:lumOff val="60000"/>
+                      </a:schemeClr>
                     </a:solidFill>
                   </a:tcPr>
                 </a:tc>
@@ -14923,25 +14378,35 @@
                   </a:ext>
                 </a:extLst>
               </a:tr>
-              <a:tr h="975125">
+              <a:tr h="941665">
                 <a:tc>
                   <a:txBody>
                     <a:bodyPr/>
                     <a:lstStyle/>
                     <a:p>
-                      <a:pPr algn="l">
-                        <a:buNone/>
-                      </a:pPr>
-                      <a:r>
-                        <a:rPr lang="cs-CZ" sz="900" b="1">
-                          <a:effectLst/>
-                          <a:latin typeface="Consolas" panose="020B0609020204030204" pitchFamily="49" charset="0"/>
+                      <a:pPr marL="0" algn="l" defTabSz="685800" rtl="0" eaLnBrk="1" latinLnBrk="0" hangingPunct="1">
+                        <a:buNone/>
+                      </a:pPr>
+                      <a:r>
+                        <a:rPr lang="cs-CZ" sz="1000" b="1" kern="1200" dirty="0" err="1">
+                          <a:solidFill>
+                            <a:schemeClr val="tx1"/>
+                          </a:solidFill>
+                          <a:effectLst/>
+                          <a:latin typeface="Sans Serif"/>
+                          <a:ea typeface="+mn-ea"/>
+                          <a:cs typeface="+mn-cs"/>
                         </a:rPr>
                         <a:t>if</a:t>
                       </a:r>
-                      <a:endParaRPr lang="cs-CZ" sz="900">
+                      <a:endParaRPr lang="cs-CZ" sz="1000" b="1" kern="1200" dirty="0">
+                        <a:solidFill>
+                          <a:schemeClr val="tx1"/>
+                        </a:solidFill>
                         <a:effectLst/>
-                        <a:latin typeface="Calibri" panose="020F0502020204030204" pitchFamily="34" charset="0"/>
+                        <a:latin typeface="Sans Serif"/>
+                        <a:ea typeface="+mn-ea"/>
+                        <a:cs typeface="+mn-cs"/>
                       </a:endParaRPr>
                     </a:p>
                   </a:txBody>
@@ -14959,7 +14424,10 @@
                       <a:noFill/>
                     </a:lnB>
                     <a:solidFill>
-                      <a:srgbClr val="FFFF00"/>
+                      <a:schemeClr val="accent2">
+                        <a:lumMod val="60000"/>
+                        <a:lumOff val="40000"/>
+                      </a:schemeClr>
                     </a:solidFill>
                   </a:tcPr>
                 </a:tc>
@@ -14968,91 +14436,118 @@
                     <a:bodyPr/>
                     <a:lstStyle/>
                     <a:p>
-                      <a:pPr algn="l">
-                        <a:buNone/>
-                      </a:pPr>
-                      <a:r>
-                        <a:rPr lang="cs-CZ" sz="900" dirty="0">
-                          <a:effectLst/>
-                          <a:latin typeface="Consolas" panose="020B0609020204030204" pitchFamily="49" charset="0"/>
-                        </a:rPr>
-                        <a:t>Neúplná podmínka</a:t>
-                      </a:r>
+                      <a:pPr marL="0" algn="l" defTabSz="685800" rtl="0" eaLnBrk="1" latinLnBrk="0" hangingPunct="1">
+                        <a:buNone/>
+                      </a:pPr>
+                      <a:r>
+                        <a:rPr lang="cs-CZ" sz="1000" kern="1200" dirty="0">
+                          <a:solidFill>
+                            <a:schemeClr val="tx1"/>
+                          </a:solidFill>
+                          <a:effectLst/>
+                          <a:latin typeface="Sans Serif"/>
+                          <a:ea typeface="+mn-ea"/>
+                          <a:cs typeface="+mn-cs"/>
+                        </a:rPr>
+                        <a:t>// Neúplná podmínka</a:t>
+                      </a:r>
+                    </a:p>
+                    <a:p>
+                      <a:pPr marL="0" algn="l" defTabSz="685800" rtl="0" eaLnBrk="1" latinLnBrk="0" hangingPunct="1">
+                        <a:buNone/>
+                      </a:pPr>
                       <a:br>
-                        <a:rPr lang="cs-CZ" sz="900" dirty="0">
-                          <a:effectLst/>
-                          <a:latin typeface="Consolas" panose="020B0609020204030204" pitchFamily="49" charset="0"/>
+                        <a:rPr lang="cs-CZ" sz="1000" kern="1200" dirty="0">
+                          <a:solidFill>
+                            <a:schemeClr val="tx1"/>
+                          </a:solidFill>
+                          <a:effectLst/>
+                          <a:latin typeface="Sans Serif"/>
+                          <a:ea typeface="+mn-ea"/>
+                          <a:cs typeface="+mn-cs"/>
                         </a:rPr>
                       </a:br>
                       <a:r>
-                        <a:rPr lang="cs-CZ" sz="900" dirty="0">
-                          <a:effectLst/>
-                          <a:latin typeface="Consolas" panose="020B0609020204030204" pitchFamily="49" charset="0"/>
-                        </a:rPr>
-                        <a:t>if (podmínka) { ... }</a:t>
+                        <a:rPr lang="cs-CZ" sz="1000" kern="1200" dirty="0">
+                          <a:solidFill>
+                            <a:schemeClr val="tx1"/>
+                          </a:solidFill>
+                          <a:effectLst/>
+                          <a:latin typeface="Sans Serif"/>
+                          <a:ea typeface="+mn-ea"/>
+                          <a:cs typeface="+mn-cs"/>
+                        </a:rPr>
+                        <a:t>if (a == b)</a:t>
                       </a:r>
                       <a:br>
-                        <a:rPr lang="cs-CZ" sz="900" dirty="0">
-                          <a:effectLst/>
-                          <a:latin typeface="Consolas" panose="020B0609020204030204" pitchFamily="49" charset="0"/>
+                        <a:rPr lang="cs-CZ" sz="1000" kern="1200" dirty="0">
+                          <a:solidFill>
+                            <a:schemeClr val="tx1"/>
+                          </a:solidFill>
+                          <a:effectLst/>
+                          <a:latin typeface="Sans Serif"/>
+                          <a:ea typeface="+mn-ea"/>
+                          <a:cs typeface="+mn-cs"/>
                         </a:rPr>
                       </a:br>
+                      <a:r>
+                        <a:rPr lang="cs-CZ" sz="1000" kern="1200" dirty="0">
+                          <a:solidFill>
+                            <a:schemeClr val="tx1"/>
+                          </a:solidFill>
+                          <a:effectLst/>
+                          <a:latin typeface="Sans Serif"/>
+                          <a:ea typeface="+mn-ea"/>
+                          <a:cs typeface="+mn-cs"/>
+                        </a:rPr>
+                        <a:t>{</a:t>
+                      </a:r>
                       <a:br>
-                        <a:rPr lang="cs-CZ" sz="900" dirty="0">
-                          <a:effectLst/>
-                          <a:latin typeface="Consolas" panose="020B0609020204030204" pitchFamily="49" charset="0"/>
+                        <a:rPr lang="cs-CZ" sz="1000" kern="1200" dirty="0">
+                          <a:solidFill>
+                            <a:schemeClr val="tx1"/>
+                          </a:solidFill>
+                          <a:effectLst/>
+                          <a:latin typeface="Sans Serif"/>
+                          <a:ea typeface="+mn-ea"/>
+                          <a:cs typeface="+mn-cs"/>
                         </a:rPr>
                       </a:br>
                       <a:r>
-                        <a:rPr lang="cs-CZ" sz="900" dirty="0">
-                          <a:effectLst/>
-                          <a:latin typeface="Consolas" panose="020B0609020204030204" pitchFamily="49" charset="0"/>
-                        </a:rPr>
-                        <a:t>if(a==b)</a:t>
+                        <a:rPr lang="cs-CZ" sz="1000" kern="1200" dirty="0">
+                          <a:solidFill>
+                            <a:schemeClr val="tx1"/>
+                          </a:solidFill>
+                          <a:effectLst/>
+                          <a:latin typeface="Sans Serif"/>
+                          <a:ea typeface="+mn-ea"/>
+                          <a:cs typeface="+mn-cs"/>
+                        </a:rPr>
+                        <a:t>   Serial.println("Obě čísla jsou stejná");</a:t>
                       </a:r>
                       <a:br>
-                        <a:rPr lang="cs-CZ" sz="900" dirty="0">
-                          <a:effectLst/>
-                          <a:latin typeface="Consolas" panose="020B0609020204030204" pitchFamily="49" charset="0"/>
+                        <a:rPr lang="cs-CZ" sz="1000" kern="1200" dirty="0">
+                          <a:solidFill>
+                            <a:schemeClr val="tx1"/>
+                          </a:solidFill>
+                          <a:effectLst/>
+                          <a:latin typeface="Sans Serif"/>
+                          <a:ea typeface="+mn-ea"/>
+                          <a:cs typeface="+mn-cs"/>
                         </a:rPr>
                       </a:br>
                       <a:r>
-                        <a:rPr lang="cs-CZ" sz="900" dirty="0">
-                          <a:effectLst/>
-                          <a:latin typeface="Consolas" panose="020B0609020204030204" pitchFamily="49" charset="0"/>
-                        </a:rPr>
-                        <a:t>{</a:t>
-                      </a:r>
-                      <a:br>
-                        <a:rPr lang="cs-CZ" sz="900" dirty="0">
-                          <a:effectLst/>
-                          <a:latin typeface="Consolas" panose="020B0609020204030204" pitchFamily="49" charset="0"/>
-                        </a:rPr>
-                      </a:br>
-                      <a:r>
-                        <a:rPr lang="cs-CZ" sz="900" dirty="0">
-                          <a:effectLst/>
-                          <a:latin typeface="Consolas" panose="020B0609020204030204" pitchFamily="49" charset="0"/>
-                        </a:rPr>
-                        <a:t>Serial.println("Obě čísla jsou stejná");</a:t>
-                      </a:r>
-                      <a:br>
-                        <a:rPr lang="cs-CZ" sz="900" dirty="0">
-                          <a:effectLst/>
-                          <a:latin typeface="Consolas" panose="020B0609020204030204" pitchFamily="49" charset="0"/>
-                        </a:rPr>
-                      </a:br>
-                      <a:r>
-                        <a:rPr lang="cs-CZ" sz="900" dirty="0">
-                          <a:effectLst/>
-                          <a:latin typeface="Consolas" panose="020B0609020204030204" pitchFamily="49" charset="0"/>
+                        <a:rPr lang="cs-CZ" sz="1000" kern="1200" dirty="0">
+                          <a:solidFill>
+                            <a:schemeClr val="tx1"/>
+                          </a:solidFill>
+                          <a:effectLst/>
+                          <a:latin typeface="Sans Serif"/>
+                          <a:ea typeface="+mn-ea"/>
+                          <a:cs typeface="+mn-cs"/>
                         </a:rPr>
                         <a:t>}</a:t>
                       </a:r>
-                      <a:endParaRPr lang="cs-CZ" sz="900" dirty="0">
-                        <a:effectLst/>
-                        <a:latin typeface="Calibri" panose="020F0502020204030204" pitchFamily="34" charset="0"/>
-                      </a:endParaRPr>
                     </a:p>
                   </a:txBody>
                   <a:tcPr marL="27964" marR="27964" marT="13982" marB="13982">
@@ -15069,7 +14564,10 @@
                       <a:noFill/>
                     </a:lnB>
                     <a:solidFill>
-                      <a:srgbClr val="FFFF00"/>
+                      <a:schemeClr val="accent2">
+                        <a:lumMod val="60000"/>
+                        <a:lumOff val="40000"/>
+                      </a:schemeClr>
                     </a:solidFill>
                   </a:tcPr>
                 </a:tc>
@@ -15079,7 +14577,7 @@
                   </a:ext>
                 </a:extLst>
               </a:tr>
-              <a:tr h="1651930">
+              <a:tr h="1550812">
                 <a:tc>
                   <a:txBody>
                     <a:bodyPr/>
@@ -15089,15 +14587,15 @@
                         <a:buNone/>
                       </a:pPr>
                       <a:r>
-                        <a:rPr lang="cs-CZ" sz="900" b="1" dirty="0">
-                          <a:effectLst/>
-                          <a:latin typeface="Consolas" panose="020B0609020204030204" pitchFamily="49" charset="0"/>
+                        <a:rPr lang="cs-CZ" sz="1000" b="1" dirty="0">
+                          <a:effectLst/>
+                          <a:latin typeface="Sans Serif"/>
                         </a:rPr>
                         <a:t>if-else</a:t>
                       </a:r>
-                      <a:endParaRPr lang="cs-CZ" sz="900" dirty="0">
+                      <a:endParaRPr lang="cs-CZ" sz="1000" dirty="0">
                         <a:effectLst/>
-                        <a:latin typeface="Calibri" panose="020F0502020204030204" pitchFamily="34" charset="0"/>
+                        <a:latin typeface="Sans Serif"/>
                       </a:endParaRPr>
                     </a:p>
                   </a:txBody>
@@ -15115,7 +14613,10 @@
                       <a:noFill/>
                     </a:lnB>
                     <a:solidFill>
-                      <a:srgbClr val="C6D9F1"/>
+                      <a:schemeClr val="accent2">
+                        <a:lumMod val="40000"/>
+                        <a:lumOff val="60000"/>
+                      </a:schemeClr>
                     </a:solidFill>
                   </a:tcPr>
                 </a:tc>
@@ -15128,152 +14629,121 @@
                         <a:buNone/>
                       </a:pPr>
                       <a:r>
-                        <a:rPr lang="cs-CZ" sz="900" dirty="0">
-                          <a:effectLst/>
-                          <a:latin typeface="Consolas" panose="020B0609020204030204" pitchFamily="49" charset="0"/>
-                        </a:rPr>
-                        <a:t>Úplná podmínka</a:t>
-                      </a:r>
+                        <a:rPr lang="cs-CZ" sz="1000" dirty="0">
+                          <a:effectLst/>
+                          <a:latin typeface="Sans Serif"/>
+                        </a:rPr>
+                        <a:t>// Úplná podmínka</a:t>
+                      </a:r>
+                    </a:p>
+                    <a:p>
+                      <a:pPr algn="l">
+                        <a:buNone/>
+                      </a:pPr>
                       <a:br>
-                        <a:rPr lang="cs-CZ" sz="900" dirty="0">
-                          <a:effectLst/>
-                          <a:latin typeface="Consolas" panose="020B0609020204030204" pitchFamily="49" charset="0"/>
+                        <a:rPr lang="cs-CZ" sz="1000" dirty="0">
+                          <a:effectLst/>
+                          <a:latin typeface="Sans Serif"/>
                         </a:rPr>
                       </a:br>
                       <a:r>
-                        <a:rPr lang="cs-CZ" sz="900" dirty="0">
-                          <a:effectLst/>
-                          <a:latin typeface="Consolas" panose="020B0609020204030204" pitchFamily="49" charset="0"/>
-                        </a:rPr>
-                        <a:t>if (podmínka) { ... }</a:t>
+                        <a:rPr lang="cs-CZ" sz="1000" dirty="0">
+                          <a:effectLst/>
+                          <a:latin typeface="Sans Serif"/>
+                        </a:rPr>
+                        <a:t>if (a == b)</a:t>
                       </a:r>
                       <a:br>
-                        <a:rPr lang="cs-CZ" sz="900" dirty="0">
-                          <a:effectLst/>
-                          <a:latin typeface="Consolas" panose="020B0609020204030204" pitchFamily="49" charset="0"/>
+                        <a:rPr lang="cs-CZ" sz="1000" dirty="0">
+                          <a:effectLst/>
+                          <a:latin typeface="Sans Serif"/>
                         </a:rPr>
                       </a:br>
                       <a:r>
-                        <a:rPr lang="cs-CZ" sz="900" dirty="0">
-                          <a:effectLst/>
-                          <a:latin typeface="Consolas" panose="020B0609020204030204" pitchFamily="49" charset="0"/>
-                        </a:rPr>
-                        <a:t>else { ... }</a:t>
+                        <a:rPr lang="cs-CZ" sz="1000" dirty="0">
+                          <a:effectLst/>
+                          <a:latin typeface="Sans Serif"/>
+                        </a:rPr>
+                        <a:t>{</a:t>
                       </a:r>
                       <a:br>
-                        <a:rPr lang="cs-CZ" sz="900" dirty="0">
-                          <a:effectLst/>
-                          <a:latin typeface="Consolas" panose="020B0609020204030204" pitchFamily="49" charset="0"/>
+                        <a:rPr lang="cs-CZ" sz="1000" dirty="0">
+                          <a:effectLst/>
+                          <a:latin typeface="Sans Serif"/>
                         </a:rPr>
                       </a:br>
+                      <a:r>
+                        <a:rPr lang="cs-CZ" sz="1000" dirty="0">
+                          <a:effectLst/>
+                          <a:latin typeface="Sans Serif"/>
+                        </a:rPr>
+                        <a:t>   Serial.println("Obě čísla jsou stejná");</a:t>
+                      </a:r>
                       <a:br>
-                        <a:rPr lang="cs-CZ" sz="900" dirty="0">
-                          <a:effectLst/>
-                          <a:latin typeface="Consolas" panose="020B0609020204030204" pitchFamily="49" charset="0"/>
+                        <a:rPr lang="cs-CZ" sz="1000" dirty="0">
+                          <a:effectLst/>
+                          <a:latin typeface="Sans Serif"/>
                         </a:rPr>
                       </a:br>
                       <a:r>
-                        <a:rPr lang="cs-CZ" sz="900" dirty="0">
-                          <a:effectLst/>
-                          <a:latin typeface="Consolas" panose="020B0609020204030204" pitchFamily="49" charset="0"/>
-                        </a:rPr>
-                        <a:t>if(a==b)</a:t>
+                        <a:rPr lang="cs-CZ" sz="1000" dirty="0">
+                          <a:effectLst/>
+                          <a:latin typeface="Sans Serif"/>
+                        </a:rPr>
+                        <a:t>}</a:t>
                       </a:r>
                       <a:br>
-                        <a:rPr lang="cs-CZ" sz="900" dirty="0">
-                          <a:effectLst/>
-                          <a:latin typeface="Consolas" panose="020B0609020204030204" pitchFamily="49" charset="0"/>
+                        <a:rPr lang="cs-CZ" sz="1000" dirty="0">
+                          <a:effectLst/>
+                          <a:latin typeface="Sans Serif"/>
                         </a:rPr>
                       </a:br>
                       <a:r>
-                        <a:rPr lang="cs-CZ" sz="900" dirty="0">
-                          <a:effectLst/>
-                          <a:latin typeface="Consolas" panose="020B0609020204030204" pitchFamily="49" charset="0"/>
+                        <a:rPr lang="cs-CZ" sz="1000" dirty="0">
+                          <a:effectLst/>
+                          <a:latin typeface="Sans Serif"/>
+                        </a:rPr>
+                        <a:t>else</a:t>
+                      </a:r>
+                      <a:br>
+                        <a:rPr lang="cs-CZ" sz="1000" dirty="0">
+                          <a:effectLst/>
+                          <a:latin typeface="Sans Serif"/>
+                        </a:rPr>
+                      </a:br>
+                      <a:r>
+                        <a:rPr lang="cs-CZ" sz="1000" dirty="0">
+                          <a:effectLst/>
+                          <a:latin typeface="Sans Serif"/>
                         </a:rPr>
                         <a:t>{</a:t>
                       </a:r>
                       <a:br>
-                        <a:rPr lang="cs-CZ" sz="900" dirty="0">
-                          <a:effectLst/>
-                          <a:latin typeface="Consolas" panose="020B0609020204030204" pitchFamily="49" charset="0"/>
+                        <a:rPr lang="cs-CZ" sz="1000" dirty="0">
+                          <a:effectLst/>
+                          <a:latin typeface="Sans Serif"/>
                         </a:rPr>
                       </a:br>
                       <a:r>
-                        <a:rPr lang="cs-CZ" sz="900" dirty="0">
-                          <a:effectLst/>
-                          <a:latin typeface="Consolas" panose="020B0609020204030204" pitchFamily="49" charset="0"/>
-                        </a:rPr>
-                        <a:t>Serial.println("Obě čísla jsou stejná");</a:t>
+                        <a:rPr lang="cs-CZ" sz="1000" dirty="0">
+                          <a:effectLst/>
+                          <a:latin typeface="Sans Serif"/>
+                        </a:rPr>
+                        <a:t>Serial.println("Čísla se navzájem liší.");</a:t>
                       </a:r>
                       <a:br>
-                        <a:rPr lang="cs-CZ" sz="900" dirty="0">
-                          <a:effectLst/>
-                          <a:latin typeface="Consolas" panose="020B0609020204030204" pitchFamily="49" charset="0"/>
+                        <a:rPr lang="cs-CZ" sz="1000" dirty="0">
+                          <a:effectLst/>
+                          <a:latin typeface="Sans Serif"/>
                         </a:rPr>
                       </a:br>
                       <a:r>
-                        <a:rPr lang="cs-CZ" sz="900" dirty="0">
-                          <a:effectLst/>
-                          <a:latin typeface="Consolas" panose="020B0609020204030204" pitchFamily="49" charset="0"/>
+                        <a:rPr lang="cs-CZ" sz="1000" dirty="0">
+                          <a:effectLst/>
+                          <a:latin typeface="Sans Serif"/>
                         </a:rPr>
                         <a:t>}</a:t>
                       </a:r>
-                      <a:br>
-                        <a:rPr lang="cs-CZ" sz="900" dirty="0">
-                          <a:effectLst/>
-                          <a:latin typeface="Consolas" panose="020B0609020204030204" pitchFamily="49" charset="0"/>
-                        </a:rPr>
-                      </a:br>
-                      <a:r>
-                        <a:rPr lang="cs-CZ" sz="900" dirty="0">
-                          <a:effectLst/>
-                          <a:latin typeface="Consolas" panose="020B0609020204030204" pitchFamily="49" charset="0"/>
-                        </a:rPr>
-                        <a:t>else</a:t>
-                      </a:r>
-                      <a:br>
-                        <a:rPr lang="cs-CZ" sz="900" dirty="0">
-                          <a:effectLst/>
-                          <a:latin typeface="Consolas" panose="020B0609020204030204" pitchFamily="49" charset="0"/>
-                        </a:rPr>
-                      </a:br>
-                      <a:r>
-                        <a:rPr lang="cs-CZ" sz="900" dirty="0">
-                          <a:effectLst/>
-                          <a:latin typeface="Consolas" panose="020B0609020204030204" pitchFamily="49" charset="0"/>
-                        </a:rPr>
-                        <a:t>{</a:t>
-                      </a:r>
-                      <a:br>
-                        <a:rPr lang="cs-CZ" sz="900" dirty="0">
-                          <a:effectLst/>
-                          <a:latin typeface="Consolas" panose="020B0609020204030204" pitchFamily="49" charset="0"/>
-                        </a:rPr>
-                      </a:br>
-                      <a:r>
-                        <a:rPr lang="cs-CZ" sz="900" dirty="0">
-                          <a:effectLst/>
-                          <a:latin typeface="Consolas" panose="020B0609020204030204" pitchFamily="49" charset="0"/>
-                        </a:rPr>
-                        <a:t>Serial.println("Čísla se navzájem liší.");</a:t>
-                      </a:r>
-                      <a:br>
-                        <a:rPr lang="cs-CZ" sz="900" dirty="0">
-                          <a:effectLst/>
-                          <a:latin typeface="Consolas" panose="020B0609020204030204" pitchFamily="49" charset="0"/>
-                        </a:rPr>
-                      </a:br>
-                      <a:r>
-                        <a:rPr lang="cs-CZ" sz="900" dirty="0">
-                          <a:effectLst/>
-                          <a:latin typeface="Consolas" panose="020B0609020204030204" pitchFamily="49" charset="0"/>
-                        </a:rPr>
-                        <a:t>}</a:t>
-                      </a:r>
-                      <a:endParaRPr lang="cs-CZ" sz="900" dirty="0">
-                        <a:effectLst/>
-                        <a:latin typeface="Calibri" panose="020F0502020204030204" pitchFamily="34" charset="0"/>
-                      </a:endParaRPr>
                     </a:p>
                   </a:txBody>
                   <a:tcPr marL="27964" marR="27964" marT="13982" marB="13982">
@@ -15290,7 +14760,10 @@
                       <a:noFill/>
                     </a:lnB>
                     <a:solidFill>
-                      <a:srgbClr val="C6D9F1"/>
+                      <a:schemeClr val="accent2">
+                        <a:lumMod val="40000"/>
+                        <a:lumOff val="60000"/>
+                      </a:schemeClr>
                     </a:solidFill>
                   </a:tcPr>
                 </a:tc>
@@ -15300,7 +14773,7 @@
                   </a:ext>
                 </a:extLst>
               </a:tr>
-              <a:tr h="975125">
+              <a:tr h="944235">
                 <a:tc>
                   <a:txBody>
                     <a:bodyPr/>
@@ -15310,15 +14783,15 @@
                         <a:buNone/>
                       </a:pPr>
                       <a:r>
-                        <a:rPr lang="cs-CZ" sz="900" b="1">
-                          <a:effectLst/>
-                          <a:latin typeface="Consolas" panose="020B0609020204030204" pitchFamily="49" charset="0"/>
+                        <a:rPr lang="cs-CZ" sz="1000" b="1">
+                          <a:effectLst/>
+                          <a:latin typeface="Sans Serif"/>
                         </a:rPr>
                         <a:t>for</a:t>
                       </a:r>
-                      <a:endParaRPr lang="cs-CZ" sz="900">
+                      <a:endParaRPr lang="cs-CZ" sz="1000">
                         <a:effectLst/>
-                        <a:latin typeface="Calibri" panose="020F0502020204030204" pitchFamily="34" charset="0"/>
+                        <a:latin typeface="Sans Serif"/>
                       </a:endParaRPr>
                     </a:p>
                   </a:txBody>
@@ -15336,7 +14809,10 @@
                       <a:noFill/>
                     </a:lnB>
                     <a:solidFill>
-                      <a:srgbClr val="FFFF00"/>
+                      <a:schemeClr val="accent2">
+                        <a:lumMod val="60000"/>
+                        <a:lumOff val="40000"/>
+                      </a:schemeClr>
                     </a:solidFill>
                   </a:tcPr>
                 </a:tc>
@@ -15349,87 +14825,73 @@
                         <a:buNone/>
                       </a:pPr>
                       <a:r>
-                        <a:rPr lang="cs-CZ" sz="900" dirty="0">
-                          <a:effectLst/>
-                          <a:latin typeface="Consolas" panose="020B0609020204030204" pitchFamily="49" charset="0"/>
-                        </a:rPr>
-                        <a:t>Cyklus se známým počtem opakovaní</a:t>
+                        <a:rPr lang="cs-CZ" sz="1000" dirty="0">
+                          <a:effectLst/>
+                          <a:latin typeface="Sans Serif"/>
+                        </a:rPr>
+                        <a:t>// Cyklus se známým počtem opakovaní</a:t>
                       </a:r>
                       <a:br>
-                        <a:rPr lang="cs-CZ" sz="900" dirty="0">
-                          <a:effectLst/>
-                          <a:latin typeface="Consolas" panose="020B0609020204030204" pitchFamily="49" charset="0"/>
+                        <a:rPr lang="cs-CZ" sz="1000" dirty="0">
+                          <a:effectLst/>
+                          <a:latin typeface="Sans Serif"/>
                         </a:rPr>
                       </a:br>
-                      <a:r>
-                        <a:rPr lang="cs-CZ" sz="900" dirty="0">
-                          <a:effectLst/>
-                          <a:latin typeface="Consolas" panose="020B0609020204030204" pitchFamily="49" charset="0"/>
-                        </a:rPr>
-                        <a:t>for(start; podmínka; krok) { … }</a:t>
+                      <a:endParaRPr lang="cs-CZ" sz="1000" dirty="0">
+                        <a:effectLst/>
+                        <a:latin typeface="Sans Serif"/>
+                      </a:endParaRPr>
+                    </a:p>
+                    <a:p>
+                      <a:pPr algn="l">
+                        <a:buNone/>
+                      </a:pPr>
+                      <a:r>
+                        <a:rPr lang="cs-CZ" sz="1000" dirty="0">
+                          <a:effectLst/>
+                          <a:latin typeface="Sans Serif"/>
+                        </a:rPr>
+                        <a:t>for (int i = 0; i &lt; 10; i++)</a:t>
                       </a:r>
                       <a:br>
-                        <a:rPr lang="cs-CZ" sz="900" dirty="0">
-                          <a:effectLst/>
-                          <a:latin typeface="Consolas" panose="020B0609020204030204" pitchFamily="49" charset="0"/>
+                        <a:rPr lang="cs-CZ" sz="1000" dirty="0">
+                          <a:effectLst/>
+                          <a:latin typeface="Sans Serif"/>
                         </a:rPr>
                       </a:br>
+                      <a:r>
+                        <a:rPr lang="cs-CZ" sz="1000" dirty="0">
+                          <a:effectLst/>
+                          <a:latin typeface="Sans Serif"/>
+                        </a:rPr>
+                        <a:t>{</a:t>
+                      </a:r>
                       <a:br>
-                        <a:rPr lang="cs-CZ" sz="900" dirty="0">
-                          <a:effectLst/>
-                          <a:latin typeface="Consolas" panose="020B0609020204030204" pitchFamily="49" charset="0"/>
+                        <a:rPr lang="cs-CZ" sz="1000" dirty="0">
+                          <a:effectLst/>
+                          <a:latin typeface="Sans Serif"/>
                         </a:rPr>
                       </a:br>
                       <a:r>
-                        <a:rPr lang="cs-CZ" sz="900" dirty="0">
-                          <a:effectLst/>
-                          <a:latin typeface="Consolas" panose="020B0609020204030204" pitchFamily="49" charset="0"/>
-                        </a:rPr>
-                        <a:t>for(int i=0; i&lt;=10; i++)</a:t>
+                        <a:rPr lang="cs-CZ" sz="1000" dirty="0">
+                          <a:effectLst/>
+                          <a:latin typeface="Sans Serif"/>
+                        </a:rPr>
+                        <a:t>   Serial.println(i);</a:t>
                       </a:r>
                       <a:br>
-                        <a:rPr lang="cs-CZ" sz="900" dirty="0">
-                          <a:effectLst/>
-                          <a:latin typeface="Consolas" panose="020B0609020204030204" pitchFamily="49" charset="0"/>
+                        <a:rPr lang="cs-CZ" sz="1000" dirty="0">
+                          <a:effectLst/>
+                          <a:latin typeface="Sans Serif"/>
                         </a:rPr>
                       </a:br>
                       <a:r>
-                        <a:rPr lang="cs-CZ" sz="900" dirty="0">
-                          <a:effectLst/>
-                          <a:latin typeface="Consolas" panose="020B0609020204030204" pitchFamily="49" charset="0"/>
-                        </a:rPr>
-                        <a:t>{</a:t>
-                      </a:r>
-                      <a:br>
-                        <a:rPr lang="cs-CZ" sz="900" dirty="0">
-                          <a:effectLst/>
-                          <a:latin typeface="Consolas" panose="020B0609020204030204" pitchFamily="49" charset="0"/>
-                        </a:rPr>
-                      </a:br>
-                      <a:r>
-                        <a:rPr lang="cs-CZ" sz="900" dirty="0">
-                          <a:effectLst/>
-                          <a:latin typeface="Consolas" panose="020B0609020204030204" pitchFamily="49" charset="0"/>
-                        </a:rPr>
-                        <a:t>Serial.println(i);</a:t>
-                      </a:r>
-                      <a:br>
-                        <a:rPr lang="cs-CZ" sz="900" dirty="0">
-                          <a:effectLst/>
-                          <a:latin typeface="Consolas" panose="020B0609020204030204" pitchFamily="49" charset="0"/>
-                        </a:rPr>
-                      </a:br>
-                      <a:r>
-                        <a:rPr lang="cs-CZ" sz="900" dirty="0">
-                          <a:effectLst/>
-                          <a:latin typeface="Consolas" panose="020B0609020204030204" pitchFamily="49" charset="0"/>
+                        <a:rPr lang="cs-CZ" sz="1000" dirty="0">
+                          <a:effectLst/>
+                          <a:latin typeface="Sans Serif"/>
                         </a:rPr>
                         <a:t>}</a:t>
                       </a:r>
-                      <a:endParaRPr lang="cs-CZ" sz="900" dirty="0">
-                        <a:effectLst/>
-                        <a:latin typeface="Calibri" panose="020F0502020204030204" pitchFamily="34" charset="0"/>
-                      </a:endParaRPr>
                     </a:p>
                   </a:txBody>
                   <a:tcPr marL="27964" marR="27964" marT="13982" marB="13982">
@@ -15446,7 +14908,10 @@
                       <a:noFill/>
                     </a:lnB>
                     <a:solidFill>
-                      <a:srgbClr val="FFFF00"/>
+                      <a:schemeClr val="accent2">
+                        <a:lumMod val="60000"/>
+                        <a:lumOff val="40000"/>
+                      </a:schemeClr>
                     </a:solidFill>
                   </a:tcPr>
                 </a:tc>
@@ -15456,7 +14921,7 @@
                   </a:ext>
                 </a:extLst>
               </a:tr>
-              <a:tr h="1245847">
+              <a:tr h="1246238">
                 <a:tc>
                   <a:txBody>
                     <a:bodyPr/>
@@ -15466,15 +14931,15 @@
                         <a:buNone/>
                       </a:pPr>
                       <a:r>
-                        <a:rPr lang="cs-CZ" sz="900" b="1" dirty="0">
-                          <a:effectLst/>
-                          <a:latin typeface="Consolas" panose="020B0609020204030204" pitchFamily="49" charset="0"/>
+                        <a:rPr lang="cs-CZ" sz="1000" b="1" dirty="0">
+                          <a:effectLst/>
+                          <a:latin typeface="Sans Serif"/>
                         </a:rPr>
                         <a:t>while</a:t>
                       </a:r>
-                      <a:endParaRPr lang="cs-CZ" sz="900" dirty="0">
+                      <a:endParaRPr lang="cs-CZ" sz="1000" dirty="0">
                         <a:effectLst/>
-                        <a:latin typeface="Calibri" panose="020F0502020204030204" pitchFamily="34" charset="0"/>
+                        <a:latin typeface="Sans Serif"/>
                       </a:endParaRPr>
                     </a:p>
                   </a:txBody>
@@ -15492,7 +14957,10 @@
                       <a:noFill/>
                     </a:lnB>
                     <a:solidFill>
-                      <a:srgbClr val="C6D9F1"/>
+                      <a:schemeClr val="accent2">
+                        <a:lumMod val="40000"/>
+                        <a:lumOff val="60000"/>
+                      </a:schemeClr>
                     </a:solidFill>
                   </a:tcPr>
                 </a:tc>
@@ -15505,120 +14973,99 @@
                         <a:buNone/>
                       </a:pPr>
                       <a:r>
-                        <a:rPr lang="cs-CZ" sz="900" dirty="0">
-                          <a:effectLst/>
-                          <a:latin typeface="Consolas" panose="020B0609020204030204" pitchFamily="49" charset="0"/>
-                        </a:rPr>
-                        <a:t>Cyklus s neznámym počtem opakovaní</a:t>
+                        <a:rPr lang="cs-CZ" sz="1000" dirty="0">
+                          <a:effectLst/>
+                          <a:latin typeface="Sans Serif"/>
+                        </a:rPr>
+                        <a:t>// Cyklus s neznámym počtem opakovaní</a:t>
                       </a:r>
                       <a:br>
-                        <a:rPr lang="cs-CZ" sz="900" dirty="0">
-                          <a:effectLst/>
-                          <a:latin typeface="Consolas" panose="020B0609020204030204" pitchFamily="49" charset="0"/>
+                        <a:rPr lang="cs-CZ" sz="1000" dirty="0">
+                          <a:effectLst/>
+                          <a:latin typeface="Sans Serif"/>
                         </a:rPr>
                       </a:br>
-                      <a:r>
-                        <a:rPr lang="cs-CZ" sz="900" dirty="0">
-                          <a:effectLst/>
-                          <a:latin typeface="Consolas" panose="020B0609020204030204" pitchFamily="49" charset="0"/>
-                        </a:rPr>
-                        <a:t>a podmínkou na začátku</a:t>
+                      <a:endParaRPr lang="cs-CZ" sz="1000" dirty="0">
+                        <a:effectLst/>
+                        <a:latin typeface="Sans Serif"/>
+                      </a:endParaRPr>
+                    </a:p>
+                    <a:p>
+                      <a:pPr algn="l">
+                        <a:buNone/>
+                      </a:pPr>
+                      <a:r>
+                        <a:rPr lang="cs-CZ" sz="1000" dirty="0">
+                          <a:effectLst/>
+                          <a:latin typeface="Sans Serif"/>
+                        </a:rPr>
+                        <a:t>int i = 0;</a:t>
                       </a:r>
                       <a:br>
-                        <a:rPr lang="cs-CZ" sz="900" dirty="0">
-                          <a:effectLst/>
-                          <a:latin typeface="Consolas" panose="020B0609020204030204" pitchFamily="49" charset="0"/>
+                        <a:rPr lang="cs-CZ" sz="1000" dirty="0">
+                          <a:effectLst/>
+                          <a:latin typeface="Sans Serif"/>
                         </a:rPr>
                       </a:br>
                       <a:r>
-                        <a:rPr lang="cs-CZ" sz="900" dirty="0">
-                          <a:effectLst/>
-                          <a:latin typeface="Consolas" panose="020B0609020204030204" pitchFamily="49" charset="0"/>
-                        </a:rPr>
-                        <a:t>while(podmínka) { ... }</a:t>
+                        <a:rPr lang="cs-CZ" sz="1000" dirty="0">
+                          <a:effectLst/>
+                          <a:latin typeface="Sans Serif"/>
+                        </a:rPr>
+                        <a:t>while (i &lt; 10)</a:t>
                       </a:r>
                       <a:br>
-                        <a:rPr lang="cs-CZ" sz="900" dirty="0">
-                          <a:effectLst/>
-                          <a:latin typeface="Consolas" panose="020B0609020204030204" pitchFamily="49" charset="0"/>
+                        <a:rPr lang="cs-CZ" sz="1000" dirty="0">
+                          <a:effectLst/>
+                          <a:latin typeface="Sans Serif"/>
                         </a:rPr>
                       </a:br>
                       <a:r>
-                        <a:rPr lang="cs-CZ" sz="900" dirty="0">
-                          <a:effectLst/>
-                          <a:latin typeface="Consolas" panose="020B0609020204030204" pitchFamily="49" charset="0"/>
-                        </a:rPr>
-                        <a:t>int i=1;</a:t>
+                        <a:rPr lang="cs-CZ" sz="1000" dirty="0">
+                          <a:effectLst/>
+                          <a:latin typeface="Sans Serif"/>
+                        </a:rPr>
+                        <a:t>{</a:t>
                       </a:r>
                       <a:br>
-                        <a:rPr lang="cs-CZ" sz="900" dirty="0">
-                          <a:effectLst/>
-                          <a:latin typeface="Consolas" panose="020B0609020204030204" pitchFamily="49" charset="0"/>
+                        <a:rPr lang="cs-CZ" sz="1000" dirty="0">
+                          <a:effectLst/>
+                          <a:latin typeface="Sans Serif"/>
                         </a:rPr>
                       </a:br>
                       <a:r>
-                        <a:rPr lang="cs-CZ" sz="900" dirty="0">
-                          <a:effectLst/>
-                          <a:latin typeface="Consolas" panose="020B0609020204030204" pitchFamily="49" charset="0"/>
-                        </a:rPr>
-                        <a:t>while(i&lt;=10)</a:t>
+                        <a:rPr lang="cs-CZ" sz="1000" dirty="0">
+                          <a:effectLst/>
+                          <a:latin typeface="Sans Serif"/>
+                        </a:rPr>
+                        <a:t>   Serial.println(i);</a:t>
                       </a:r>
                       <a:br>
-                        <a:rPr lang="cs-CZ" sz="900" dirty="0">
-                          <a:effectLst/>
-                          <a:latin typeface="Consolas" panose="020B0609020204030204" pitchFamily="49" charset="0"/>
+                        <a:rPr lang="cs-CZ" sz="1000" dirty="0">
+                          <a:effectLst/>
+                          <a:latin typeface="Sans Serif"/>
                         </a:rPr>
                       </a:br>
                       <a:r>
-                        <a:rPr lang="cs-CZ" sz="900" dirty="0">
-                          <a:effectLst/>
-                          <a:latin typeface="Consolas" panose="020B0609020204030204" pitchFamily="49" charset="0"/>
-                        </a:rPr>
-                        <a:t>{</a:t>
+                        <a:rPr lang="cs-CZ" sz="1000" dirty="0">
+                          <a:effectLst/>
+                          <a:latin typeface="Sans Serif"/>
+                        </a:rPr>
+                        <a:t>   i++;</a:t>
                       </a:r>
                       <a:br>
-                        <a:rPr lang="cs-CZ" sz="900" dirty="0">
-                          <a:effectLst/>
-                          <a:latin typeface="Consolas" panose="020B0609020204030204" pitchFamily="49" charset="0"/>
+                        <a:rPr lang="cs-CZ" sz="1000" dirty="0">
+                          <a:effectLst/>
+                          <a:latin typeface="Sans Serif"/>
                         </a:rPr>
                       </a:br>
                       <a:r>
-                        <a:rPr lang="cs-CZ" sz="900" dirty="0">
-                          <a:effectLst/>
-                          <a:latin typeface="Consolas" panose="020B0609020204030204" pitchFamily="49" charset="0"/>
-                        </a:rPr>
-                        <a:t>Serial.println(i);</a:t>
-                      </a:r>
-                      <a:br>
-                        <a:rPr lang="cs-CZ" sz="900" dirty="0">
-                          <a:effectLst/>
-                          <a:latin typeface="Consolas" panose="020B0609020204030204" pitchFamily="49" charset="0"/>
-                        </a:rPr>
-                      </a:br>
-                      <a:r>
-                        <a:rPr lang="cs-CZ" sz="900" dirty="0">
-                          <a:effectLst/>
-                          <a:latin typeface="Consolas" panose="020B0609020204030204" pitchFamily="49" charset="0"/>
-                        </a:rPr>
-                        <a:t>i++;</a:t>
-                      </a:r>
-                      <a:br>
-                        <a:rPr lang="cs-CZ" sz="900" dirty="0">
-                          <a:effectLst/>
-                          <a:latin typeface="Consolas" panose="020B0609020204030204" pitchFamily="49" charset="0"/>
-                        </a:rPr>
-                      </a:br>
-                      <a:r>
-                        <a:rPr lang="cs-CZ" sz="900" dirty="0">
-                          <a:effectLst/>
-                          <a:latin typeface="Consolas" panose="020B0609020204030204" pitchFamily="49" charset="0"/>
+                        <a:rPr lang="cs-CZ" sz="1000" dirty="0">
+                          <a:effectLst/>
+                          <a:latin typeface="Sans Serif"/>
                         </a:rPr>
                         <a:t>}</a:t>
                       </a:r>
-                      <a:endParaRPr lang="cs-CZ" sz="900" dirty="0">
-                        <a:effectLst/>
-                        <a:latin typeface="Calibri" panose="020F0502020204030204" pitchFamily="34" charset="0"/>
-                      </a:endParaRPr>
                     </a:p>
                   </a:txBody>
                   <a:tcPr marL="27964" marR="27964" marT="13982" marB="13982">
@@ -15635,7 +15082,10 @@
                       <a:noFill/>
                     </a:lnB>
                     <a:solidFill>
-                      <a:srgbClr val="C6D9F1"/>
+                      <a:schemeClr val="accent2">
+                        <a:lumMod val="40000"/>
+                        <a:lumOff val="60000"/>
+                      </a:schemeClr>
                     </a:solidFill>
                   </a:tcPr>
                 </a:tc>
@@ -15645,7 +15095,7 @@
                   </a:ext>
                 </a:extLst>
               </a:tr>
-              <a:tr h="1516569">
+              <a:tr h="1855386">
                 <a:tc>
                   <a:txBody>
                     <a:bodyPr/>
@@ -15655,15 +15105,15 @@
                         <a:buNone/>
                       </a:pPr>
                       <a:r>
-                        <a:rPr lang="cs-CZ" sz="900" b="1" dirty="0">
-                          <a:effectLst/>
-                          <a:latin typeface="Consolas" panose="020B0609020204030204" pitchFamily="49" charset="0"/>
+                        <a:rPr lang="cs-CZ" sz="1000" b="1" dirty="0">
+                          <a:effectLst/>
+                          <a:latin typeface="Sans Serif"/>
                         </a:rPr>
                         <a:t>switch</a:t>
                       </a:r>
-                      <a:endParaRPr lang="cs-CZ" sz="900" dirty="0">
+                      <a:endParaRPr lang="cs-CZ" sz="1000" dirty="0">
                         <a:effectLst/>
-                        <a:latin typeface="Calibri" panose="020F0502020204030204" pitchFamily="34" charset="0"/>
+                        <a:latin typeface="Sans Serif"/>
                       </a:endParaRPr>
                     </a:p>
                   </a:txBody>
@@ -15681,7 +15131,10 @@
                       <a:noFill/>
                     </a:lnB>
                     <a:solidFill>
-                      <a:srgbClr val="FFFF00"/>
+                      <a:schemeClr val="accent2">
+                        <a:lumMod val="60000"/>
+                        <a:lumOff val="40000"/>
+                      </a:schemeClr>
                     </a:solidFill>
                   </a:tcPr>
                 </a:tc>
@@ -15692,242 +15145,303 @@
                     <a:p>
                       <a:pPr fontAlgn="t"/>
                       <a:r>
-                        <a:rPr lang="cs-CZ" sz="900" kern="1200" dirty="0">
+                        <a:rPr lang="cs-CZ" sz="1000" kern="1200" dirty="0">
                           <a:solidFill>
                             <a:schemeClr val="tx1"/>
                           </a:solidFill>
                           <a:effectLst/>
-                          <a:latin typeface="Consolas" panose="020B0609020204030204" pitchFamily="49" charset="0"/>
+                          <a:latin typeface="Sans Serif"/>
                           <a:ea typeface="+mn-ea"/>
                           <a:cs typeface="+mn-cs"/>
                         </a:rPr>
-                        <a:t>Přepínač podle hodnoty proměnné</a:t>
+                        <a:t>// Přepínač podle hodnoty proměnné</a:t>
                       </a:r>
                       <a:br>
-                        <a:rPr lang="cs-CZ" sz="900" kern="1200" dirty="0">
+                        <a:rPr lang="cs-CZ" sz="1000" kern="1200" dirty="0">
                           <a:solidFill>
                             <a:schemeClr val="tx1"/>
                           </a:solidFill>
                           <a:effectLst/>
-                          <a:latin typeface="Consolas" panose="020B0609020204030204" pitchFamily="49" charset="0"/>
+                          <a:latin typeface="Sans Serif"/>
                           <a:ea typeface="+mn-ea"/>
                           <a:cs typeface="+mn-cs"/>
                         </a:rPr>
                       </a:br>
-                      <a:r>
-                        <a:rPr lang="cs-CZ" sz="900" kern="1200" dirty="0">
+                      <a:endParaRPr lang="cs-CZ" sz="1000" kern="1200" dirty="0">
+                        <a:solidFill>
+                          <a:schemeClr val="tx1"/>
+                        </a:solidFill>
+                        <a:effectLst/>
+                        <a:latin typeface="Sans Serif"/>
+                        <a:ea typeface="+mn-ea"/>
+                        <a:cs typeface="+mn-cs"/>
+                      </a:endParaRPr>
+                    </a:p>
+                    <a:p>
+                      <a:pPr fontAlgn="t"/>
+                      <a:r>
+                        <a:rPr lang="cs-CZ" sz="1000" kern="1200" dirty="0">
                           <a:solidFill>
                             <a:schemeClr val="tx1"/>
                           </a:solidFill>
                           <a:effectLst/>
-                          <a:latin typeface="Consolas" panose="020B0609020204030204" pitchFamily="49" charset="0"/>
+                          <a:latin typeface="Sans Serif"/>
                           <a:ea typeface="+mn-ea"/>
                           <a:cs typeface="+mn-cs"/>
                         </a:rPr>
                         <a:t>switch (klavesa)</a:t>
                       </a:r>
                       <a:br>
-                        <a:rPr lang="cs-CZ" sz="900" kern="1200" dirty="0">
+                        <a:rPr lang="cs-CZ" sz="1000" kern="1200" dirty="0">
                           <a:solidFill>
                             <a:schemeClr val="tx1"/>
                           </a:solidFill>
                           <a:effectLst/>
-                          <a:latin typeface="Consolas" panose="020B0609020204030204" pitchFamily="49" charset="0"/>
+                          <a:latin typeface="Sans Serif"/>
                           <a:ea typeface="+mn-ea"/>
                           <a:cs typeface="+mn-cs"/>
                         </a:rPr>
                       </a:br>
                       <a:r>
-                        <a:rPr lang="cs-CZ" sz="900" kern="1200" dirty="0">
+                        <a:rPr lang="cs-CZ" sz="1000" kern="1200" dirty="0">
                           <a:solidFill>
                             <a:schemeClr val="tx1"/>
                           </a:solidFill>
                           <a:effectLst/>
-                          <a:latin typeface="Consolas" panose="020B0609020204030204" pitchFamily="49" charset="0"/>
+                          <a:latin typeface="Sans Serif"/>
                           <a:ea typeface="+mn-ea"/>
                           <a:cs typeface="+mn-cs"/>
                         </a:rPr>
                         <a:t>{</a:t>
                       </a:r>
                       <a:br>
-                        <a:rPr lang="cs-CZ" sz="900" kern="1200" dirty="0">
+                        <a:rPr lang="cs-CZ" sz="1000" kern="1200" dirty="0">
                           <a:solidFill>
                             <a:schemeClr val="tx1"/>
                           </a:solidFill>
                           <a:effectLst/>
-                          <a:latin typeface="Consolas" panose="020B0609020204030204" pitchFamily="49" charset="0"/>
+                          <a:latin typeface="Sans Serif"/>
                           <a:ea typeface="+mn-ea"/>
                           <a:cs typeface="+mn-cs"/>
                         </a:rPr>
                       </a:br>
                       <a:r>
-                        <a:rPr lang="cs-CZ" sz="900" kern="1200" dirty="0">
+                        <a:rPr lang="cs-CZ" sz="1000" dirty="0">
+                          <a:effectLst/>
+                          <a:latin typeface="Sans Serif"/>
+                        </a:rPr>
+                        <a:t> </a:t>
+                      </a:r>
+                      <a:r>
+                        <a:rPr lang="cs-CZ" sz="1000" kern="1200" dirty="0">
                           <a:solidFill>
                             <a:schemeClr val="tx1"/>
                           </a:solidFill>
                           <a:effectLst/>
-                          <a:latin typeface="Consolas" panose="020B0609020204030204" pitchFamily="49" charset="0"/>
+                          <a:latin typeface="Sans Serif"/>
                           <a:ea typeface="+mn-ea"/>
                           <a:cs typeface="+mn-cs"/>
                         </a:rPr>
                         <a:t>case 1: Serial.println(„Klávesa jedna.");</a:t>
                       </a:r>
                       <a:br>
-                        <a:rPr lang="cs-CZ" sz="900" kern="1200" dirty="0">
+                        <a:rPr lang="cs-CZ" sz="1000" kern="1200" dirty="0">
                           <a:solidFill>
                             <a:schemeClr val="tx1"/>
                           </a:solidFill>
                           <a:effectLst/>
-                          <a:latin typeface="Consolas" panose="020B0609020204030204" pitchFamily="49" charset="0"/>
+                          <a:latin typeface="Sans Serif"/>
                           <a:ea typeface="+mn-ea"/>
                           <a:cs typeface="+mn-cs"/>
                         </a:rPr>
                       </a:br>
                       <a:r>
-                        <a:rPr lang="cs-CZ" sz="900" kern="1200" dirty="0">
+                        <a:rPr lang="cs-CZ" sz="1000" dirty="0">
+                          <a:effectLst/>
+                          <a:latin typeface="Sans Serif"/>
+                        </a:rPr>
+                        <a:t> </a:t>
+                      </a:r>
+                      <a:r>
+                        <a:rPr lang="cs-CZ" sz="1000" kern="1200" dirty="0">
                           <a:solidFill>
                             <a:schemeClr val="tx1"/>
                           </a:solidFill>
                           <a:effectLst/>
-                          <a:latin typeface="Consolas" panose="020B0609020204030204" pitchFamily="49" charset="0"/>
+                          <a:latin typeface="Sans Serif"/>
                           <a:ea typeface="+mn-ea"/>
                           <a:cs typeface="+mn-cs"/>
                         </a:rPr>
                         <a:t>break;</a:t>
                       </a:r>
                       <a:br>
-                        <a:rPr lang="cs-CZ" sz="900" kern="1200" dirty="0">
+                        <a:rPr lang="cs-CZ" sz="1000" kern="1200" dirty="0">
                           <a:solidFill>
                             <a:schemeClr val="tx1"/>
                           </a:solidFill>
                           <a:effectLst/>
-                          <a:latin typeface="Consolas" panose="020B0609020204030204" pitchFamily="49" charset="0"/>
+                          <a:latin typeface="Sans Serif"/>
                           <a:ea typeface="+mn-ea"/>
                           <a:cs typeface="+mn-cs"/>
                         </a:rPr>
                       </a:br>
                       <a:r>
-                        <a:rPr lang="cs-CZ" sz="900" kern="1200" dirty="0">
+                        <a:rPr lang="cs-CZ" sz="1000" dirty="0">
+                          <a:effectLst/>
+                          <a:latin typeface="Sans Serif"/>
+                        </a:rPr>
+                        <a:t> </a:t>
+                      </a:r>
+                      <a:r>
+                        <a:rPr lang="cs-CZ" sz="1000" kern="1200" dirty="0">
                           <a:solidFill>
                             <a:schemeClr val="tx1"/>
                           </a:solidFill>
                           <a:effectLst/>
-                          <a:latin typeface="Consolas" panose="020B0609020204030204" pitchFamily="49" charset="0"/>
+                          <a:latin typeface="Sans Serif"/>
                           <a:ea typeface="+mn-ea"/>
                           <a:cs typeface="+mn-cs"/>
                         </a:rPr>
                         <a:t>case 2: Serial.println(„Klávesa dvě.");</a:t>
                       </a:r>
                       <a:br>
-                        <a:rPr lang="cs-CZ" sz="900" kern="1200" dirty="0">
+                        <a:rPr lang="cs-CZ" sz="1000" kern="1200" dirty="0">
                           <a:solidFill>
                             <a:schemeClr val="tx1"/>
                           </a:solidFill>
                           <a:effectLst/>
-                          <a:latin typeface="Consolas" panose="020B0609020204030204" pitchFamily="49" charset="0"/>
+                          <a:latin typeface="Sans Serif"/>
                           <a:ea typeface="+mn-ea"/>
                           <a:cs typeface="+mn-cs"/>
                         </a:rPr>
                       </a:br>
                       <a:r>
-                        <a:rPr lang="cs-CZ" sz="900" kern="1200" dirty="0">
+                        <a:rPr lang="cs-CZ" sz="1000" dirty="0">
+                          <a:effectLst/>
+                          <a:latin typeface="Sans Serif"/>
+                        </a:rPr>
+                        <a:t> </a:t>
+                      </a:r>
+                      <a:r>
+                        <a:rPr lang="cs-CZ" sz="1000" kern="1200" dirty="0">
                           <a:solidFill>
                             <a:schemeClr val="tx1"/>
                           </a:solidFill>
                           <a:effectLst/>
-                          <a:latin typeface="Consolas" panose="020B0609020204030204" pitchFamily="49" charset="0"/>
+                          <a:latin typeface="Sans Serif"/>
                           <a:ea typeface="+mn-ea"/>
                           <a:cs typeface="+mn-cs"/>
                         </a:rPr>
                         <a:t>break;</a:t>
                       </a:r>
                       <a:br>
-                        <a:rPr lang="cs-CZ" sz="900" kern="1200" dirty="0">
+                        <a:rPr lang="cs-CZ" sz="1000" kern="1200" dirty="0">
                           <a:solidFill>
                             <a:schemeClr val="tx1"/>
                           </a:solidFill>
                           <a:effectLst/>
-                          <a:latin typeface="Consolas" panose="020B0609020204030204" pitchFamily="49" charset="0"/>
+                          <a:latin typeface="Sans Serif"/>
                           <a:ea typeface="+mn-ea"/>
                           <a:cs typeface="+mn-cs"/>
                         </a:rPr>
                       </a:br>
                       <a:r>
-                        <a:rPr lang="cs-CZ" sz="900" kern="1200" dirty="0">
+                        <a:rPr lang="cs-CZ" sz="1000" dirty="0">
+                          <a:effectLst/>
+                          <a:latin typeface="Sans Serif"/>
+                        </a:rPr>
+                        <a:t> </a:t>
+                      </a:r>
+                      <a:r>
+                        <a:rPr lang="cs-CZ" sz="1000" kern="1200" dirty="0">
                           <a:solidFill>
                             <a:schemeClr val="tx1"/>
                           </a:solidFill>
                           <a:effectLst/>
-                          <a:latin typeface="Consolas" panose="020B0609020204030204" pitchFamily="49" charset="0"/>
+                          <a:latin typeface="Sans Serif"/>
                           <a:ea typeface="+mn-ea"/>
                           <a:cs typeface="+mn-cs"/>
                         </a:rPr>
                         <a:t>case 8: Serial.println(„Klávesa tři.");</a:t>
                       </a:r>
                       <a:br>
-                        <a:rPr lang="cs-CZ" sz="900" kern="1200" dirty="0">
+                        <a:rPr lang="cs-CZ" sz="1000" kern="1200" dirty="0">
                           <a:solidFill>
                             <a:schemeClr val="tx1"/>
                           </a:solidFill>
                           <a:effectLst/>
-                          <a:latin typeface="Consolas" panose="020B0609020204030204" pitchFamily="49" charset="0"/>
+                          <a:latin typeface="Sans Serif"/>
                           <a:ea typeface="+mn-ea"/>
                           <a:cs typeface="+mn-cs"/>
                         </a:rPr>
                       </a:br>
                       <a:r>
-                        <a:rPr lang="cs-CZ" sz="900" kern="1200" dirty="0">
+                        <a:rPr lang="cs-CZ" sz="1000" dirty="0">
+                          <a:effectLst/>
+                          <a:latin typeface="Sans Serif"/>
+                        </a:rPr>
+                        <a:t> </a:t>
+                      </a:r>
+                      <a:r>
+                        <a:rPr lang="cs-CZ" sz="1000" kern="1200" dirty="0">
                           <a:solidFill>
                             <a:schemeClr val="tx1"/>
                           </a:solidFill>
                           <a:effectLst/>
-                          <a:latin typeface="Consolas" panose="020B0609020204030204" pitchFamily="49" charset="0"/>
+                          <a:latin typeface="Sans Serif"/>
                           <a:ea typeface="+mn-ea"/>
                           <a:cs typeface="+mn-cs"/>
                         </a:rPr>
                         <a:t>break;</a:t>
                       </a:r>
                       <a:br>
-                        <a:rPr lang="cs-CZ" sz="900" kern="1200" dirty="0">
+                        <a:rPr lang="cs-CZ" sz="1000" kern="1200" dirty="0">
                           <a:solidFill>
                             <a:schemeClr val="tx1"/>
                           </a:solidFill>
                           <a:effectLst/>
-                          <a:latin typeface="Consolas" panose="020B0609020204030204" pitchFamily="49" charset="0"/>
+                          <a:latin typeface="Sans Serif"/>
                           <a:ea typeface="+mn-ea"/>
                           <a:cs typeface="+mn-cs"/>
                         </a:rPr>
                       </a:br>
                       <a:r>
-                        <a:rPr lang="cs-CZ" sz="900" kern="1200" dirty="0">
+                        <a:rPr lang="cs-CZ" sz="1000" dirty="0">
+                          <a:effectLst/>
+                          <a:latin typeface="Sans Serif"/>
+                        </a:rPr>
+                        <a:t> </a:t>
+                      </a:r>
+                      <a:r>
+                        <a:rPr lang="cs-CZ" sz="1000" kern="1200" dirty="0">
                           <a:solidFill>
                             <a:schemeClr val="tx1"/>
                           </a:solidFill>
                           <a:effectLst/>
-                          <a:latin typeface="Consolas" panose="020B0609020204030204" pitchFamily="49" charset="0"/>
+                          <a:latin typeface="Sans Serif"/>
                           <a:ea typeface="+mn-ea"/>
                           <a:cs typeface="+mn-cs"/>
                         </a:rPr>
                         <a:t>default: Serial.println("Neplatné číslo.");</a:t>
                       </a:r>
                       <a:br>
-                        <a:rPr lang="cs-CZ" sz="900" kern="1200" dirty="0">
+                        <a:rPr lang="cs-CZ" sz="1000" kern="1200" dirty="0">
                           <a:solidFill>
                             <a:schemeClr val="tx1"/>
                           </a:solidFill>
                           <a:effectLst/>
-                          <a:latin typeface="Consolas" panose="020B0609020204030204" pitchFamily="49" charset="0"/>
+                          <a:latin typeface="Sans Serif"/>
                           <a:ea typeface="+mn-ea"/>
                           <a:cs typeface="+mn-cs"/>
                         </a:rPr>
                       </a:br>
                       <a:r>
-                        <a:rPr lang="cs-CZ" sz="900" kern="1200" dirty="0">
+                        <a:rPr lang="cs-CZ" sz="1000" kern="1200" dirty="0">
                           <a:solidFill>
                             <a:schemeClr val="tx1"/>
                           </a:solidFill>
                           <a:effectLst/>
-                          <a:latin typeface="Consolas" panose="020B0609020204030204" pitchFamily="49" charset="0"/>
+                          <a:latin typeface="Sans Serif"/>
                           <a:ea typeface="+mn-ea"/>
                           <a:cs typeface="+mn-cs"/>
                         </a:rPr>
@@ -15949,7 +15463,10 @@
                       <a:noFill/>
                     </a:lnB>
                     <a:solidFill>
-                      <a:srgbClr val="FFFF00"/>
+                      <a:schemeClr val="accent2">
+                        <a:lumMod val="60000"/>
+                        <a:lumOff val="40000"/>
+                      </a:schemeClr>
                     </a:solidFill>
                   </a:tcPr>
                 </a:tc>
@@ -15959,7 +15476,7 @@
                   </a:ext>
                 </a:extLst>
               </a:tr>
-              <a:tr h="569041">
+              <a:tr h="595771">
                 <a:tc>
                   <a:txBody>
                     <a:bodyPr/>
@@ -15969,15 +15486,15 @@
                         <a:buNone/>
                       </a:pPr>
                       <a:r>
-                        <a:rPr lang="cs-CZ" sz="900" b="1">
-                          <a:effectLst/>
-                          <a:latin typeface="Consolas" panose="020B0609020204030204" pitchFamily="49" charset="0"/>
+                        <a:rPr lang="cs-CZ" sz="1000" b="1">
+                          <a:effectLst/>
+                          <a:latin typeface="Sans Serif"/>
                         </a:rPr>
                         <a:t>break</a:t>
                       </a:r>
-                      <a:endParaRPr lang="cs-CZ" sz="900">
+                      <a:endParaRPr lang="cs-CZ" sz="1000">
                         <a:effectLst/>
-                        <a:latin typeface="Calibri" panose="020F0502020204030204" pitchFamily="34" charset="0"/>
+                        <a:latin typeface="Sans Serif"/>
                       </a:endParaRPr>
                     </a:p>
                   </a:txBody>
@@ -15995,7 +15512,10 @@
                       <a:noFill/>
                     </a:lnB>
                     <a:solidFill>
-                      <a:srgbClr val="C6D9F1"/>
+                      <a:schemeClr val="accent2">
+                        <a:lumMod val="40000"/>
+                        <a:lumOff val="60000"/>
+                      </a:schemeClr>
                     </a:solidFill>
                   </a:tcPr>
                 </a:tc>
@@ -16008,16 +15528,12 @@
                         <a:buNone/>
                       </a:pPr>
                       <a:r>
-                        <a:rPr lang="cs-CZ" sz="900" dirty="0">
-                          <a:effectLst/>
-                          <a:latin typeface="Consolas" panose="020B0609020204030204" pitchFamily="49" charset="0"/>
+                        <a:rPr lang="cs-CZ" sz="1000" dirty="0">
+                          <a:effectLst/>
+                          <a:latin typeface="Sans Serif"/>
                         </a:rPr>
                         <a:t>V těle cyklu for a while umožňuje přeskočit zbytek cyklu a celý cyklus ukončit. Program pak pokračuje dalšími příkazy za ukončeným cyklem.</a:t>
                       </a:r>
-                      <a:endParaRPr lang="cs-CZ" sz="900" dirty="0">
-                        <a:effectLst/>
-                        <a:latin typeface="Calibri" panose="020F0502020204030204" pitchFamily="34" charset="0"/>
-                      </a:endParaRPr>
                     </a:p>
                   </a:txBody>
                   <a:tcPr marL="27964" marR="27964" marT="13982" marB="13982">
@@ -16034,7 +15550,10 @@
                       <a:noFill/>
                     </a:lnB>
                     <a:solidFill>
-                      <a:srgbClr val="C6D9F1"/>
+                      <a:schemeClr val="accent2">
+                        <a:lumMod val="40000"/>
+                        <a:lumOff val="60000"/>
+                      </a:schemeClr>
                     </a:solidFill>
                   </a:tcPr>
                 </a:tc>
@@ -16044,7 +15563,7 @@
                   </a:ext>
                 </a:extLst>
               </a:tr>
-              <a:tr h="341370">
+              <a:tr h="357405">
                 <a:tc>
                   <a:txBody>
                     <a:bodyPr/>
@@ -16054,15 +15573,15 @@
                         <a:buNone/>
                       </a:pPr>
                       <a:r>
-                        <a:rPr lang="cs-CZ" sz="900" b="1">
-                          <a:effectLst/>
-                          <a:latin typeface="Consolas" panose="020B0609020204030204" pitchFamily="49" charset="0"/>
+                        <a:rPr lang="cs-CZ" sz="1000" b="1">
+                          <a:effectLst/>
+                          <a:latin typeface="Sans Serif"/>
                         </a:rPr>
                         <a:t>continue</a:t>
                       </a:r>
-                      <a:endParaRPr lang="cs-CZ" sz="900">
+                      <a:endParaRPr lang="cs-CZ" sz="1000">
                         <a:effectLst/>
-                        <a:latin typeface="Calibri" panose="020F0502020204030204" pitchFamily="34" charset="0"/>
+                        <a:latin typeface="Sans Serif"/>
                       </a:endParaRPr>
                     </a:p>
                   </a:txBody>
@@ -16080,7 +15599,10 @@
                       <a:noFill/>
                     </a:lnB>
                     <a:solidFill>
-                      <a:srgbClr val="FFFF00"/>
+                      <a:schemeClr val="accent2">
+                        <a:lumMod val="60000"/>
+                        <a:lumOff val="40000"/>
+                      </a:schemeClr>
                     </a:solidFill>
                   </a:tcPr>
                 </a:tc>
@@ -16093,16 +15615,12 @@
                         <a:buNone/>
                       </a:pPr>
                       <a:r>
-                        <a:rPr lang="cs-CZ" sz="900" dirty="0">
-                          <a:effectLst/>
-                          <a:latin typeface="Consolas" panose="020B0609020204030204" pitchFamily="49" charset="0"/>
+                        <a:rPr lang="cs-CZ" sz="1000" dirty="0">
+                          <a:effectLst/>
+                          <a:latin typeface="Sans Serif"/>
                         </a:rPr>
                         <a:t>V těle cyklu umožňuje přeskočit zbytek těla cyklu a pokračovat od začátku cyklu</a:t>
                       </a:r>
-                      <a:endParaRPr lang="cs-CZ" sz="900" dirty="0">
-                        <a:effectLst/>
-                        <a:latin typeface="Calibri" panose="020F0502020204030204" pitchFamily="34" charset="0"/>
-                      </a:endParaRPr>
                     </a:p>
                   </a:txBody>
                   <a:tcPr marL="27964" marR="27964" marT="13982" marB="13982">
@@ -16119,7 +15637,10 @@
                       <a:noFill/>
                     </a:lnB>
                     <a:solidFill>
-                      <a:srgbClr val="FFFF00"/>
+                      <a:schemeClr val="accent2">
+                        <a:lumMod val="60000"/>
+                        <a:lumOff val="40000"/>
+                      </a:schemeClr>
                     </a:solidFill>
                   </a:tcPr>
                 </a:tc>
@@ -16148,21 +15669,21 @@
           <p:nvPr>
             <p:extLst>
               <p:ext uri="{D42A27DB-BD31-4B8C-83A1-F6EECF244321}">
-                <p14:modId xmlns:p14="http://schemas.microsoft.com/office/powerpoint/2010/main" val="637533748"/>
+                <p14:modId xmlns:p14="http://schemas.microsoft.com/office/powerpoint/2010/main" val="2877225841"/>
               </p:ext>
             </p:extLst>
           </p:nvPr>
         </p:nvGraphicFramePr>
         <p:xfrm>
-          <a:off x="3048001" y="0"/>
-          <a:ext cx="3810000" cy="165124"/>
+          <a:off x="3000375" y="0"/>
+          <a:ext cx="3857626" cy="180364"/>
         </p:xfrm>
         <a:graphic>
           <a:graphicData uri="http://schemas.openxmlformats.org/drawingml/2006/table">
             <a:tbl>
               <a:tblPr/>
               <a:tblGrid>
-                <a:gridCol w="3810000">
+                <a:gridCol w="3857626">
                   <a:extLst>
                     <a:ext uri="{9D8B030D-6E8A-4147-A177-3AD203B41FA5}">
                       <a16:colId xmlns:a16="http://schemas.microsoft.com/office/drawing/2014/main" val="3669272417"/>
@@ -16180,11 +15701,25 @@
                         <a:buNone/>
                       </a:pPr>
                       <a:r>
-                        <a:rPr lang="cs-CZ" sz="900" b="1" dirty="0">
+                        <a:rPr lang="cs-CZ" sz="1000" b="1" dirty="0">
                           <a:effectLst/>
                           <a:latin typeface="Consolas" panose="020B0609020204030204" pitchFamily="49" charset="0"/>
                         </a:rPr>
-                        <a:t>Příklad Arduino programu</a:t>
+                        <a:t>Struktura </a:t>
+                      </a:r>
+                      <a:r>
+                        <a:rPr lang="cs-CZ" sz="1000" b="1" dirty="0" err="1">
+                          <a:effectLst/>
+                          <a:latin typeface="Consolas" panose="020B0609020204030204" pitchFamily="49" charset="0"/>
+                        </a:rPr>
+                        <a:t>Arduino</a:t>
+                      </a:r>
+                      <a:r>
+                        <a:rPr lang="cs-CZ" sz="1000" b="1" dirty="0">
+                          <a:effectLst/>
+                          <a:latin typeface="Consolas" panose="020B0609020204030204" pitchFamily="49" charset="0"/>
+                        </a:rPr>
+                        <a:t> programu</a:t>
                       </a:r>
                     </a:p>
                   </a:txBody>
